--- a/doc/curvilinear grid properties.pptx
+++ b/doc/curvilinear grid properties.pptx
@@ -9,18 +9,24 @@
     <p:sldId id="261" r:id="rId3"/>
     <p:sldId id="262" r:id="rId4"/>
     <p:sldId id="260" r:id="rId5"/>
-    <p:sldId id="257" r:id="rId6"/>
-    <p:sldId id="258" r:id="rId7"/>
-    <p:sldId id="259" r:id="rId8"/>
-    <p:sldId id="263" r:id="rId9"/>
-    <p:sldId id="264" r:id="rId10"/>
-    <p:sldId id="265" r:id="rId11"/>
-    <p:sldId id="266" r:id="rId12"/>
-    <p:sldId id="268" r:id="rId13"/>
-    <p:sldId id="269" r:id="rId14"/>
-    <p:sldId id="271" r:id="rId15"/>
-    <p:sldId id="270" r:id="rId16"/>
-    <p:sldId id="272" r:id="rId17"/>
+    <p:sldId id="277" r:id="rId6"/>
+    <p:sldId id="257" r:id="rId7"/>
+    <p:sldId id="258" r:id="rId8"/>
+    <p:sldId id="259" r:id="rId9"/>
+    <p:sldId id="278" r:id="rId10"/>
+    <p:sldId id="263" r:id="rId11"/>
+    <p:sldId id="273" r:id="rId12"/>
+    <p:sldId id="274" r:id="rId13"/>
+    <p:sldId id="275" r:id="rId14"/>
+    <p:sldId id="276" r:id="rId15"/>
+    <p:sldId id="264" r:id="rId16"/>
+    <p:sldId id="265" r:id="rId17"/>
+    <p:sldId id="266" r:id="rId18"/>
+    <p:sldId id="268" r:id="rId19"/>
+    <p:sldId id="269" r:id="rId20"/>
+    <p:sldId id="271" r:id="rId21"/>
+    <p:sldId id="270" r:id="rId22"/>
+    <p:sldId id="272" r:id="rId23"/>
   </p:sldIdLst>
   <p:sldSz cx="9144000" cy="6858000" type="screen4x3"/>
   <p:notesSz cx="6858000" cy="9144000"/>
@@ -304,7 +310,7 @@
             <a:fld id="{7E3EA815-EA65-4574-BCEF-FEBEBE6A66D4}" type="datetimeFigureOut">
               <a:rPr lang="en-US" smtClean="0"/>
               <a:pPr/>
-              <a:t>11/30/2010</a:t>
+              <a:t>12/19/2010</a:t>
             </a:fld>
             <a:endParaRPr lang="en-US"/>
           </a:p>
@@ -471,7 +477,7 @@
             <a:fld id="{7E3EA815-EA65-4574-BCEF-FEBEBE6A66D4}" type="datetimeFigureOut">
               <a:rPr lang="en-US" smtClean="0"/>
               <a:pPr/>
-              <a:t>11/30/2010</a:t>
+              <a:t>12/19/2010</a:t>
             </a:fld>
             <a:endParaRPr lang="en-US"/>
           </a:p>
@@ -648,7 +654,7 @@
             <a:fld id="{7E3EA815-EA65-4574-BCEF-FEBEBE6A66D4}" type="datetimeFigureOut">
               <a:rPr lang="en-US" smtClean="0"/>
               <a:pPr/>
-              <a:t>11/30/2010</a:t>
+              <a:t>12/19/2010</a:t>
             </a:fld>
             <a:endParaRPr lang="en-US"/>
           </a:p>
@@ -815,7 +821,7 @@
             <a:fld id="{7E3EA815-EA65-4574-BCEF-FEBEBE6A66D4}" type="datetimeFigureOut">
               <a:rPr lang="en-US" smtClean="0"/>
               <a:pPr/>
-              <a:t>11/30/2010</a:t>
+              <a:t>12/19/2010</a:t>
             </a:fld>
             <a:endParaRPr lang="en-US"/>
           </a:p>
@@ -1058,7 +1064,7 @@
             <a:fld id="{7E3EA815-EA65-4574-BCEF-FEBEBE6A66D4}" type="datetimeFigureOut">
               <a:rPr lang="en-US" smtClean="0"/>
               <a:pPr/>
-              <a:t>11/30/2010</a:t>
+              <a:t>12/19/2010</a:t>
             </a:fld>
             <a:endParaRPr lang="en-US"/>
           </a:p>
@@ -1343,7 +1349,7 @@
             <a:fld id="{7E3EA815-EA65-4574-BCEF-FEBEBE6A66D4}" type="datetimeFigureOut">
               <a:rPr lang="en-US" smtClean="0"/>
               <a:pPr/>
-              <a:t>11/30/2010</a:t>
+              <a:t>12/19/2010</a:t>
             </a:fld>
             <a:endParaRPr lang="en-US"/>
           </a:p>
@@ -1762,7 +1768,7 @@
             <a:fld id="{7E3EA815-EA65-4574-BCEF-FEBEBE6A66D4}" type="datetimeFigureOut">
               <a:rPr lang="en-US" smtClean="0"/>
               <a:pPr/>
-              <a:t>11/30/2010</a:t>
+              <a:t>12/19/2010</a:t>
             </a:fld>
             <a:endParaRPr lang="en-US"/>
           </a:p>
@@ -1877,7 +1883,7 @@
             <a:fld id="{7E3EA815-EA65-4574-BCEF-FEBEBE6A66D4}" type="datetimeFigureOut">
               <a:rPr lang="en-US" smtClean="0"/>
               <a:pPr/>
-              <a:t>11/30/2010</a:t>
+              <a:t>12/19/2010</a:t>
             </a:fld>
             <a:endParaRPr lang="en-US"/>
           </a:p>
@@ -1969,7 +1975,7 @@
             <a:fld id="{7E3EA815-EA65-4574-BCEF-FEBEBE6A66D4}" type="datetimeFigureOut">
               <a:rPr lang="en-US" smtClean="0"/>
               <a:pPr/>
-              <a:t>11/30/2010</a:t>
+              <a:t>12/19/2010</a:t>
             </a:fld>
             <a:endParaRPr lang="en-US"/>
           </a:p>
@@ -2243,7 +2249,7 @@
             <a:fld id="{7E3EA815-EA65-4574-BCEF-FEBEBE6A66D4}" type="datetimeFigureOut">
               <a:rPr lang="en-US" smtClean="0"/>
               <a:pPr/>
-              <a:t>11/30/2010</a:t>
+              <a:t>12/19/2010</a:t>
             </a:fld>
             <a:endParaRPr lang="en-US"/>
           </a:p>
@@ -2493,7 +2499,7 @@
             <a:fld id="{7E3EA815-EA65-4574-BCEF-FEBEBE6A66D4}" type="datetimeFigureOut">
               <a:rPr lang="en-US" smtClean="0"/>
               <a:pPr/>
-              <a:t>11/30/2010</a:t>
+              <a:t>12/19/2010</a:t>
             </a:fld>
             <a:endParaRPr lang="en-US"/>
           </a:p>
@@ -2703,7 +2709,7 @@
             <a:fld id="{7E3EA815-EA65-4574-BCEF-FEBEBE6A66D4}" type="datetimeFigureOut">
               <a:rPr lang="en-US" smtClean="0"/>
               <a:pPr/>
-              <a:t>11/30/2010</a:t>
+              <a:t>12/19/2010</a:t>
             </a:fld>
             <a:endParaRPr lang="en-US"/>
           </a:p>
@@ -4100,6 +4106,156 @@
           </a:p>
         </p:txBody>
       </p:sp>
+      <p:sp>
+        <p:nvSpPr>
+          <p:cNvPr id="16" name="TextBox 15"/>
+          <p:cNvSpPr txBox="1"/>
+          <p:nvPr/>
+        </p:nvSpPr>
+        <p:spPr>
+          <a:xfrm>
+            <a:off x="4860032" y="1628800"/>
+            <a:ext cx="216024" cy="584775"/>
+          </a:xfrm>
+          <a:prstGeom prst="rect">
+            <a:avLst/>
+          </a:prstGeom>
+          <a:noFill/>
+        </p:spPr>
+        <p:txBody>
+          <a:bodyPr wrap="square" rtlCol="0">
+            <a:spAutoFit/>
+          </a:bodyPr>
+          <a:lstStyle/>
+          <a:p>
+            <a:r>
+              <a:rPr lang="en-US" sz="3200" dirty="0" smtClean="0"/>
+              <a:t>o</a:t>
+            </a:r>
+            <a:endParaRPr lang="en-US" dirty="0"/>
+          </a:p>
+        </p:txBody>
+      </p:sp>
+      <p:sp>
+        <p:nvSpPr>
+          <p:cNvPr id="17" name="TextBox 16"/>
+          <p:cNvSpPr txBox="1"/>
+          <p:nvPr/>
+        </p:nvSpPr>
+        <p:spPr>
+          <a:xfrm>
+            <a:off x="3851920" y="2852936"/>
+            <a:ext cx="360040" cy="584775"/>
+          </a:xfrm>
+          <a:prstGeom prst="rect">
+            <a:avLst/>
+          </a:prstGeom>
+          <a:noFill/>
+        </p:spPr>
+        <p:txBody>
+          <a:bodyPr wrap="square" rtlCol="0">
+            <a:spAutoFit/>
+          </a:bodyPr>
+          <a:lstStyle/>
+          <a:p>
+            <a:r>
+              <a:rPr lang="en-US" sz="3200" dirty="0" smtClean="0"/>
+              <a:t>z</a:t>
+            </a:r>
+            <a:endParaRPr lang="en-US" sz="3200" dirty="0"/>
+          </a:p>
+        </p:txBody>
+      </p:sp>
+      <p:sp>
+        <p:nvSpPr>
+          <p:cNvPr id="18" name="TextBox 17"/>
+          <p:cNvSpPr txBox="1"/>
+          <p:nvPr/>
+        </p:nvSpPr>
+        <p:spPr>
+          <a:xfrm>
+            <a:off x="4860032" y="2708920"/>
+            <a:ext cx="360040" cy="584775"/>
+          </a:xfrm>
+          <a:prstGeom prst="rect">
+            <a:avLst/>
+          </a:prstGeom>
+          <a:noFill/>
+        </p:spPr>
+        <p:txBody>
+          <a:bodyPr wrap="square" rtlCol="0">
+            <a:spAutoFit/>
+          </a:bodyPr>
+          <a:lstStyle/>
+          <a:p>
+            <a:r>
+              <a:rPr lang="en-US" sz="3200" dirty="0" smtClean="0"/>
+              <a:t>u</a:t>
+            </a:r>
+            <a:endParaRPr lang="en-US" sz="3200" dirty="0"/>
+          </a:p>
+        </p:txBody>
+      </p:sp>
+      <p:sp>
+        <p:nvSpPr>
+          <p:cNvPr id="19" name="TextBox 18"/>
+          <p:cNvSpPr txBox="1"/>
+          <p:nvPr/>
+        </p:nvSpPr>
+        <p:spPr>
+          <a:xfrm>
+            <a:off x="3563888" y="1916832"/>
+            <a:ext cx="360040" cy="584775"/>
+          </a:xfrm>
+          <a:prstGeom prst="rect">
+            <a:avLst/>
+          </a:prstGeom>
+          <a:noFill/>
+        </p:spPr>
+        <p:txBody>
+          <a:bodyPr wrap="square" rtlCol="0">
+            <a:spAutoFit/>
+          </a:bodyPr>
+          <a:lstStyle/>
+          <a:p>
+            <a:r>
+              <a:rPr lang="en-US" sz="3200" dirty="0" smtClean="0"/>
+              <a:t>v</a:t>
+            </a:r>
+            <a:endParaRPr lang="en-US" sz="3200" dirty="0"/>
+          </a:p>
+        </p:txBody>
+      </p:sp>
+      <p:sp>
+        <p:nvSpPr>
+          <p:cNvPr id="20" name="TextBox 19"/>
+          <p:cNvSpPr txBox="1"/>
+          <p:nvPr/>
+        </p:nvSpPr>
+        <p:spPr>
+          <a:xfrm>
+            <a:off x="4644008" y="1764105"/>
+            <a:ext cx="360040" cy="584775"/>
+          </a:xfrm>
+          <a:prstGeom prst="rect">
+            <a:avLst/>
+          </a:prstGeom>
+          <a:noFill/>
+        </p:spPr>
+        <p:txBody>
+          <a:bodyPr wrap="square" rtlCol="0">
+            <a:spAutoFit/>
+          </a:bodyPr>
+          <a:lstStyle/>
+          <a:p>
+            <a:r>
+              <a:rPr lang="en-US" sz="3200" dirty="0" smtClean="0"/>
+              <a:t>c</a:t>
+            </a:r>
+            <a:endParaRPr lang="en-US" sz="3200" dirty="0"/>
+          </a:p>
+        </p:txBody>
+      </p:sp>
     </p:spTree>
   </p:cSld>
   <p:clrMapOvr>
@@ -4116,6 +4272,3142 @@
 </file>
 
 <file path=ppt/slides/slide10.xml><?xml version="1.0" encoding="utf-8"?>
+<p:sld xmlns:a="http://schemas.openxmlformats.org/drawingml/2006/main" xmlns:r="http://schemas.openxmlformats.org/officeDocument/2006/relationships" xmlns:p="http://schemas.openxmlformats.org/presentationml/2006/main">
+  <p:cSld>
+    <p:spTree>
+      <p:nvGrpSpPr>
+        <p:cNvPr id="1" name=""/>
+        <p:cNvGrpSpPr/>
+        <p:nvPr/>
+      </p:nvGrpSpPr>
+      <p:grpSpPr>
+        <a:xfrm>
+          <a:off x="0" y="0"/>
+          <a:ext cx="0" cy="0"/>
+          <a:chOff x="0" y="0"/>
+          <a:chExt cx="0" cy="0"/>
+        </a:xfrm>
+      </p:grpSpPr>
+      <p:sp>
+        <p:nvSpPr>
+          <p:cNvPr id="17" name="Freeform 16"/>
+          <p:cNvSpPr/>
+          <p:nvPr/>
+        </p:nvSpPr>
+        <p:spPr>
+          <a:xfrm>
+            <a:off x="3915052" y="1855433"/>
+            <a:ext cx="2476870" cy="2059619"/>
+          </a:xfrm>
+          <a:custGeom>
+            <a:avLst/>
+            <a:gdLst>
+              <a:gd name="connsiteX0" fmla="*/ 0 w 2476870"/>
+              <a:gd name="connsiteY0" fmla="*/ 275208 h 2059619"/>
+              <a:gd name="connsiteX1" fmla="*/ 292964 w 2476870"/>
+              <a:gd name="connsiteY1" fmla="*/ 1145219 h 2059619"/>
+              <a:gd name="connsiteX2" fmla="*/ 568171 w 2476870"/>
+              <a:gd name="connsiteY2" fmla="*/ 2059619 h 2059619"/>
+              <a:gd name="connsiteX3" fmla="*/ 1464816 w 2476870"/>
+              <a:gd name="connsiteY3" fmla="*/ 1926454 h 2059619"/>
+              <a:gd name="connsiteX4" fmla="*/ 2476870 w 2476870"/>
+              <a:gd name="connsiteY4" fmla="*/ 1899821 h 2059619"/>
+              <a:gd name="connsiteX5" fmla="*/ 2370338 w 2476870"/>
+              <a:gd name="connsiteY5" fmla="*/ 887767 h 2059619"/>
+              <a:gd name="connsiteX6" fmla="*/ 2246051 w 2476870"/>
+              <a:gd name="connsiteY6" fmla="*/ 0 h 2059619"/>
+              <a:gd name="connsiteX7" fmla="*/ 1136342 w 2476870"/>
+              <a:gd name="connsiteY7" fmla="*/ 71021 h 2059619"/>
+              <a:gd name="connsiteX8" fmla="*/ 0 w 2476870"/>
+              <a:gd name="connsiteY8" fmla="*/ 275208 h 2059619"/>
+            </a:gdLst>
+            <a:ahLst/>
+            <a:cxnLst>
+              <a:cxn ang="0">
+                <a:pos x="connsiteX0" y="connsiteY0"/>
+              </a:cxn>
+              <a:cxn ang="0">
+                <a:pos x="connsiteX1" y="connsiteY1"/>
+              </a:cxn>
+              <a:cxn ang="0">
+                <a:pos x="connsiteX2" y="connsiteY2"/>
+              </a:cxn>
+              <a:cxn ang="0">
+                <a:pos x="connsiteX3" y="connsiteY3"/>
+              </a:cxn>
+              <a:cxn ang="0">
+                <a:pos x="connsiteX4" y="connsiteY4"/>
+              </a:cxn>
+              <a:cxn ang="0">
+                <a:pos x="connsiteX5" y="connsiteY5"/>
+              </a:cxn>
+              <a:cxn ang="0">
+                <a:pos x="connsiteX6" y="connsiteY6"/>
+              </a:cxn>
+              <a:cxn ang="0">
+                <a:pos x="connsiteX7" y="connsiteY7"/>
+              </a:cxn>
+              <a:cxn ang="0">
+                <a:pos x="connsiteX8" y="connsiteY8"/>
+              </a:cxn>
+            </a:cxnLst>
+            <a:rect l="l" t="t" r="r" b="b"/>
+            <a:pathLst>
+              <a:path w="2476870" h="2059619">
+                <a:moveTo>
+                  <a:pt x="0" y="275208"/>
+                </a:moveTo>
+                <a:lnTo>
+                  <a:pt x="292964" y="1145219"/>
+                </a:lnTo>
+                <a:lnTo>
+                  <a:pt x="568171" y="2059619"/>
+                </a:lnTo>
+                <a:lnTo>
+                  <a:pt x="1464816" y="1926454"/>
+                </a:lnTo>
+                <a:lnTo>
+                  <a:pt x="2476870" y="1899821"/>
+                </a:lnTo>
+                <a:lnTo>
+                  <a:pt x="2370338" y="887767"/>
+                </a:lnTo>
+                <a:lnTo>
+                  <a:pt x="2246051" y="0"/>
+                </a:lnTo>
+                <a:lnTo>
+                  <a:pt x="1136342" y="71021"/>
+                </a:lnTo>
+                <a:lnTo>
+                  <a:pt x="0" y="275208"/>
+                </a:lnTo>
+                <a:close/>
+              </a:path>
+            </a:pathLst>
+          </a:custGeom>
+          <a:solidFill>
+            <a:schemeClr val="accent2"/>
+          </a:solidFill>
+        </p:spPr>
+        <p:style>
+          <a:lnRef idx="2">
+            <a:schemeClr val="accent1">
+              <a:shade val="50000"/>
+            </a:schemeClr>
+          </a:lnRef>
+          <a:fillRef idx="1">
+            <a:schemeClr val="accent1"/>
+          </a:fillRef>
+          <a:effectRef idx="0">
+            <a:schemeClr val="accent1"/>
+          </a:effectRef>
+          <a:fontRef idx="minor">
+            <a:schemeClr val="lt1"/>
+          </a:fontRef>
+        </p:style>
+        <p:txBody>
+          <a:bodyPr rtlCol="0" anchor="ctr"/>
+          <a:lstStyle/>
+          <a:p>
+            <a:pPr algn="ctr"/>
+            <a:endParaRPr lang="en-US"/>
+          </a:p>
+        </p:txBody>
+      </p:sp>
+      <p:sp>
+        <p:nvSpPr>
+          <p:cNvPr id="21" name="Freeform 20"/>
+          <p:cNvSpPr/>
+          <p:nvPr/>
+        </p:nvSpPr>
+        <p:spPr>
+          <a:xfrm>
+            <a:off x="3131840" y="476672"/>
+            <a:ext cx="1944216" cy="5544616"/>
+          </a:xfrm>
+          <a:custGeom>
+            <a:avLst/>
+            <a:gdLst>
+              <a:gd name="connsiteX0" fmla="*/ 2521258 w 2521258"/>
+              <a:gd name="connsiteY0" fmla="*/ 5007006 h 5007006"/>
+              <a:gd name="connsiteX1" fmla="*/ 1429305 w 2521258"/>
+              <a:gd name="connsiteY1" fmla="*/ 2663301 h 5007006"/>
+              <a:gd name="connsiteX2" fmla="*/ 0 w 2521258"/>
+              <a:gd name="connsiteY2" fmla="*/ 0 h 5007006"/>
+              <a:gd name="connsiteX0" fmla="*/ 2304256 w 2304256"/>
+              <a:gd name="connsiteY0" fmla="*/ 5079014 h 5079014"/>
+              <a:gd name="connsiteX1" fmla="*/ 1212303 w 2304256"/>
+              <a:gd name="connsiteY1" fmla="*/ 2735309 h 5079014"/>
+              <a:gd name="connsiteX2" fmla="*/ 0 w 2304256"/>
+              <a:gd name="connsiteY2" fmla="*/ 0 h 5079014"/>
+              <a:gd name="connsiteX0" fmla="*/ 1944216 w 1944216"/>
+              <a:gd name="connsiteY0" fmla="*/ 5112568 h 5112568"/>
+              <a:gd name="connsiteX1" fmla="*/ 1212303 w 1944216"/>
+              <a:gd name="connsiteY1" fmla="*/ 2735309 h 5112568"/>
+              <a:gd name="connsiteX2" fmla="*/ 0 w 1944216"/>
+              <a:gd name="connsiteY2" fmla="*/ 0 h 5112568"/>
+              <a:gd name="connsiteX0" fmla="*/ 1944216 w 1944216"/>
+              <a:gd name="connsiteY0" fmla="*/ 5112568 h 5112568"/>
+              <a:gd name="connsiteX1" fmla="*/ 1212303 w 1944216"/>
+              <a:gd name="connsiteY1" fmla="*/ 2735309 h 5112568"/>
+              <a:gd name="connsiteX2" fmla="*/ 0 w 1944216"/>
+              <a:gd name="connsiteY2" fmla="*/ 0 h 5112568"/>
+              <a:gd name="connsiteX0" fmla="*/ 1944216 w 1944216"/>
+              <a:gd name="connsiteY0" fmla="*/ 5112568 h 5508778"/>
+              <a:gd name="connsiteX1" fmla="*/ 1800200 w 1944216"/>
+              <a:gd name="connsiteY1" fmla="*/ 5112568 h 5508778"/>
+              <a:gd name="connsiteX2" fmla="*/ 1212303 w 1944216"/>
+              <a:gd name="connsiteY2" fmla="*/ 2735309 h 5508778"/>
+              <a:gd name="connsiteX3" fmla="*/ 0 w 1944216"/>
+              <a:gd name="connsiteY3" fmla="*/ 0 h 5508778"/>
+              <a:gd name="connsiteX0" fmla="*/ 1944216 w 1944216"/>
+              <a:gd name="connsiteY0" fmla="*/ 5112568 h 5544616"/>
+              <a:gd name="connsiteX1" fmla="*/ 1800200 w 1944216"/>
+              <a:gd name="connsiteY1" fmla="*/ 5112568 h 5544616"/>
+              <a:gd name="connsiteX2" fmla="*/ 1152128 w 1944216"/>
+              <a:gd name="connsiteY2" fmla="*/ 2520280 h 5544616"/>
+              <a:gd name="connsiteX3" fmla="*/ 0 w 1944216"/>
+              <a:gd name="connsiteY3" fmla="*/ 0 h 5544616"/>
+              <a:gd name="connsiteX0" fmla="*/ 1944216 w 1944216"/>
+              <a:gd name="connsiteY0" fmla="*/ 5112568 h 5544616"/>
+              <a:gd name="connsiteX1" fmla="*/ 1800200 w 1944216"/>
+              <a:gd name="connsiteY1" fmla="*/ 5112568 h 5544616"/>
+              <a:gd name="connsiteX2" fmla="*/ 1152128 w 1944216"/>
+              <a:gd name="connsiteY2" fmla="*/ 2520280 h 5544616"/>
+              <a:gd name="connsiteX3" fmla="*/ 0 w 1944216"/>
+              <a:gd name="connsiteY3" fmla="*/ 0 h 5544616"/>
+              <a:gd name="connsiteX0" fmla="*/ 1944216 w 1944216"/>
+              <a:gd name="connsiteY0" fmla="*/ 5112568 h 5544616"/>
+              <a:gd name="connsiteX1" fmla="*/ 1800200 w 1944216"/>
+              <a:gd name="connsiteY1" fmla="*/ 5112568 h 5544616"/>
+              <a:gd name="connsiteX2" fmla="*/ 1152128 w 1944216"/>
+              <a:gd name="connsiteY2" fmla="*/ 2520280 h 5544616"/>
+              <a:gd name="connsiteX3" fmla="*/ 0 w 1944216"/>
+              <a:gd name="connsiteY3" fmla="*/ 0 h 5544616"/>
+              <a:gd name="connsiteX0" fmla="*/ 1944216 w 1944216"/>
+              <a:gd name="connsiteY0" fmla="*/ 5112568 h 5544616"/>
+              <a:gd name="connsiteX1" fmla="*/ 1800200 w 1944216"/>
+              <a:gd name="connsiteY1" fmla="*/ 5112568 h 5544616"/>
+              <a:gd name="connsiteX2" fmla="*/ 1152128 w 1944216"/>
+              <a:gd name="connsiteY2" fmla="*/ 2520280 h 5544616"/>
+              <a:gd name="connsiteX3" fmla="*/ 0 w 1944216"/>
+              <a:gd name="connsiteY3" fmla="*/ 0 h 5544616"/>
+              <a:gd name="connsiteX0" fmla="*/ 1944216 w 1944216"/>
+              <a:gd name="connsiteY0" fmla="*/ 5112568 h 5544616"/>
+              <a:gd name="connsiteX1" fmla="*/ 1800200 w 1944216"/>
+              <a:gd name="connsiteY1" fmla="*/ 5112568 h 5544616"/>
+              <a:gd name="connsiteX2" fmla="*/ 1080120 w 1944216"/>
+              <a:gd name="connsiteY2" fmla="*/ 2520280 h 5544616"/>
+              <a:gd name="connsiteX3" fmla="*/ 0 w 1944216"/>
+              <a:gd name="connsiteY3" fmla="*/ 0 h 5544616"/>
+            </a:gdLst>
+            <a:ahLst/>
+            <a:cxnLst>
+              <a:cxn ang="0">
+                <a:pos x="connsiteX0" y="connsiteY0"/>
+              </a:cxn>
+              <a:cxn ang="0">
+                <a:pos x="connsiteX1" y="connsiteY1"/>
+              </a:cxn>
+              <a:cxn ang="0">
+                <a:pos x="connsiteX2" y="connsiteY2"/>
+              </a:cxn>
+              <a:cxn ang="0">
+                <a:pos x="connsiteX3" y="connsiteY3"/>
+              </a:cxn>
+            </a:cxnLst>
+            <a:rect l="l" t="t" r="r" b="b"/>
+            <a:pathLst>
+              <a:path w="1944216" h="5544616">
+                <a:moveTo>
+                  <a:pt x="1944216" y="5112568"/>
+                </a:moveTo>
+                <a:cubicBezTo>
+                  <a:pt x="1943065" y="5113183"/>
+                  <a:pt x="1944216" y="5544616"/>
+                  <a:pt x="1800200" y="5112568"/>
+                </a:cubicBezTo>
+                <a:cubicBezTo>
+                  <a:pt x="1656184" y="4680520"/>
+                  <a:pt x="1344642" y="3383716"/>
+                  <a:pt x="1080120" y="2520280"/>
+                </a:cubicBezTo>
+                <a:cubicBezTo>
+                  <a:pt x="796858" y="1621581"/>
+                  <a:pt x="504547" y="914400"/>
+                  <a:pt x="0" y="0"/>
+                </a:cubicBezTo>
+              </a:path>
+            </a:pathLst>
+          </a:custGeom>
+          <a:ln>
+            <a:prstDash val="dash"/>
+          </a:ln>
+        </p:spPr>
+        <p:style>
+          <a:lnRef idx="1">
+            <a:schemeClr val="accent1"/>
+          </a:lnRef>
+          <a:fillRef idx="0">
+            <a:schemeClr val="accent1"/>
+          </a:fillRef>
+          <a:effectRef idx="0">
+            <a:schemeClr val="accent1"/>
+          </a:effectRef>
+          <a:fontRef idx="minor">
+            <a:schemeClr val="tx1"/>
+          </a:fontRef>
+        </p:style>
+        <p:txBody>
+          <a:bodyPr rtlCol="0" anchor="ctr"/>
+          <a:lstStyle/>
+          <a:p>
+            <a:pPr algn="ctr"/>
+            <a:endParaRPr lang="en-US"/>
+          </a:p>
+        </p:txBody>
+      </p:sp>
+      <p:sp>
+        <p:nvSpPr>
+          <p:cNvPr id="4" name="Arc 3"/>
+          <p:cNvSpPr/>
+          <p:nvPr/>
+        </p:nvSpPr>
+        <p:spPr>
+          <a:xfrm>
+            <a:off x="2339752" y="5229200"/>
+            <a:ext cx="45719" cy="45719"/>
+          </a:xfrm>
+          <a:prstGeom prst="arc">
+            <a:avLst/>
+          </a:prstGeom>
+        </p:spPr>
+        <p:style>
+          <a:lnRef idx="1">
+            <a:schemeClr val="accent1"/>
+          </a:lnRef>
+          <a:fillRef idx="0">
+            <a:schemeClr val="accent1"/>
+          </a:fillRef>
+          <a:effectRef idx="0">
+            <a:schemeClr val="accent1"/>
+          </a:effectRef>
+          <a:fontRef idx="minor">
+            <a:schemeClr val="tx1"/>
+          </a:fontRef>
+        </p:style>
+        <p:txBody>
+          <a:bodyPr rtlCol="0" anchor="ctr"/>
+          <a:lstStyle/>
+          <a:p>
+            <a:pPr algn="ctr"/>
+            <a:endParaRPr lang="en-US"/>
+          </a:p>
+        </p:txBody>
+      </p:sp>
+      <p:sp>
+        <p:nvSpPr>
+          <p:cNvPr id="7" name="Freeform 6"/>
+          <p:cNvSpPr/>
+          <p:nvPr/>
+        </p:nvSpPr>
+        <p:spPr>
+          <a:xfrm>
+            <a:off x="1229558" y="3651681"/>
+            <a:ext cx="6511770" cy="2133600"/>
+          </a:xfrm>
+          <a:custGeom>
+            <a:avLst/>
+            <a:gdLst>
+              <a:gd name="connsiteX0" fmla="*/ 324034 w 6511770"/>
+              <a:gd name="connsiteY0" fmla="*/ 1976762 h 2133600"/>
+              <a:gd name="connsiteX1" fmla="*/ 448322 w 6511770"/>
+              <a:gd name="connsiteY1" fmla="*/ 1852474 h 2133600"/>
+              <a:gd name="connsiteX2" fmla="*/ 3013968 w 6511770"/>
+              <a:gd name="connsiteY2" fmla="*/ 290004 h 2133600"/>
+              <a:gd name="connsiteX3" fmla="*/ 6511770 w 6511770"/>
+              <a:gd name="connsiteY3" fmla="*/ 112451 h 2133600"/>
+              <a:gd name="connsiteX4" fmla="*/ 6511770 w 6511770"/>
+              <a:gd name="connsiteY4" fmla="*/ 112451 h 2133600"/>
+            </a:gdLst>
+            <a:ahLst/>
+            <a:cxnLst>
+              <a:cxn ang="0">
+                <a:pos x="connsiteX0" y="connsiteY0"/>
+              </a:cxn>
+              <a:cxn ang="0">
+                <a:pos x="connsiteX1" y="connsiteY1"/>
+              </a:cxn>
+              <a:cxn ang="0">
+                <a:pos x="connsiteX2" y="connsiteY2"/>
+              </a:cxn>
+              <a:cxn ang="0">
+                <a:pos x="connsiteX3" y="connsiteY3"/>
+              </a:cxn>
+              <a:cxn ang="0">
+                <a:pos x="connsiteX4" y="connsiteY4"/>
+              </a:cxn>
+            </a:cxnLst>
+            <a:rect l="l" t="t" r="r" b="b"/>
+            <a:pathLst>
+              <a:path w="6511770" h="2133600">
+                <a:moveTo>
+                  <a:pt x="324034" y="1976762"/>
+                </a:moveTo>
+                <a:cubicBezTo>
+                  <a:pt x="162017" y="2055181"/>
+                  <a:pt x="0" y="2133600"/>
+                  <a:pt x="448322" y="1852474"/>
+                </a:cubicBezTo>
+                <a:cubicBezTo>
+                  <a:pt x="896644" y="1571348"/>
+                  <a:pt x="2003393" y="580008"/>
+                  <a:pt x="3013968" y="290004"/>
+                </a:cubicBezTo>
+                <a:cubicBezTo>
+                  <a:pt x="4024543" y="0"/>
+                  <a:pt x="6511770" y="112451"/>
+                  <a:pt x="6511770" y="112451"/>
+                </a:cubicBezTo>
+                <a:lnTo>
+                  <a:pt x="6511770" y="112451"/>
+                </a:lnTo>
+              </a:path>
+            </a:pathLst>
+          </a:custGeom>
+        </p:spPr>
+        <p:style>
+          <a:lnRef idx="1">
+            <a:schemeClr val="accent1"/>
+          </a:lnRef>
+          <a:fillRef idx="0">
+            <a:schemeClr val="accent1"/>
+          </a:fillRef>
+          <a:effectRef idx="0">
+            <a:schemeClr val="accent1"/>
+          </a:effectRef>
+          <a:fontRef idx="minor">
+            <a:schemeClr val="tx1"/>
+          </a:fontRef>
+        </p:style>
+        <p:txBody>
+          <a:bodyPr rtlCol="0" anchor="ctr"/>
+          <a:lstStyle/>
+          <a:p>
+            <a:pPr algn="ctr"/>
+            <a:endParaRPr lang="en-US"/>
+          </a:p>
+        </p:txBody>
+      </p:sp>
+      <p:sp>
+        <p:nvSpPr>
+          <p:cNvPr id="8" name="Freeform 7"/>
+          <p:cNvSpPr/>
+          <p:nvPr/>
+        </p:nvSpPr>
+        <p:spPr>
+          <a:xfrm>
+            <a:off x="656948" y="1822882"/>
+            <a:ext cx="7102135" cy="1896862"/>
+          </a:xfrm>
+          <a:custGeom>
+            <a:avLst/>
+            <a:gdLst>
+              <a:gd name="connsiteX0" fmla="*/ 0 w 7102135"/>
+              <a:gd name="connsiteY0" fmla="*/ 1896862 h 1896862"/>
+              <a:gd name="connsiteX1" fmla="*/ 2379215 w 7102135"/>
+              <a:gd name="connsiteY1" fmla="*/ 600722 h 1896862"/>
+              <a:gd name="connsiteX2" fmla="*/ 4554244 w 7102135"/>
+              <a:gd name="connsiteY2" fmla="*/ 85817 h 1896862"/>
+              <a:gd name="connsiteX3" fmla="*/ 7102135 w 7102135"/>
+              <a:gd name="connsiteY3" fmla="*/ 85817 h 1896862"/>
+            </a:gdLst>
+            <a:ahLst/>
+            <a:cxnLst>
+              <a:cxn ang="0">
+                <a:pos x="connsiteX0" y="connsiteY0"/>
+              </a:cxn>
+              <a:cxn ang="0">
+                <a:pos x="connsiteX1" y="connsiteY1"/>
+              </a:cxn>
+              <a:cxn ang="0">
+                <a:pos x="connsiteX2" y="connsiteY2"/>
+              </a:cxn>
+              <a:cxn ang="0">
+                <a:pos x="connsiteX3" y="connsiteY3"/>
+              </a:cxn>
+            </a:cxnLst>
+            <a:rect l="l" t="t" r="r" b="b"/>
+            <a:pathLst>
+              <a:path w="7102135" h="1896862">
+                <a:moveTo>
+                  <a:pt x="0" y="1896862"/>
+                </a:moveTo>
+                <a:cubicBezTo>
+                  <a:pt x="810087" y="1399712"/>
+                  <a:pt x="1620174" y="902563"/>
+                  <a:pt x="2379215" y="600722"/>
+                </a:cubicBezTo>
+                <a:cubicBezTo>
+                  <a:pt x="3138256" y="298881"/>
+                  <a:pt x="3767091" y="171635"/>
+                  <a:pt x="4554244" y="85817"/>
+                </a:cubicBezTo>
+                <a:cubicBezTo>
+                  <a:pt x="5341397" y="0"/>
+                  <a:pt x="6221766" y="42908"/>
+                  <a:pt x="7102135" y="85817"/>
+                </a:cubicBezTo>
+              </a:path>
+            </a:pathLst>
+          </a:custGeom>
+        </p:spPr>
+        <p:style>
+          <a:lnRef idx="1">
+            <a:schemeClr val="accent1"/>
+          </a:lnRef>
+          <a:fillRef idx="0">
+            <a:schemeClr val="accent1"/>
+          </a:fillRef>
+          <a:effectRef idx="0">
+            <a:schemeClr val="accent1"/>
+          </a:effectRef>
+          <a:fontRef idx="minor">
+            <a:schemeClr val="tx1"/>
+          </a:fontRef>
+        </p:style>
+        <p:txBody>
+          <a:bodyPr rtlCol="0" anchor="ctr"/>
+          <a:lstStyle/>
+          <a:p>
+            <a:pPr algn="ctr"/>
+            <a:endParaRPr lang="en-US"/>
+          </a:p>
+        </p:txBody>
+      </p:sp>
+      <p:sp>
+        <p:nvSpPr>
+          <p:cNvPr id="9" name="Freeform 8"/>
+          <p:cNvSpPr/>
+          <p:nvPr/>
+        </p:nvSpPr>
+        <p:spPr>
+          <a:xfrm>
+            <a:off x="1775534" y="692458"/>
+            <a:ext cx="2521258" cy="5007006"/>
+          </a:xfrm>
+          <a:custGeom>
+            <a:avLst/>
+            <a:gdLst>
+              <a:gd name="connsiteX0" fmla="*/ 2521258 w 2521258"/>
+              <a:gd name="connsiteY0" fmla="*/ 5007006 h 5007006"/>
+              <a:gd name="connsiteX1" fmla="*/ 1429305 w 2521258"/>
+              <a:gd name="connsiteY1" fmla="*/ 2663301 h 5007006"/>
+              <a:gd name="connsiteX2" fmla="*/ 0 w 2521258"/>
+              <a:gd name="connsiteY2" fmla="*/ 0 h 5007006"/>
+            </a:gdLst>
+            <a:ahLst/>
+            <a:cxnLst>
+              <a:cxn ang="0">
+                <a:pos x="connsiteX0" y="connsiteY0"/>
+              </a:cxn>
+              <a:cxn ang="0">
+                <a:pos x="connsiteX1" y="connsiteY1"/>
+              </a:cxn>
+              <a:cxn ang="0">
+                <a:pos x="connsiteX2" y="connsiteY2"/>
+              </a:cxn>
+            </a:cxnLst>
+            <a:rect l="l" t="t" r="r" b="b"/>
+            <a:pathLst>
+              <a:path w="2521258" h="5007006">
+                <a:moveTo>
+                  <a:pt x="2521258" y="5007006"/>
+                </a:moveTo>
+                <a:cubicBezTo>
+                  <a:pt x="2185386" y="4252404"/>
+                  <a:pt x="1849515" y="3497802"/>
+                  <a:pt x="1429305" y="2663301"/>
+                </a:cubicBezTo>
+                <a:cubicBezTo>
+                  <a:pt x="1009095" y="1828800"/>
+                  <a:pt x="504547" y="914400"/>
+                  <a:pt x="0" y="0"/>
+                </a:cubicBezTo>
+              </a:path>
+            </a:pathLst>
+          </a:custGeom>
+        </p:spPr>
+        <p:style>
+          <a:lnRef idx="1">
+            <a:schemeClr val="accent1"/>
+          </a:lnRef>
+          <a:fillRef idx="0">
+            <a:schemeClr val="accent1"/>
+          </a:fillRef>
+          <a:effectRef idx="0">
+            <a:schemeClr val="accent1"/>
+          </a:effectRef>
+          <a:fontRef idx="minor">
+            <a:schemeClr val="tx1"/>
+          </a:fontRef>
+        </p:style>
+        <p:txBody>
+          <a:bodyPr rtlCol="0" anchor="ctr"/>
+          <a:lstStyle/>
+          <a:p>
+            <a:pPr algn="ctr"/>
+            <a:endParaRPr lang="en-US"/>
+          </a:p>
+        </p:txBody>
+      </p:sp>
+      <p:sp>
+        <p:nvSpPr>
+          <p:cNvPr id="10" name="Freeform 9"/>
+          <p:cNvSpPr/>
+          <p:nvPr/>
+        </p:nvSpPr>
+        <p:spPr>
+          <a:xfrm>
+            <a:off x="4651899" y="124287"/>
+            <a:ext cx="985421" cy="5353235"/>
+          </a:xfrm>
+          <a:custGeom>
+            <a:avLst/>
+            <a:gdLst>
+              <a:gd name="connsiteX0" fmla="*/ 985421 w 985421"/>
+              <a:gd name="connsiteY0" fmla="*/ 5353235 h 5353235"/>
+              <a:gd name="connsiteX1" fmla="*/ 639192 w 985421"/>
+              <a:gd name="connsiteY1" fmla="*/ 3045041 h 5353235"/>
+              <a:gd name="connsiteX2" fmla="*/ 0 w 985421"/>
+              <a:gd name="connsiteY2" fmla="*/ 0 h 5353235"/>
+            </a:gdLst>
+            <a:ahLst/>
+            <a:cxnLst>
+              <a:cxn ang="0">
+                <a:pos x="connsiteX0" y="connsiteY0"/>
+              </a:cxn>
+              <a:cxn ang="0">
+                <a:pos x="connsiteX1" y="connsiteY1"/>
+              </a:cxn>
+              <a:cxn ang="0">
+                <a:pos x="connsiteX2" y="connsiteY2"/>
+              </a:cxn>
+            </a:cxnLst>
+            <a:rect l="l" t="t" r="r" b="b"/>
+            <a:pathLst>
+              <a:path w="985421" h="5353235">
+                <a:moveTo>
+                  <a:pt x="985421" y="5353235"/>
+                </a:moveTo>
+                <a:cubicBezTo>
+                  <a:pt x="894425" y="4645241"/>
+                  <a:pt x="803429" y="3937247"/>
+                  <a:pt x="639192" y="3045041"/>
+                </a:cubicBezTo>
+                <a:cubicBezTo>
+                  <a:pt x="474955" y="2152835"/>
+                  <a:pt x="237477" y="1076417"/>
+                  <a:pt x="0" y="0"/>
+                </a:cubicBezTo>
+              </a:path>
+            </a:pathLst>
+          </a:custGeom>
+        </p:spPr>
+        <p:style>
+          <a:lnRef idx="1">
+            <a:schemeClr val="accent1"/>
+          </a:lnRef>
+          <a:fillRef idx="0">
+            <a:schemeClr val="accent1"/>
+          </a:fillRef>
+          <a:effectRef idx="0">
+            <a:schemeClr val="accent1"/>
+          </a:effectRef>
+          <a:fontRef idx="minor">
+            <a:schemeClr val="tx1"/>
+          </a:fontRef>
+        </p:style>
+        <p:txBody>
+          <a:bodyPr rtlCol="0" anchor="ctr"/>
+          <a:lstStyle/>
+          <a:p>
+            <a:pPr algn="ctr"/>
+            <a:endParaRPr lang="en-US"/>
+          </a:p>
+        </p:txBody>
+      </p:sp>
+      <p:sp>
+        <p:nvSpPr>
+          <p:cNvPr id="11" name="TextBox 10"/>
+          <p:cNvSpPr txBox="1"/>
+          <p:nvPr/>
+        </p:nvSpPr>
+        <p:spPr>
+          <a:xfrm>
+            <a:off x="4005800" y="2674396"/>
+            <a:ext cx="432048" cy="584775"/>
+          </a:xfrm>
+          <a:prstGeom prst="rect">
+            <a:avLst/>
+          </a:prstGeom>
+          <a:noFill/>
+        </p:spPr>
+        <p:txBody>
+          <a:bodyPr wrap="square" rtlCol="0">
+            <a:spAutoFit/>
+          </a:bodyPr>
+          <a:lstStyle/>
+          <a:p>
+            <a:r>
+              <a:rPr lang="en-US" sz="3200" dirty="0" smtClean="0"/>
+              <a:t>+</a:t>
+            </a:r>
+            <a:endParaRPr lang="en-US" sz="3200" dirty="0"/>
+          </a:p>
+        </p:txBody>
+      </p:sp>
+      <p:sp>
+        <p:nvSpPr>
+          <p:cNvPr id="12" name="Freeform 11"/>
+          <p:cNvSpPr/>
+          <p:nvPr/>
+        </p:nvSpPr>
+        <p:spPr>
+          <a:xfrm>
+            <a:off x="755576" y="2708920"/>
+            <a:ext cx="7102135" cy="1896862"/>
+          </a:xfrm>
+          <a:custGeom>
+            <a:avLst/>
+            <a:gdLst>
+              <a:gd name="connsiteX0" fmla="*/ 0 w 7102135"/>
+              <a:gd name="connsiteY0" fmla="*/ 1896862 h 1896862"/>
+              <a:gd name="connsiteX1" fmla="*/ 2379215 w 7102135"/>
+              <a:gd name="connsiteY1" fmla="*/ 600722 h 1896862"/>
+              <a:gd name="connsiteX2" fmla="*/ 4554244 w 7102135"/>
+              <a:gd name="connsiteY2" fmla="*/ 85817 h 1896862"/>
+              <a:gd name="connsiteX3" fmla="*/ 7102135 w 7102135"/>
+              <a:gd name="connsiteY3" fmla="*/ 85817 h 1896862"/>
+            </a:gdLst>
+            <a:ahLst/>
+            <a:cxnLst>
+              <a:cxn ang="0">
+                <a:pos x="connsiteX0" y="connsiteY0"/>
+              </a:cxn>
+              <a:cxn ang="0">
+                <a:pos x="connsiteX1" y="connsiteY1"/>
+              </a:cxn>
+              <a:cxn ang="0">
+                <a:pos x="connsiteX2" y="connsiteY2"/>
+              </a:cxn>
+              <a:cxn ang="0">
+                <a:pos x="connsiteX3" y="connsiteY3"/>
+              </a:cxn>
+            </a:cxnLst>
+            <a:rect l="l" t="t" r="r" b="b"/>
+            <a:pathLst>
+              <a:path w="7102135" h="1896862">
+                <a:moveTo>
+                  <a:pt x="0" y="1896862"/>
+                </a:moveTo>
+                <a:cubicBezTo>
+                  <a:pt x="810087" y="1399712"/>
+                  <a:pt x="1620174" y="902563"/>
+                  <a:pt x="2379215" y="600722"/>
+                </a:cubicBezTo>
+                <a:cubicBezTo>
+                  <a:pt x="3138256" y="298881"/>
+                  <a:pt x="3767091" y="171635"/>
+                  <a:pt x="4554244" y="85817"/>
+                </a:cubicBezTo>
+                <a:cubicBezTo>
+                  <a:pt x="5341397" y="0"/>
+                  <a:pt x="6221766" y="42908"/>
+                  <a:pt x="7102135" y="85817"/>
+                </a:cubicBezTo>
+              </a:path>
+            </a:pathLst>
+          </a:custGeom>
+          <a:ln>
+            <a:prstDash val="dash"/>
+          </a:ln>
+        </p:spPr>
+        <p:style>
+          <a:lnRef idx="1">
+            <a:schemeClr val="accent1"/>
+          </a:lnRef>
+          <a:fillRef idx="0">
+            <a:schemeClr val="accent1"/>
+          </a:fillRef>
+          <a:effectRef idx="0">
+            <a:schemeClr val="accent1"/>
+          </a:effectRef>
+          <a:fontRef idx="minor">
+            <a:schemeClr val="tx1"/>
+          </a:fontRef>
+        </p:style>
+        <p:txBody>
+          <a:bodyPr rtlCol="0" anchor="ctr"/>
+          <a:lstStyle/>
+          <a:p>
+            <a:pPr algn="ctr"/>
+            <a:endParaRPr lang="en-US"/>
+          </a:p>
+        </p:txBody>
+      </p:sp>
+      <p:cxnSp>
+        <p:nvCxnSpPr>
+          <p:cNvPr id="14" name="Straight Connector 13"/>
+          <p:cNvCxnSpPr/>
+          <p:nvPr/>
+        </p:nvCxnSpPr>
+        <p:spPr>
+          <a:xfrm flipV="1">
+            <a:off x="5004048" y="2780928"/>
+            <a:ext cx="390618" cy="62144"/>
+          </a:xfrm>
+          <a:prstGeom prst="line">
+            <a:avLst/>
+          </a:prstGeom>
+          <a:ln w="25400">
+            <a:solidFill>
+              <a:schemeClr val="tx1"/>
+            </a:solidFill>
+          </a:ln>
+        </p:spPr>
+        <p:style>
+          <a:lnRef idx="1">
+            <a:schemeClr val="accent1"/>
+          </a:lnRef>
+          <a:fillRef idx="0">
+            <a:schemeClr val="accent1"/>
+          </a:fillRef>
+          <a:effectRef idx="0">
+            <a:schemeClr val="accent1"/>
+          </a:effectRef>
+          <a:fontRef idx="minor">
+            <a:schemeClr val="tx1"/>
+          </a:fontRef>
+        </p:style>
+      </p:cxnSp>
+      <p:cxnSp>
+        <p:nvCxnSpPr>
+          <p:cNvPr id="15" name="Straight Connector 14"/>
+          <p:cNvCxnSpPr/>
+          <p:nvPr/>
+        </p:nvCxnSpPr>
+        <p:spPr>
+          <a:xfrm rot="16200000" flipH="1">
+            <a:off x="3750442" y="2090317"/>
+            <a:ext cx="301599" cy="98643"/>
+          </a:xfrm>
+          <a:prstGeom prst="line">
+            <a:avLst/>
+          </a:prstGeom>
+          <a:ln w="25400">
+            <a:solidFill>
+              <a:schemeClr val="tx1"/>
+            </a:solidFill>
+          </a:ln>
+        </p:spPr>
+        <p:style>
+          <a:lnRef idx="1">
+            <a:schemeClr val="accent1"/>
+          </a:lnRef>
+          <a:fillRef idx="0">
+            <a:schemeClr val="accent1"/>
+          </a:fillRef>
+          <a:effectRef idx="0">
+            <a:schemeClr val="accent1"/>
+          </a:effectRef>
+          <a:fontRef idx="minor">
+            <a:schemeClr val="tx1"/>
+          </a:fontRef>
+        </p:style>
+      </p:cxnSp>
+      <p:sp>
+        <p:nvSpPr>
+          <p:cNvPr id="22" name="Freeform 21"/>
+          <p:cNvSpPr/>
+          <p:nvPr/>
+        </p:nvSpPr>
+        <p:spPr>
+          <a:xfrm>
+            <a:off x="5796136" y="0"/>
+            <a:ext cx="655300" cy="5661248"/>
+          </a:xfrm>
+          <a:custGeom>
+            <a:avLst/>
+            <a:gdLst>
+              <a:gd name="connsiteX0" fmla="*/ 2521258 w 2521258"/>
+              <a:gd name="connsiteY0" fmla="*/ 5007006 h 5007006"/>
+              <a:gd name="connsiteX1" fmla="*/ 1429305 w 2521258"/>
+              <a:gd name="connsiteY1" fmla="*/ 2663301 h 5007006"/>
+              <a:gd name="connsiteX2" fmla="*/ 0 w 2521258"/>
+              <a:gd name="connsiteY2" fmla="*/ 0 h 5007006"/>
+              <a:gd name="connsiteX0" fmla="*/ 2304256 w 2304256"/>
+              <a:gd name="connsiteY0" fmla="*/ 5079014 h 5079014"/>
+              <a:gd name="connsiteX1" fmla="*/ 1212303 w 2304256"/>
+              <a:gd name="connsiteY1" fmla="*/ 2735309 h 5079014"/>
+              <a:gd name="connsiteX2" fmla="*/ 0 w 2304256"/>
+              <a:gd name="connsiteY2" fmla="*/ 0 h 5079014"/>
+              <a:gd name="connsiteX0" fmla="*/ 1944216 w 1944216"/>
+              <a:gd name="connsiteY0" fmla="*/ 5112568 h 5112568"/>
+              <a:gd name="connsiteX1" fmla="*/ 1212303 w 1944216"/>
+              <a:gd name="connsiteY1" fmla="*/ 2735309 h 5112568"/>
+              <a:gd name="connsiteX2" fmla="*/ 0 w 1944216"/>
+              <a:gd name="connsiteY2" fmla="*/ 0 h 5112568"/>
+              <a:gd name="connsiteX0" fmla="*/ 1944216 w 1944216"/>
+              <a:gd name="connsiteY0" fmla="*/ 5112568 h 5112568"/>
+              <a:gd name="connsiteX1" fmla="*/ 1212303 w 1944216"/>
+              <a:gd name="connsiteY1" fmla="*/ 2735309 h 5112568"/>
+              <a:gd name="connsiteX2" fmla="*/ 0 w 1944216"/>
+              <a:gd name="connsiteY2" fmla="*/ 0 h 5112568"/>
+              <a:gd name="connsiteX0" fmla="*/ 1944216 w 1944216"/>
+              <a:gd name="connsiteY0" fmla="*/ 5112568 h 5508778"/>
+              <a:gd name="connsiteX1" fmla="*/ 1800200 w 1944216"/>
+              <a:gd name="connsiteY1" fmla="*/ 5112568 h 5508778"/>
+              <a:gd name="connsiteX2" fmla="*/ 1212303 w 1944216"/>
+              <a:gd name="connsiteY2" fmla="*/ 2735309 h 5508778"/>
+              <a:gd name="connsiteX3" fmla="*/ 0 w 1944216"/>
+              <a:gd name="connsiteY3" fmla="*/ 0 h 5508778"/>
+              <a:gd name="connsiteX0" fmla="*/ 1944216 w 1944216"/>
+              <a:gd name="connsiteY0" fmla="*/ 5112568 h 5544616"/>
+              <a:gd name="connsiteX1" fmla="*/ 1800200 w 1944216"/>
+              <a:gd name="connsiteY1" fmla="*/ 5112568 h 5544616"/>
+              <a:gd name="connsiteX2" fmla="*/ 1152128 w 1944216"/>
+              <a:gd name="connsiteY2" fmla="*/ 2520280 h 5544616"/>
+              <a:gd name="connsiteX3" fmla="*/ 0 w 1944216"/>
+              <a:gd name="connsiteY3" fmla="*/ 0 h 5544616"/>
+              <a:gd name="connsiteX0" fmla="*/ 1944216 w 1944216"/>
+              <a:gd name="connsiteY0" fmla="*/ 5112568 h 5544616"/>
+              <a:gd name="connsiteX1" fmla="*/ 1800200 w 1944216"/>
+              <a:gd name="connsiteY1" fmla="*/ 5112568 h 5544616"/>
+              <a:gd name="connsiteX2" fmla="*/ 1152128 w 1944216"/>
+              <a:gd name="connsiteY2" fmla="*/ 2520280 h 5544616"/>
+              <a:gd name="connsiteX3" fmla="*/ 0 w 1944216"/>
+              <a:gd name="connsiteY3" fmla="*/ 0 h 5544616"/>
+              <a:gd name="connsiteX0" fmla="*/ 1944216 w 1944216"/>
+              <a:gd name="connsiteY0" fmla="*/ 5112568 h 5544616"/>
+              <a:gd name="connsiteX1" fmla="*/ 1800200 w 1944216"/>
+              <a:gd name="connsiteY1" fmla="*/ 5112568 h 5544616"/>
+              <a:gd name="connsiteX2" fmla="*/ 1152128 w 1944216"/>
+              <a:gd name="connsiteY2" fmla="*/ 2520280 h 5544616"/>
+              <a:gd name="connsiteX3" fmla="*/ 0 w 1944216"/>
+              <a:gd name="connsiteY3" fmla="*/ 0 h 5544616"/>
+              <a:gd name="connsiteX0" fmla="*/ 1944216 w 1944216"/>
+              <a:gd name="connsiteY0" fmla="*/ 5112568 h 5544616"/>
+              <a:gd name="connsiteX1" fmla="*/ 1800200 w 1944216"/>
+              <a:gd name="connsiteY1" fmla="*/ 5112568 h 5544616"/>
+              <a:gd name="connsiteX2" fmla="*/ 1152128 w 1944216"/>
+              <a:gd name="connsiteY2" fmla="*/ 2520280 h 5544616"/>
+              <a:gd name="connsiteX3" fmla="*/ 0 w 1944216"/>
+              <a:gd name="connsiteY3" fmla="*/ 0 h 5544616"/>
+              <a:gd name="connsiteX0" fmla="*/ 1944216 w 1944216"/>
+              <a:gd name="connsiteY0" fmla="*/ 5112568 h 5544616"/>
+              <a:gd name="connsiteX1" fmla="*/ 1800200 w 1944216"/>
+              <a:gd name="connsiteY1" fmla="*/ 5112568 h 5544616"/>
+              <a:gd name="connsiteX2" fmla="*/ 1080120 w 1944216"/>
+              <a:gd name="connsiteY2" fmla="*/ 2520280 h 5544616"/>
+              <a:gd name="connsiteX3" fmla="*/ 0 w 1944216"/>
+              <a:gd name="connsiteY3" fmla="*/ 0 h 5544616"/>
+              <a:gd name="connsiteX0" fmla="*/ 1368152 w 1368152"/>
+              <a:gd name="connsiteY0" fmla="*/ 5741640 h 6173688"/>
+              <a:gd name="connsiteX1" fmla="*/ 1224136 w 1368152"/>
+              <a:gd name="connsiteY1" fmla="*/ 5741640 h 6173688"/>
+              <a:gd name="connsiteX2" fmla="*/ 504056 w 1368152"/>
+              <a:gd name="connsiteY2" fmla="*/ 3149352 h 6173688"/>
+              <a:gd name="connsiteX3" fmla="*/ 0 w 1368152"/>
+              <a:gd name="connsiteY3" fmla="*/ 0 h 6173688"/>
+              <a:gd name="connsiteX0" fmla="*/ 1368152 w 1368152"/>
+              <a:gd name="connsiteY0" fmla="*/ 5741640 h 6173688"/>
+              <a:gd name="connsiteX1" fmla="*/ 1224136 w 1368152"/>
+              <a:gd name="connsiteY1" fmla="*/ 5741640 h 6173688"/>
+              <a:gd name="connsiteX2" fmla="*/ 504056 w 1368152"/>
+              <a:gd name="connsiteY2" fmla="*/ 3149352 h 6173688"/>
+              <a:gd name="connsiteX3" fmla="*/ 0 w 1368152"/>
+              <a:gd name="connsiteY3" fmla="*/ 0 h 6173688"/>
+              <a:gd name="connsiteX0" fmla="*/ 1368152 w 1368152"/>
+              <a:gd name="connsiteY0" fmla="*/ 5741640 h 6223091"/>
+              <a:gd name="connsiteX1" fmla="*/ 1224136 w 1368152"/>
+              <a:gd name="connsiteY1" fmla="*/ 5741640 h 6223091"/>
+              <a:gd name="connsiteX2" fmla="*/ 504056 w 1368152"/>
+              <a:gd name="connsiteY2" fmla="*/ 2852936 h 6223091"/>
+              <a:gd name="connsiteX3" fmla="*/ 0 w 1368152"/>
+              <a:gd name="connsiteY3" fmla="*/ 0 h 6223091"/>
+              <a:gd name="connsiteX0" fmla="*/ 1368152 w 1368152"/>
+              <a:gd name="connsiteY0" fmla="*/ 5741640 h 6223091"/>
+              <a:gd name="connsiteX1" fmla="*/ 1224136 w 1368152"/>
+              <a:gd name="connsiteY1" fmla="*/ 5741640 h 6223091"/>
+              <a:gd name="connsiteX2" fmla="*/ 504056 w 1368152"/>
+              <a:gd name="connsiteY2" fmla="*/ 2852936 h 6223091"/>
+              <a:gd name="connsiteX3" fmla="*/ 0 w 1368152"/>
+              <a:gd name="connsiteY3" fmla="*/ 0 h 6223091"/>
+              <a:gd name="connsiteX0" fmla="*/ 1368152 w 1368152"/>
+              <a:gd name="connsiteY0" fmla="*/ 5741640 h 6223091"/>
+              <a:gd name="connsiteX1" fmla="*/ 1224136 w 1368152"/>
+              <a:gd name="connsiteY1" fmla="*/ 5741640 h 6223091"/>
+              <a:gd name="connsiteX2" fmla="*/ 504056 w 1368152"/>
+              <a:gd name="connsiteY2" fmla="*/ 2852936 h 6223091"/>
+              <a:gd name="connsiteX3" fmla="*/ 0 w 1368152"/>
+              <a:gd name="connsiteY3" fmla="*/ 0 h 6223091"/>
+              <a:gd name="connsiteX0" fmla="*/ 1224136 w 1224136"/>
+              <a:gd name="connsiteY0" fmla="*/ 5741640 h 5741640"/>
+              <a:gd name="connsiteX1" fmla="*/ 504056 w 1224136"/>
+              <a:gd name="connsiteY1" fmla="*/ 2852936 h 5741640"/>
+              <a:gd name="connsiteX2" fmla="*/ 0 w 1224136"/>
+              <a:gd name="connsiteY2" fmla="*/ 0 h 5741640"/>
+              <a:gd name="connsiteX0" fmla="*/ 1224136 w 1224136"/>
+              <a:gd name="connsiteY0" fmla="*/ 5741640 h 6142698"/>
+              <a:gd name="connsiteX1" fmla="*/ 648072 w 1224136"/>
+              <a:gd name="connsiteY1" fmla="*/ 5661248 h 6142698"/>
+              <a:gd name="connsiteX2" fmla="*/ 504056 w 1224136"/>
+              <a:gd name="connsiteY2" fmla="*/ 2852936 h 6142698"/>
+              <a:gd name="connsiteX3" fmla="*/ 0 w 1224136"/>
+              <a:gd name="connsiteY3" fmla="*/ 0 h 6142698"/>
+              <a:gd name="connsiteX0" fmla="*/ 1224136 w 1224136"/>
+              <a:gd name="connsiteY0" fmla="*/ 5741640 h 6142698"/>
+              <a:gd name="connsiteX1" fmla="*/ 648072 w 1224136"/>
+              <a:gd name="connsiteY1" fmla="*/ 5661248 h 6142698"/>
+              <a:gd name="connsiteX2" fmla="*/ 504056 w 1224136"/>
+              <a:gd name="connsiteY2" fmla="*/ 2852936 h 6142698"/>
+              <a:gd name="connsiteX3" fmla="*/ 0 w 1224136"/>
+              <a:gd name="connsiteY3" fmla="*/ 0 h 6142698"/>
+              <a:gd name="connsiteX0" fmla="*/ 648072 w 706926"/>
+              <a:gd name="connsiteY0" fmla="*/ 5661248 h 5661248"/>
+              <a:gd name="connsiteX1" fmla="*/ 504056 w 706926"/>
+              <a:gd name="connsiteY1" fmla="*/ 2852936 h 5661248"/>
+              <a:gd name="connsiteX2" fmla="*/ 0 w 706926"/>
+              <a:gd name="connsiteY2" fmla="*/ 0 h 5661248"/>
+              <a:gd name="connsiteX0" fmla="*/ 648072 w 655300"/>
+              <a:gd name="connsiteY0" fmla="*/ 5661248 h 5661248"/>
+              <a:gd name="connsiteX1" fmla="*/ 504056 w 655300"/>
+              <a:gd name="connsiteY1" fmla="*/ 2852936 h 5661248"/>
+              <a:gd name="connsiteX2" fmla="*/ 0 w 655300"/>
+              <a:gd name="connsiteY2" fmla="*/ 0 h 5661248"/>
+              <a:gd name="connsiteX0" fmla="*/ 648072 w 655300"/>
+              <a:gd name="connsiteY0" fmla="*/ 5661248 h 5661248"/>
+              <a:gd name="connsiteX1" fmla="*/ 504056 w 655300"/>
+              <a:gd name="connsiteY1" fmla="*/ 2852936 h 5661248"/>
+              <a:gd name="connsiteX2" fmla="*/ 0 w 655300"/>
+              <a:gd name="connsiteY2" fmla="*/ 0 h 5661248"/>
+            </a:gdLst>
+            <a:ahLst/>
+            <a:cxnLst>
+              <a:cxn ang="0">
+                <a:pos x="connsiteX0" y="connsiteY0"/>
+              </a:cxn>
+              <a:cxn ang="0">
+                <a:pos x="connsiteX1" y="connsiteY1"/>
+              </a:cxn>
+              <a:cxn ang="0">
+                <a:pos x="connsiteX2" y="connsiteY2"/>
+              </a:cxn>
+            </a:cxnLst>
+            <a:rect l="l" t="t" r="r" b="b"/>
+            <a:pathLst>
+              <a:path w="655300" h="5661248">
+                <a:moveTo>
+                  <a:pt x="648072" y="5661248"/>
+                </a:moveTo>
+                <a:cubicBezTo>
+                  <a:pt x="655300" y="5180532"/>
+                  <a:pt x="644776" y="3772513"/>
+                  <a:pt x="504056" y="2852936"/>
+                </a:cubicBezTo>
+                <a:cubicBezTo>
+                  <a:pt x="393406" y="1928107"/>
+                  <a:pt x="161272" y="991101"/>
+                  <a:pt x="0" y="0"/>
+                </a:cubicBezTo>
+              </a:path>
+            </a:pathLst>
+          </a:custGeom>
+          <a:ln>
+            <a:prstDash val="dash"/>
+          </a:ln>
+        </p:spPr>
+        <p:style>
+          <a:lnRef idx="1">
+            <a:schemeClr val="accent1"/>
+          </a:lnRef>
+          <a:fillRef idx="0">
+            <a:schemeClr val="accent1"/>
+          </a:fillRef>
+          <a:effectRef idx="0">
+            <a:schemeClr val="accent1"/>
+          </a:effectRef>
+          <a:fontRef idx="minor">
+            <a:schemeClr val="tx1"/>
+          </a:fontRef>
+        </p:style>
+        <p:txBody>
+          <a:bodyPr rtlCol="0" anchor="ctr"/>
+          <a:lstStyle/>
+          <a:p>
+            <a:pPr algn="ctr"/>
+            <a:endParaRPr lang="en-US"/>
+          </a:p>
+        </p:txBody>
+      </p:sp>
+      <p:sp>
+        <p:nvSpPr>
+          <p:cNvPr id="23" name="Freeform 22"/>
+          <p:cNvSpPr/>
+          <p:nvPr/>
+        </p:nvSpPr>
+        <p:spPr>
+          <a:xfrm>
+            <a:off x="683568" y="812058"/>
+            <a:ext cx="7102135" cy="1896862"/>
+          </a:xfrm>
+          <a:custGeom>
+            <a:avLst/>
+            <a:gdLst>
+              <a:gd name="connsiteX0" fmla="*/ 0 w 7102135"/>
+              <a:gd name="connsiteY0" fmla="*/ 1896862 h 1896862"/>
+              <a:gd name="connsiteX1" fmla="*/ 2379215 w 7102135"/>
+              <a:gd name="connsiteY1" fmla="*/ 600722 h 1896862"/>
+              <a:gd name="connsiteX2" fmla="*/ 4554244 w 7102135"/>
+              <a:gd name="connsiteY2" fmla="*/ 85817 h 1896862"/>
+              <a:gd name="connsiteX3" fmla="*/ 7102135 w 7102135"/>
+              <a:gd name="connsiteY3" fmla="*/ 85817 h 1896862"/>
+            </a:gdLst>
+            <a:ahLst/>
+            <a:cxnLst>
+              <a:cxn ang="0">
+                <a:pos x="connsiteX0" y="connsiteY0"/>
+              </a:cxn>
+              <a:cxn ang="0">
+                <a:pos x="connsiteX1" y="connsiteY1"/>
+              </a:cxn>
+              <a:cxn ang="0">
+                <a:pos x="connsiteX2" y="connsiteY2"/>
+              </a:cxn>
+              <a:cxn ang="0">
+                <a:pos x="connsiteX3" y="connsiteY3"/>
+              </a:cxn>
+            </a:cxnLst>
+            <a:rect l="l" t="t" r="r" b="b"/>
+            <a:pathLst>
+              <a:path w="7102135" h="1896862">
+                <a:moveTo>
+                  <a:pt x="0" y="1896862"/>
+                </a:moveTo>
+                <a:cubicBezTo>
+                  <a:pt x="810087" y="1399712"/>
+                  <a:pt x="1620174" y="902563"/>
+                  <a:pt x="2379215" y="600722"/>
+                </a:cubicBezTo>
+                <a:cubicBezTo>
+                  <a:pt x="3138256" y="298881"/>
+                  <a:pt x="3767091" y="171635"/>
+                  <a:pt x="4554244" y="85817"/>
+                </a:cubicBezTo>
+                <a:cubicBezTo>
+                  <a:pt x="5341397" y="0"/>
+                  <a:pt x="6221766" y="42908"/>
+                  <a:pt x="7102135" y="85817"/>
+                </a:cubicBezTo>
+              </a:path>
+            </a:pathLst>
+          </a:custGeom>
+          <a:ln>
+            <a:prstDash val="dash"/>
+          </a:ln>
+        </p:spPr>
+        <p:style>
+          <a:lnRef idx="1">
+            <a:schemeClr val="accent1"/>
+          </a:lnRef>
+          <a:fillRef idx="0">
+            <a:schemeClr val="accent1"/>
+          </a:fillRef>
+          <a:effectRef idx="0">
+            <a:schemeClr val="accent1"/>
+          </a:effectRef>
+          <a:fontRef idx="minor">
+            <a:schemeClr val="tx1"/>
+          </a:fontRef>
+        </p:style>
+        <p:txBody>
+          <a:bodyPr rtlCol="0" anchor="ctr"/>
+          <a:lstStyle/>
+          <a:p>
+            <a:pPr algn="ctr"/>
+            <a:endParaRPr lang="en-US"/>
+          </a:p>
+        </p:txBody>
+      </p:sp>
+      <p:sp>
+        <p:nvSpPr>
+          <p:cNvPr id="16" name="Title 15"/>
+          <p:cNvSpPr>
+            <a:spLocks noGrp="1"/>
+          </p:cNvSpPr>
+          <p:nvPr>
+            <p:ph type="title"/>
+          </p:nvPr>
+        </p:nvSpPr>
+        <p:spPr/>
+        <p:txBody>
+          <a:bodyPr/>
+          <a:lstStyle/>
+          <a:p>
+            <a:r>
+              <a:rPr lang="en-US" dirty="0" err="1" smtClean="0"/>
+              <a:t>dsdnu</a:t>
+            </a:r>
+            <a:r>
+              <a:rPr lang="en-US" dirty="0" smtClean="0"/>
+              <a:t>(</a:t>
+            </a:r>
+            <a:r>
+              <a:rPr lang="en-US" dirty="0" err="1" smtClean="0"/>
+              <a:t>i,j</a:t>
+            </a:r>
+            <a:r>
+              <a:rPr lang="en-US" dirty="0" smtClean="0"/>
+              <a:t>)</a:t>
+            </a:r>
+            <a:endParaRPr lang="en-US" dirty="0"/>
+          </a:p>
+        </p:txBody>
+      </p:sp>
+      <p:sp>
+        <p:nvSpPr>
+          <p:cNvPr id="18" name="TextBox 17"/>
+          <p:cNvSpPr txBox="1"/>
+          <p:nvPr/>
+        </p:nvSpPr>
+        <p:spPr>
+          <a:xfrm>
+            <a:off x="4860032" y="1628800"/>
+            <a:ext cx="216024" cy="584775"/>
+          </a:xfrm>
+          <a:prstGeom prst="rect">
+            <a:avLst/>
+          </a:prstGeom>
+          <a:noFill/>
+        </p:spPr>
+        <p:txBody>
+          <a:bodyPr wrap="square" rtlCol="0">
+            <a:spAutoFit/>
+          </a:bodyPr>
+          <a:lstStyle/>
+          <a:p>
+            <a:r>
+              <a:rPr lang="en-US" sz="3200" dirty="0" smtClean="0"/>
+              <a:t>o</a:t>
+            </a:r>
+            <a:endParaRPr lang="en-US" dirty="0"/>
+          </a:p>
+        </p:txBody>
+      </p:sp>
+    </p:spTree>
+  </p:cSld>
+  <p:clrMapOvr>
+    <a:masterClrMapping/>
+  </p:clrMapOvr>
+  <p:timing>
+    <p:tnLst>
+      <p:par>
+        <p:cTn id="1" dur="indefinite" restart="never" nodeType="tmRoot"/>
+      </p:par>
+    </p:tnLst>
+  </p:timing>
+</p:sld>
+</file>
+
+<file path=ppt/slides/slide11.xml><?xml version="1.0" encoding="utf-8"?>
+<p:sld xmlns:a="http://schemas.openxmlformats.org/drawingml/2006/main" xmlns:r="http://schemas.openxmlformats.org/officeDocument/2006/relationships" xmlns:p="http://schemas.openxmlformats.org/presentationml/2006/main">
+  <p:cSld>
+    <p:spTree>
+      <p:nvGrpSpPr>
+        <p:cNvPr id="1" name=""/>
+        <p:cNvGrpSpPr/>
+        <p:nvPr/>
+      </p:nvGrpSpPr>
+      <p:grpSpPr>
+        <a:xfrm>
+          <a:off x="0" y="0"/>
+          <a:ext cx="0" cy="0"/>
+          <a:chOff x="0" y="0"/>
+          <a:chExt cx="0" cy="0"/>
+        </a:xfrm>
+      </p:grpSpPr>
+      <p:sp>
+        <p:nvSpPr>
+          <p:cNvPr id="2" name="Title 1"/>
+          <p:cNvSpPr>
+            <a:spLocks noGrp="1"/>
+          </p:cNvSpPr>
+          <p:nvPr>
+            <p:ph type="title"/>
+          </p:nvPr>
+        </p:nvSpPr>
+        <p:spPr/>
+        <p:txBody>
+          <a:bodyPr/>
+          <a:lstStyle/>
+          <a:p>
+            <a:r>
+              <a:rPr lang="en-US" dirty="0" smtClean="0"/>
+              <a:t>Momentum balance in u direction</a:t>
+            </a:r>
+            <a:endParaRPr lang="en-US" dirty="0"/>
+          </a:p>
+        </p:txBody>
+      </p:sp>
+      <p:sp>
+        <p:nvSpPr>
+          <p:cNvPr id="3" name="Content Placeholder 2"/>
+          <p:cNvSpPr>
+            <a:spLocks noGrp="1"/>
+          </p:cNvSpPr>
+          <p:nvPr>
+            <p:ph idx="1"/>
+          </p:nvPr>
+        </p:nvSpPr>
+        <p:spPr/>
+        <p:txBody>
+          <a:bodyPr/>
+          <a:lstStyle/>
+          <a:p>
+            <a:r>
+              <a:rPr lang="en-US" dirty="0" smtClean="0"/>
+              <a:t>Only consider advection of velocity component in the local grid direction</a:t>
+            </a:r>
+            <a:endParaRPr lang="en-US" dirty="0"/>
+          </a:p>
+        </p:txBody>
+      </p:sp>
+      <p:graphicFrame>
+        <p:nvGraphicFramePr>
+          <p:cNvPr id="4" name="Object 3"/>
+          <p:cNvGraphicFramePr>
+            <a:graphicFrameLocks noChangeAspect="1"/>
+          </p:cNvGraphicFramePr>
+          <p:nvPr/>
+        </p:nvGraphicFramePr>
+        <p:xfrm>
+          <a:off x="511175" y="3357563"/>
+          <a:ext cx="7459663" cy="2474912"/>
+        </p:xfrm>
+        <a:graphic>
+          <a:graphicData uri="http://schemas.openxmlformats.org/presentationml/2006/ole">
+            <p:oleObj spid="_x0000_s30722" name="Equation" r:id="rId3" imgW="3288960" imgH="1091880" progId="Equation.DSMT4">
+              <p:embed/>
+            </p:oleObj>
+          </a:graphicData>
+        </a:graphic>
+      </p:graphicFrame>
+    </p:spTree>
+  </p:cSld>
+  <p:clrMapOvr>
+    <a:masterClrMapping/>
+  </p:clrMapOvr>
+</p:sld>
+</file>
+
+<file path=ppt/slides/slide12.xml><?xml version="1.0" encoding="utf-8"?>
+<p:sld xmlns:a="http://schemas.openxmlformats.org/drawingml/2006/main" xmlns:r="http://schemas.openxmlformats.org/officeDocument/2006/relationships" xmlns:p="http://schemas.openxmlformats.org/presentationml/2006/main">
+  <p:cSld>
+    <p:spTree>
+      <p:nvGrpSpPr>
+        <p:cNvPr id="1" name=""/>
+        <p:cNvGrpSpPr/>
+        <p:nvPr/>
+      </p:nvGrpSpPr>
+      <p:grpSpPr>
+        <a:xfrm>
+          <a:off x="0" y="0"/>
+          <a:ext cx="0" cy="0"/>
+          <a:chOff x="0" y="0"/>
+          <a:chExt cx="0" cy="0"/>
+        </a:xfrm>
+      </p:grpSpPr>
+      <p:sp>
+        <p:nvSpPr>
+          <p:cNvPr id="2" name="Title 1"/>
+          <p:cNvSpPr>
+            <a:spLocks noGrp="1"/>
+          </p:cNvSpPr>
+          <p:nvPr>
+            <p:ph type="title"/>
+          </p:nvPr>
+        </p:nvSpPr>
+        <p:spPr/>
+        <p:txBody>
+          <a:bodyPr/>
+          <a:lstStyle/>
+          <a:p>
+            <a:r>
+              <a:rPr lang="en-US" dirty="0" smtClean="0"/>
+              <a:t>Continuity equation</a:t>
+            </a:r>
+            <a:endParaRPr lang="en-US" dirty="0"/>
+          </a:p>
+        </p:txBody>
+      </p:sp>
+      <p:sp>
+        <p:nvSpPr>
+          <p:cNvPr id="3" name="Content Placeholder 2"/>
+          <p:cNvSpPr>
+            <a:spLocks noGrp="1"/>
+          </p:cNvSpPr>
+          <p:nvPr>
+            <p:ph idx="1"/>
+          </p:nvPr>
+        </p:nvSpPr>
+        <p:spPr/>
+        <p:txBody>
+          <a:bodyPr/>
+          <a:lstStyle/>
+          <a:p>
+            <a:endParaRPr lang="en-US" dirty="0" smtClean="0"/>
+          </a:p>
+          <a:p>
+            <a:endParaRPr lang="en-US" dirty="0" smtClean="0"/>
+          </a:p>
+          <a:p>
+            <a:endParaRPr lang="en-US" dirty="0" smtClean="0"/>
+          </a:p>
+          <a:p>
+            <a:r>
+              <a:rPr lang="en-US" dirty="0" smtClean="0"/>
+              <a:t>Multiply continuity equation with </a:t>
+            </a:r>
+            <a:r>
+              <a:rPr lang="en-US" dirty="0" smtClean="0"/>
+              <a:t>u</a:t>
+            </a:r>
+            <a:endParaRPr lang="en-US" dirty="0"/>
+          </a:p>
+        </p:txBody>
+      </p:sp>
+      <p:graphicFrame>
+        <p:nvGraphicFramePr>
+          <p:cNvPr id="31746" name="Object 2"/>
+          <p:cNvGraphicFramePr>
+            <a:graphicFrameLocks noChangeAspect="1"/>
+          </p:cNvGraphicFramePr>
+          <p:nvPr/>
+        </p:nvGraphicFramePr>
+        <p:xfrm>
+          <a:off x="899592" y="1916832"/>
+          <a:ext cx="4500562" cy="1163638"/>
+        </p:xfrm>
+        <a:graphic>
+          <a:graphicData uri="http://schemas.openxmlformats.org/presentationml/2006/ole">
+            <p:oleObj spid="_x0000_s31746" name="Equation" r:id="rId3" imgW="1523880" imgH="393480" progId="Equation.DSMT4">
+              <p:embed/>
+            </p:oleObj>
+          </a:graphicData>
+        </a:graphic>
+      </p:graphicFrame>
+      <p:graphicFrame>
+        <p:nvGraphicFramePr>
+          <p:cNvPr id="31747" name="Object 3"/>
+          <p:cNvGraphicFramePr>
+            <a:graphicFrameLocks noChangeAspect="1"/>
+          </p:cNvGraphicFramePr>
+          <p:nvPr/>
+        </p:nvGraphicFramePr>
+        <p:xfrm>
+          <a:off x="558800" y="4221163"/>
+          <a:ext cx="5276850" cy="1185862"/>
+        </p:xfrm>
+        <a:graphic>
+          <a:graphicData uri="http://schemas.openxmlformats.org/presentationml/2006/ole">
+            <p:oleObj spid="_x0000_s31747" name="Equation" r:id="rId4" imgW="1752480" imgH="393480" progId="Equation.DSMT4">
+              <p:embed/>
+            </p:oleObj>
+          </a:graphicData>
+        </a:graphic>
+      </p:graphicFrame>
+    </p:spTree>
+  </p:cSld>
+  <p:clrMapOvr>
+    <a:masterClrMapping/>
+  </p:clrMapOvr>
+  <p:timing>
+    <p:tnLst>
+      <p:par>
+        <p:cTn id="1" dur="indefinite" restart="never" nodeType="tmRoot"/>
+      </p:par>
+    </p:tnLst>
+  </p:timing>
+</p:sld>
+</file>
+
+<file path=ppt/slides/slide13.xml><?xml version="1.0" encoding="utf-8"?>
+<p:sld xmlns:a="http://schemas.openxmlformats.org/drawingml/2006/main" xmlns:r="http://schemas.openxmlformats.org/officeDocument/2006/relationships" xmlns:p="http://schemas.openxmlformats.org/presentationml/2006/main">
+  <p:cSld>
+    <p:spTree>
+      <p:nvGrpSpPr>
+        <p:cNvPr id="1" name=""/>
+        <p:cNvGrpSpPr/>
+        <p:nvPr/>
+      </p:nvGrpSpPr>
+      <p:grpSpPr>
+        <a:xfrm>
+          <a:off x="0" y="0"/>
+          <a:ext cx="0" cy="0"/>
+          <a:chOff x="0" y="0"/>
+          <a:chExt cx="0" cy="0"/>
+        </a:xfrm>
+      </p:grpSpPr>
+      <p:sp>
+        <p:nvSpPr>
+          <p:cNvPr id="2" name="Title 1"/>
+          <p:cNvSpPr>
+            <a:spLocks noGrp="1"/>
+          </p:cNvSpPr>
+          <p:nvPr>
+            <p:ph type="title"/>
+          </p:nvPr>
+        </p:nvSpPr>
+        <p:spPr/>
+        <p:txBody>
+          <a:bodyPr/>
+          <a:lstStyle/>
+          <a:p>
+            <a:endParaRPr lang="en-US" dirty="0"/>
+          </a:p>
+        </p:txBody>
+      </p:sp>
+      <p:sp>
+        <p:nvSpPr>
+          <p:cNvPr id="3" name="Content Placeholder 2"/>
+          <p:cNvSpPr>
+            <a:spLocks noGrp="1"/>
+          </p:cNvSpPr>
+          <p:nvPr>
+            <p:ph idx="1"/>
+          </p:nvPr>
+        </p:nvSpPr>
+        <p:spPr/>
+        <p:txBody>
+          <a:bodyPr/>
+          <a:lstStyle/>
+          <a:p>
+            <a:r>
+              <a:rPr lang="en-US" dirty="0" smtClean="0"/>
+              <a:t>Subtract continuity eq. times u from momentum equation and divide by </a:t>
+            </a:r>
+            <a:r>
+              <a:rPr lang="en-US" i="1" dirty="0" smtClean="0"/>
+              <a:t>V</a:t>
+            </a:r>
+            <a:endParaRPr lang="en-US" dirty="0"/>
+          </a:p>
+        </p:txBody>
+      </p:sp>
+      <p:graphicFrame>
+        <p:nvGraphicFramePr>
+          <p:cNvPr id="32770" name="Object 2"/>
+          <p:cNvGraphicFramePr>
+            <a:graphicFrameLocks noChangeAspect="1"/>
+          </p:cNvGraphicFramePr>
+          <p:nvPr/>
+        </p:nvGraphicFramePr>
+        <p:xfrm>
+          <a:off x="683568" y="2786360"/>
+          <a:ext cx="5971146" cy="3234928"/>
+        </p:xfrm>
+        <a:graphic>
+          <a:graphicData uri="http://schemas.openxmlformats.org/presentationml/2006/ole">
+            <p:oleObj spid="_x0000_s32770" name="Equation" r:id="rId3" imgW="2577960" imgH="1396800" progId="Equation.DSMT4">
+              <p:embed/>
+            </p:oleObj>
+          </a:graphicData>
+        </a:graphic>
+      </p:graphicFrame>
+    </p:spTree>
+  </p:cSld>
+  <p:clrMapOvr>
+    <a:masterClrMapping/>
+  </p:clrMapOvr>
+  <p:timing>
+    <p:tnLst>
+      <p:par>
+        <p:cTn id="1" dur="indefinite" restart="never" nodeType="tmRoot"/>
+      </p:par>
+    </p:tnLst>
+  </p:timing>
+</p:sld>
+</file>
+
+<file path=ppt/slides/slide14.xml><?xml version="1.0" encoding="utf-8"?>
+<p:sld xmlns:a="http://schemas.openxmlformats.org/drawingml/2006/main" xmlns:r="http://schemas.openxmlformats.org/officeDocument/2006/relationships" xmlns:p="http://schemas.openxmlformats.org/presentationml/2006/main">
+  <p:cSld>
+    <p:spTree>
+      <p:nvGrpSpPr>
+        <p:cNvPr id="1" name=""/>
+        <p:cNvGrpSpPr/>
+        <p:nvPr/>
+      </p:nvGrpSpPr>
+      <p:grpSpPr>
+        <a:xfrm>
+          <a:off x="0" y="0"/>
+          <a:ext cx="0" cy="0"/>
+          <a:chOff x="0" y="0"/>
+          <a:chExt cx="0" cy="0"/>
+        </a:xfrm>
+      </p:grpSpPr>
+      <p:sp>
+        <p:nvSpPr>
+          <p:cNvPr id="2" name="Title 1"/>
+          <p:cNvSpPr>
+            <a:spLocks noGrp="1"/>
+          </p:cNvSpPr>
+          <p:nvPr>
+            <p:ph type="title"/>
+          </p:nvPr>
+        </p:nvSpPr>
+        <p:spPr/>
+        <p:txBody>
+          <a:bodyPr/>
+          <a:lstStyle/>
+          <a:p>
+            <a:r>
+              <a:rPr lang="en-US" dirty="0" smtClean="0"/>
+              <a:t>Procedure</a:t>
+            </a:r>
+            <a:endParaRPr lang="en-US" dirty="0"/>
+          </a:p>
+        </p:txBody>
+      </p:sp>
+      <p:sp>
+        <p:nvSpPr>
+          <p:cNvPr id="3" name="Content Placeholder 2"/>
+          <p:cNvSpPr>
+            <a:spLocks noGrp="1"/>
+          </p:cNvSpPr>
+          <p:nvPr>
+            <p:ph idx="1"/>
+          </p:nvPr>
+        </p:nvSpPr>
+        <p:spPr/>
+        <p:txBody>
+          <a:bodyPr/>
+          <a:lstStyle/>
+          <a:p>
+            <a:r>
+              <a:rPr lang="en-US" dirty="0" smtClean="0"/>
+              <a:t>Go around the cell centered at u-point</a:t>
+            </a:r>
+          </a:p>
+          <a:p>
+            <a:r>
+              <a:rPr lang="en-US" dirty="0" smtClean="0"/>
+              <a:t>Compute q across cell boundary by averaging </a:t>
+            </a:r>
+            <a:r>
+              <a:rPr lang="en-US" dirty="0" err="1" smtClean="0"/>
+              <a:t>qx</a:t>
+            </a:r>
+            <a:r>
+              <a:rPr lang="en-US" dirty="0" smtClean="0"/>
+              <a:t> resp. </a:t>
+            </a:r>
+            <a:r>
+              <a:rPr lang="en-US" dirty="0" err="1" smtClean="0"/>
+              <a:t>qy</a:t>
+            </a:r>
+            <a:r>
+              <a:rPr lang="en-US" dirty="0" smtClean="0"/>
+              <a:t> </a:t>
+            </a:r>
+          </a:p>
+          <a:p>
+            <a:r>
+              <a:rPr lang="en-US" dirty="0" smtClean="0"/>
+              <a:t>If q is inward </a:t>
+            </a:r>
+          </a:p>
+          <a:p>
+            <a:pPr lvl="1"/>
+            <a:r>
+              <a:rPr lang="en-US" dirty="0" smtClean="0"/>
+              <a:t>Compute Q</a:t>
+            </a:r>
+            <a:r>
+              <a:rPr lang="en-US" baseline="-25000" dirty="0" smtClean="0"/>
+              <a:t>in</a:t>
+            </a:r>
+            <a:r>
+              <a:rPr lang="en-US" dirty="0" smtClean="0"/>
+              <a:t> by multiplying with </a:t>
+            </a:r>
+            <a:r>
+              <a:rPr lang="en-US" dirty="0" err="1" smtClean="0"/>
+              <a:t>dnz</a:t>
+            </a:r>
+            <a:r>
+              <a:rPr lang="en-US" dirty="0" smtClean="0"/>
+              <a:t> </a:t>
+            </a:r>
+            <a:r>
+              <a:rPr lang="en-US" dirty="0" err="1" smtClean="0"/>
+              <a:t>resp</a:t>
+            </a:r>
+            <a:r>
+              <a:rPr lang="en-US" dirty="0" smtClean="0"/>
+              <a:t> </a:t>
+            </a:r>
+            <a:r>
+              <a:rPr lang="en-US" dirty="0" err="1" smtClean="0"/>
+              <a:t>dsc</a:t>
+            </a:r>
+            <a:endParaRPr lang="en-US" dirty="0" smtClean="0"/>
+          </a:p>
+          <a:p>
+            <a:pPr lvl="1"/>
+            <a:r>
+              <a:rPr lang="en-US" dirty="0" smtClean="0"/>
+              <a:t>Compute </a:t>
+            </a:r>
+            <a:r>
+              <a:rPr lang="en-US" dirty="0" err="1" smtClean="0"/>
+              <a:t>u</a:t>
+            </a:r>
+            <a:r>
+              <a:rPr lang="en-US" baseline="-25000" dirty="0" err="1" smtClean="0"/>
+              <a:t>in</a:t>
+            </a:r>
+            <a:r>
+              <a:rPr lang="en-US" dirty="0" smtClean="0"/>
+              <a:t> as</a:t>
+            </a:r>
+          </a:p>
+          <a:p>
+            <a:pPr lvl="1"/>
+            <a:endParaRPr lang="en-US" dirty="0" smtClean="0"/>
+          </a:p>
+          <a:p>
+            <a:pPr lvl="1"/>
+            <a:r>
+              <a:rPr lang="en-US" dirty="0" smtClean="0"/>
+              <a:t>Add </a:t>
+            </a:r>
+            <a:r>
+              <a:rPr lang="en-US" dirty="0" smtClean="0"/>
+              <a:t>Q</a:t>
+            </a:r>
+            <a:r>
+              <a:rPr lang="en-US" baseline="-25000" dirty="0" smtClean="0"/>
+              <a:t>in </a:t>
+            </a:r>
+            <a:r>
+              <a:rPr lang="en-US" dirty="0" smtClean="0"/>
+              <a:t>(</a:t>
+            </a:r>
+            <a:r>
+              <a:rPr lang="en-US" dirty="0" err="1" smtClean="0"/>
+              <a:t>u</a:t>
+            </a:r>
+            <a:r>
+              <a:rPr lang="en-US" baseline="-25000" dirty="0" err="1" smtClean="0"/>
+              <a:t>in</a:t>
+            </a:r>
+            <a:r>
+              <a:rPr lang="en-US" baseline="-25000" dirty="0" smtClean="0"/>
+              <a:t> </a:t>
+            </a:r>
+            <a:r>
+              <a:rPr lang="en-US" dirty="0" smtClean="0"/>
+              <a:t>–u) to advection </a:t>
+            </a:r>
+          </a:p>
+          <a:p>
+            <a:endParaRPr lang="en-US" dirty="0"/>
+          </a:p>
+        </p:txBody>
+      </p:sp>
+      <p:graphicFrame>
+        <p:nvGraphicFramePr>
+          <p:cNvPr id="4" name="Object 3"/>
+          <p:cNvGraphicFramePr>
+            <a:graphicFrameLocks noChangeAspect="1"/>
+          </p:cNvGraphicFramePr>
+          <p:nvPr/>
+        </p:nvGraphicFramePr>
+        <p:xfrm>
+          <a:off x="3851919" y="4437112"/>
+          <a:ext cx="2976331" cy="1224136"/>
+        </p:xfrm>
+        <a:graphic>
+          <a:graphicData uri="http://schemas.openxmlformats.org/presentationml/2006/ole">
+            <p:oleObj spid="_x0000_s33794" name="Equation" r:id="rId3" imgW="1574640" imgH="647640" progId="Equation.DSMT4">
+              <p:embed/>
+            </p:oleObj>
+          </a:graphicData>
+        </a:graphic>
+      </p:graphicFrame>
+    </p:spTree>
+  </p:cSld>
+  <p:clrMapOvr>
+    <a:masterClrMapping/>
+  </p:clrMapOvr>
+  <p:timing>
+    <p:tnLst>
+      <p:par>
+        <p:cTn id="1" dur="indefinite" restart="never" nodeType="tmRoot"/>
+      </p:par>
+    </p:tnLst>
+  </p:timing>
+</p:sld>
+</file>
+
+<file path=ppt/slides/slide15.xml><?xml version="1.0" encoding="utf-8"?>
+<p:sld xmlns:a="http://schemas.openxmlformats.org/drawingml/2006/main" xmlns:r="http://schemas.openxmlformats.org/officeDocument/2006/relationships" xmlns:p="http://schemas.openxmlformats.org/presentationml/2006/main">
+  <p:cSld>
+    <p:spTree>
+      <p:nvGrpSpPr>
+        <p:cNvPr id="1" name=""/>
+        <p:cNvGrpSpPr/>
+        <p:nvPr/>
+      </p:nvGrpSpPr>
+      <p:grpSpPr>
+        <a:xfrm>
+          <a:off x="0" y="0"/>
+          <a:ext cx="0" cy="0"/>
+          <a:chOff x="0" y="0"/>
+          <a:chExt cx="0" cy="0"/>
+        </a:xfrm>
+      </p:grpSpPr>
+      <p:sp>
+        <p:nvSpPr>
+          <p:cNvPr id="17" name="Freeform 16"/>
+          <p:cNvSpPr/>
+          <p:nvPr/>
+        </p:nvSpPr>
+        <p:spPr>
+          <a:xfrm>
+            <a:off x="2767868" y="1916833"/>
+            <a:ext cx="2596220" cy="2264551"/>
+          </a:xfrm>
+          <a:custGeom>
+            <a:avLst/>
+            <a:gdLst>
+              <a:gd name="connsiteX0" fmla="*/ 0 w 2476870"/>
+              <a:gd name="connsiteY0" fmla="*/ 275208 h 2059619"/>
+              <a:gd name="connsiteX1" fmla="*/ 292964 w 2476870"/>
+              <a:gd name="connsiteY1" fmla="*/ 1145219 h 2059619"/>
+              <a:gd name="connsiteX2" fmla="*/ 568171 w 2476870"/>
+              <a:gd name="connsiteY2" fmla="*/ 2059619 h 2059619"/>
+              <a:gd name="connsiteX3" fmla="*/ 1464816 w 2476870"/>
+              <a:gd name="connsiteY3" fmla="*/ 1926454 h 2059619"/>
+              <a:gd name="connsiteX4" fmla="*/ 2476870 w 2476870"/>
+              <a:gd name="connsiteY4" fmla="*/ 1899821 h 2059619"/>
+              <a:gd name="connsiteX5" fmla="*/ 2370338 w 2476870"/>
+              <a:gd name="connsiteY5" fmla="*/ 887767 h 2059619"/>
+              <a:gd name="connsiteX6" fmla="*/ 2246051 w 2476870"/>
+              <a:gd name="connsiteY6" fmla="*/ 0 h 2059619"/>
+              <a:gd name="connsiteX7" fmla="*/ 1136342 w 2476870"/>
+              <a:gd name="connsiteY7" fmla="*/ 71021 h 2059619"/>
+              <a:gd name="connsiteX8" fmla="*/ 0 w 2476870"/>
+              <a:gd name="connsiteY8" fmla="*/ 275208 h 2059619"/>
+              <a:gd name="connsiteX0" fmla="*/ 0 w 2476870"/>
+              <a:gd name="connsiteY0" fmla="*/ 213809 h 1998220"/>
+              <a:gd name="connsiteX1" fmla="*/ 292964 w 2476870"/>
+              <a:gd name="connsiteY1" fmla="*/ 1083820 h 1998220"/>
+              <a:gd name="connsiteX2" fmla="*/ 568171 w 2476870"/>
+              <a:gd name="connsiteY2" fmla="*/ 1998220 h 1998220"/>
+              <a:gd name="connsiteX3" fmla="*/ 1464816 w 2476870"/>
+              <a:gd name="connsiteY3" fmla="*/ 1865055 h 1998220"/>
+              <a:gd name="connsiteX4" fmla="*/ 2476870 w 2476870"/>
+              <a:gd name="connsiteY4" fmla="*/ 1838422 h 1998220"/>
+              <a:gd name="connsiteX5" fmla="*/ 2370338 w 2476870"/>
+              <a:gd name="connsiteY5" fmla="*/ 826368 h 1998220"/>
+              <a:gd name="connsiteX6" fmla="*/ 2188838 w 2476870"/>
+              <a:gd name="connsiteY6" fmla="*/ 0 h 1998220"/>
+              <a:gd name="connsiteX7" fmla="*/ 1136342 w 2476870"/>
+              <a:gd name="connsiteY7" fmla="*/ 9622 h 1998220"/>
+              <a:gd name="connsiteX8" fmla="*/ 0 w 2476870"/>
+              <a:gd name="connsiteY8" fmla="*/ 213809 h 1998220"/>
+              <a:gd name="connsiteX0" fmla="*/ 0 w 2476870"/>
+              <a:gd name="connsiteY0" fmla="*/ 213809 h 1998220"/>
+              <a:gd name="connsiteX1" fmla="*/ 292964 w 2476870"/>
+              <a:gd name="connsiteY1" fmla="*/ 1083820 h 1998220"/>
+              <a:gd name="connsiteX2" fmla="*/ 568171 w 2476870"/>
+              <a:gd name="connsiteY2" fmla="*/ 1998220 h 1998220"/>
+              <a:gd name="connsiteX3" fmla="*/ 1464816 w 2476870"/>
+              <a:gd name="connsiteY3" fmla="*/ 1865055 h 1998220"/>
+              <a:gd name="connsiteX4" fmla="*/ 2476870 w 2476870"/>
+              <a:gd name="connsiteY4" fmla="*/ 1838422 h 1998220"/>
+              <a:gd name="connsiteX5" fmla="*/ 2332854 w 2476870"/>
+              <a:gd name="connsiteY5" fmla="*/ 936103 h 1998220"/>
+              <a:gd name="connsiteX6" fmla="*/ 2188838 w 2476870"/>
+              <a:gd name="connsiteY6" fmla="*/ 0 h 1998220"/>
+              <a:gd name="connsiteX7" fmla="*/ 1136342 w 2476870"/>
+              <a:gd name="connsiteY7" fmla="*/ 9622 h 1998220"/>
+              <a:gd name="connsiteX8" fmla="*/ 0 w 2476870"/>
+              <a:gd name="connsiteY8" fmla="*/ 213809 h 1998220"/>
+              <a:gd name="connsiteX0" fmla="*/ 0 w 2476870"/>
+              <a:gd name="connsiteY0" fmla="*/ 213809 h 1998220"/>
+              <a:gd name="connsiteX1" fmla="*/ 292964 w 2476870"/>
+              <a:gd name="connsiteY1" fmla="*/ 1083820 h 1998220"/>
+              <a:gd name="connsiteX2" fmla="*/ 568171 w 2476870"/>
+              <a:gd name="connsiteY2" fmla="*/ 1998220 h 1998220"/>
+              <a:gd name="connsiteX3" fmla="*/ 1464816 w 2476870"/>
+              <a:gd name="connsiteY3" fmla="*/ 1865055 h 1998220"/>
+              <a:gd name="connsiteX4" fmla="*/ 2476870 w 2476870"/>
+              <a:gd name="connsiteY4" fmla="*/ 1838422 h 1998220"/>
+              <a:gd name="connsiteX5" fmla="*/ 2332854 w 2476870"/>
+              <a:gd name="connsiteY5" fmla="*/ 936103 h 1998220"/>
+              <a:gd name="connsiteX6" fmla="*/ 2188838 w 2476870"/>
+              <a:gd name="connsiteY6" fmla="*/ 0 h 1998220"/>
+              <a:gd name="connsiteX7" fmla="*/ 1036710 w 2476870"/>
+              <a:gd name="connsiteY7" fmla="*/ 216023 h 1998220"/>
+              <a:gd name="connsiteX8" fmla="*/ 0 w 2476870"/>
+              <a:gd name="connsiteY8" fmla="*/ 213809 h 1998220"/>
+              <a:gd name="connsiteX0" fmla="*/ 0 w 2596220"/>
+              <a:gd name="connsiteY0" fmla="*/ 619967 h 1998220"/>
+              <a:gd name="connsiteX1" fmla="*/ 412314 w 2596220"/>
+              <a:gd name="connsiteY1" fmla="*/ 1083820 h 1998220"/>
+              <a:gd name="connsiteX2" fmla="*/ 687521 w 2596220"/>
+              <a:gd name="connsiteY2" fmla="*/ 1998220 h 1998220"/>
+              <a:gd name="connsiteX3" fmla="*/ 1584166 w 2596220"/>
+              <a:gd name="connsiteY3" fmla="*/ 1865055 h 1998220"/>
+              <a:gd name="connsiteX4" fmla="*/ 2596220 w 2596220"/>
+              <a:gd name="connsiteY4" fmla="*/ 1838422 h 1998220"/>
+              <a:gd name="connsiteX5" fmla="*/ 2452204 w 2596220"/>
+              <a:gd name="connsiteY5" fmla="*/ 936103 h 1998220"/>
+              <a:gd name="connsiteX6" fmla="*/ 2308188 w 2596220"/>
+              <a:gd name="connsiteY6" fmla="*/ 0 h 1998220"/>
+              <a:gd name="connsiteX7" fmla="*/ 1156060 w 2596220"/>
+              <a:gd name="connsiteY7" fmla="*/ 216023 h 1998220"/>
+              <a:gd name="connsiteX8" fmla="*/ 0 w 2596220"/>
+              <a:gd name="connsiteY8" fmla="*/ 619967 h 1998220"/>
+              <a:gd name="connsiteX0" fmla="*/ 0 w 2596220"/>
+              <a:gd name="connsiteY0" fmla="*/ 619967 h 1998220"/>
+              <a:gd name="connsiteX1" fmla="*/ 421191 w 2596220"/>
+              <a:gd name="connsiteY1" fmla="*/ 1394539 h 1998220"/>
+              <a:gd name="connsiteX2" fmla="*/ 687521 w 2596220"/>
+              <a:gd name="connsiteY2" fmla="*/ 1998220 h 1998220"/>
+              <a:gd name="connsiteX3" fmla="*/ 1584166 w 2596220"/>
+              <a:gd name="connsiteY3" fmla="*/ 1865055 h 1998220"/>
+              <a:gd name="connsiteX4" fmla="*/ 2596220 w 2596220"/>
+              <a:gd name="connsiteY4" fmla="*/ 1838422 h 1998220"/>
+              <a:gd name="connsiteX5" fmla="*/ 2452204 w 2596220"/>
+              <a:gd name="connsiteY5" fmla="*/ 936103 h 1998220"/>
+              <a:gd name="connsiteX6" fmla="*/ 2308188 w 2596220"/>
+              <a:gd name="connsiteY6" fmla="*/ 0 h 1998220"/>
+              <a:gd name="connsiteX7" fmla="*/ 1156060 w 2596220"/>
+              <a:gd name="connsiteY7" fmla="*/ 216023 h 1998220"/>
+              <a:gd name="connsiteX8" fmla="*/ 0 w 2596220"/>
+              <a:gd name="connsiteY8" fmla="*/ 619967 h 1998220"/>
+              <a:gd name="connsiteX0" fmla="*/ 0 w 2596220"/>
+              <a:gd name="connsiteY0" fmla="*/ 619967 h 2264551"/>
+              <a:gd name="connsiteX1" fmla="*/ 421191 w 2596220"/>
+              <a:gd name="connsiteY1" fmla="*/ 1394539 h 2264551"/>
+              <a:gd name="connsiteX2" fmla="*/ 856196 w 2596220"/>
+              <a:gd name="connsiteY2" fmla="*/ 2264551 h 2264551"/>
+              <a:gd name="connsiteX3" fmla="*/ 1584166 w 2596220"/>
+              <a:gd name="connsiteY3" fmla="*/ 1865055 h 2264551"/>
+              <a:gd name="connsiteX4" fmla="*/ 2596220 w 2596220"/>
+              <a:gd name="connsiteY4" fmla="*/ 1838422 h 2264551"/>
+              <a:gd name="connsiteX5" fmla="*/ 2452204 w 2596220"/>
+              <a:gd name="connsiteY5" fmla="*/ 936103 h 2264551"/>
+              <a:gd name="connsiteX6" fmla="*/ 2308188 w 2596220"/>
+              <a:gd name="connsiteY6" fmla="*/ 0 h 2264551"/>
+              <a:gd name="connsiteX7" fmla="*/ 1156060 w 2596220"/>
+              <a:gd name="connsiteY7" fmla="*/ 216023 h 2264551"/>
+              <a:gd name="connsiteX8" fmla="*/ 0 w 2596220"/>
+              <a:gd name="connsiteY8" fmla="*/ 619967 h 2264551"/>
+              <a:gd name="connsiteX0" fmla="*/ 0 w 2596220"/>
+              <a:gd name="connsiteY0" fmla="*/ 619967 h 2264551"/>
+              <a:gd name="connsiteX1" fmla="*/ 421191 w 2596220"/>
+              <a:gd name="connsiteY1" fmla="*/ 1394539 h 2264551"/>
+              <a:gd name="connsiteX2" fmla="*/ 856196 w 2596220"/>
+              <a:gd name="connsiteY2" fmla="*/ 2264551 h 2264551"/>
+              <a:gd name="connsiteX3" fmla="*/ 1699576 w 2596220"/>
+              <a:gd name="connsiteY3" fmla="*/ 1944954 h 2264551"/>
+              <a:gd name="connsiteX4" fmla="*/ 2596220 w 2596220"/>
+              <a:gd name="connsiteY4" fmla="*/ 1838422 h 2264551"/>
+              <a:gd name="connsiteX5" fmla="*/ 2452204 w 2596220"/>
+              <a:gd name="connsiteY5" fmla="*/ 936103 h 2264551"/>
+              <a:gd name="connsiteX6" fmla="*/ 2308188 w 2596220"/>
+              <a:gd name="connsiteY6" fmla="*/ 0 h 2264551"/>
+              <a:gd name="connsiteX7" fmla="*/ 1156060 w 2596220"/>
+              <a:gd name="connsiteY7" fmla="*/ 216023 h 2264551"/>
+              <a:gd name="connsiteX8" fmla="*/ 0 w 2596220"/>
+              <a:gd name="connsiteY8" fmla="*/ 619967 h 2264551"/>
+            </a:gdLst>
+            <a:ahLst/>
+            <a:cxnLst>
+              <a:cxn ang="0">
+                <a:pos x="connsiteX0" y="connsiteY0"/>
+              </a:cxn>
+              <a:cxn ang="0">
+                <a:pos x="connsiteX1" y="connsiteY1"/>
+              </a:cxn>
+              <a:cxn ang="0">
+                <a:pos x="connsiteX2" y="connsiteY2"/>
+              </a:cxn>
+              <a:cxn ang="0">
+                <a:pos x="connsiteX3" y="connsiteY3"/>
+              </a:cxn>
+              <a:cxn ang="0">
+                <a:pos x="connsiteX4" y="connsiteY4"/>
+              </a:cxn>
+              <a:cxn ang="0">
+                <a:pos x="connsiteX5" y="connsiteY5"/>
+              </a:cxn>
+              <a:cxn ang="0">
+                <a:pos x="connsiteX6" y="connsiteY6"/>
+              </a:cxn>
+              <a:cxn ang="0">
+                <a:pos x="connsiteX7" y="connsiteY7"/>
+              </a:cxn>
+              <a:cxn ang="0">
+                <a:pos x="connsiteX8" y="connsiteY8"/>
+              </a:cxn>
+            </a:cxnLst>
+            <a:rect l="l" t="t" r="r" b="b"/>
+            <a:pathLst>
+              <a:path w="2596220" h="2264551">
+                <a:moveTo>
+                  <a:pt x="0" y="619967"/>
+                </a:moveTo>
+                <a:lnTo>
+                  <a:pt x="421191" y="1394539"/>
+                </a:lnTo>
+                <a:lnTo>
+                  <a:pt x="856196" y="2264551"/>
+                </a:lnTo>
+                <a:lnTo>
+                  <a:pt x="1699576" y="1944954"/>
+                </a:lnTo>
+                <a:lnTo>
+                  <a:pt x="2596220" y="1838422"/>
+                </a:lnTo>
+                <a:lnTo>
+                  <a:pt x="2452204" y="936103"/>
+                </a:lnTo>
+                <a:lnTo>
+                  <a:pt x="2308188" y="0"/>
+                </a:lnTo>
+                <a:lnTo>
+                  <a:pt x="1156060" y="216023"/>
+                </a:lnTo>
+                <a:lnTo>
+                  <a:pt x="0" y="619967"/>
+                </a:lnTo>
+                <a:close/>
+              </a:path>
+            </a:pathLst>
+          </a:custGeom>
+          <a:solidFill>
+            <a:schemeClr val="accent2"/>
+          </a:solidFill>
+        </p:spPr>
+        <p:style>
+          <a:lnRef idx="2">
+            <a:schemeClr val="accent1">
+              <a:shade val="50000"/>
+            </a:schemeClr>
+          </a:lnRef>
+          <a:fillRef idx="1">
+            <a:schemeClr val="accent1"/>
+          </a:fillRef>
+          <a:effectRef idx="0">
+            <a:schemeClr val="accent1"/>
+          </a:effectRef>
+          <a:fontRef idx="minor">
+            <a:schemeClr val="lt1"/>
+          </a:fontRef>
+        </p:style>
+        <p:txBody>
+          <a:bodyPr rtlCol="0" anchor="ctr"/>
+          <a:lstStyle/>
+          <a:p>
+            <a:pPr algn="ctr"/>
+            <a:endParaRPr lang="en-US"/>
+          </a:p>
+        </p:txBody>
+      </p:sp>
+      <p:sp>
+        <p:nvSpPr>
+          <p:cNvPr id="21" name="Freeform 20"/>
+          <p:cNvSpPr/>
+          <p:nvPr/>
+        </p:nvSpPr>
+        <p:spPr>
+          <a:xfrm>
+            <a:off x="3131840" y="476672"/>
+            <a:ext cx="1944216" cy="5544616"/>
+          </a:xfrm>
+          <a:custGeom>
+            <a:avLst/>
+            <a:gdLst>
+              <a:gd name="connsiteX0" fmla="*/ 2521258 w 2521258"/>
+              <a:gd name="connsiteY0" fmla="*/ 5007006 h 5007006"/>
+              <a:gd name="connsiteX1" fmla="*/ 1429305 w 2521258"/>
+              <a:gd name="connsiteY1" fmla="*/ 2663301 h 5007006"/>
+              <a:gd name="connsiteX2" fmla="*/ 0 w 2521258"/>
+              <a:gd name="connsiteY2" fmla="*/ 0 h 5007006"/>
+              <a:gd name="connsiteX0" fmla="*/ 2304256 w 2304256"/>
+              <a:gd name="connsiteY0" fmla="*/ 5079014 h 5079014"/>
+              <a:gd name="connsiteX1" fmla="*/ 1212303 w 2304256"/>
+              <a:gd name="connsiteY1" fmla="*/ 2735309 h 5079014"/>
+              <a:gd name="connsiteX2" fmla="*/ 0 w 2304256"/>
+              <a:gd name="connsiteY2" fmla="*/ 0 h 5079014"/>
+              <a:gd name="connsiteX0" fmla="*/ 1944216 w 1944216"/>
+              <a:gd name="connsiteY0" fmla="*/ 5112568 h 5112568"/>
+              <a:gd name="connsiteX1" fmla="*/ 1212303 w 1944216"/>
+              <a:gd name="connsiteY1" fmla="*/ 2735309 h 5112568"/>
+              <a:gd name="connsiteX2" fmla="*/ 0 w 1944216"/>
+              <a:gd name="connsiteY2" fmla="*/ 0 h 5112568"/>
+              <a:gd name="connsiteX0" fmla="*/ 1944216 w 1944216"/>
+              <a:gd name="connsiteY0" fmla="*/ 5112568 h 5112568"/>
+              <a:gd name="connsiteX1" fmla="*/ 1212303 w 1944216"/>
+              <a:gd name="connsiteY1" fmla="*/ 2735309 h 5112568"/>
+              <a:gd name="connsiteX2" fmla="*/ 0 w 1944216"/>
+              <a:gd name="connsiteY2" fmla="*/ 0 h 5112568"/>
+              <a:gd name="connsiteX0" fmla="*/ 1944216 w 1944216"/>
+              <a:gd name="connsiteY0" fmla="*/ 5112568 h 5508778"/>
+              <a:gd name="connsiteX1" fmla="*/ 1800200 w 1944216"/>
+              <a:gd name="connsiteY1" fmla="*/ 5112568 h 5508778"/>
+              <a:gd name="connsiteX2" fmla="*/ 1212303 w 1944216"/>
+              <a:gd name="connsiteY2" fmla="*/ 2735309 h 5508778"/>
+              <a:gd name="connsiteX3" fmla="*/ 0 w 1944216"/>
+              <a:gd name="connsiteY3" fmla="*/ 0 h 5508778"/>
+              <a:gd name="connsiteX0" fmla="*/ 1944216 w 1944216"/>
+              <a:gd name="connsiteY0" fmla="*/ 5112568 h 5544616"/>
+              <a:gd name="connsiteX1" fmla="*/ 1800200 w 1944216"/>
+              <a:gd name="connsiteY1" fmla="*/ 5112568 h 5544616"/>
+              <a:gd name="connsiteX2" fmla="*/ 1152128 w 1944216"/>
+              <a:gd name="connsiteY2" fmla="*/ 2520280 h 5544616"/>
+              <a:gd name="connsiteX3" fmla="*/ 0 w 1944216"/>
+              <a:gd name="connsiteY3" fmla="*/ 0 h 5544616"/>
+              <a:gd name="connsiteX0" fmla="*/ 1944216 w 1944216"/>
+              <a:gd name="connsiteY0" fmla="*/ 5112568 h 5544616"/>
+              <a:gd name="connsiteX1" fmla="*/ 1800200 w 1944216"/>
+              <a:gd name="connsiteY1" fmla="*/ 5112568 h 5544616"/>
+              <a:gd name="connsiteX2" fmla="*/ 1152128 w 1944216"/>
+              <a:gd name="connsiteY2" fmla="*/ 2520280 h 5544616"/>
+              <a:gd name="connsiteX3" fmla="*/ 0 w 1944216"/>
+              <a:gd name="connsiteY3" fmla="*/ 0 h 5544616"/>
+              <a:gd name="connsiteX0" fmla="*/ 1944216 w 1944216"/>
+              <a:gd name="connsiteY0" fmla="*/ 5112568 h 5544616"/>
+              <a:gd name="connsiteX1" fmla="*/ 1800200 w 1944216"/>
+              <a:gd name="connsiteY1" fmla="*/ 5112568 h 5544616"/>
+              <a:gd name="connsiteX2" fmla="*/ 1152128 w 1944216"/>
+              <a:gd name="connsiteY2" fmla="*/ 2520280 h 5544616"/>
+              <a:gd name="connsiteX3" fmla="*/ 0 w 1944216"/>
+              <a:gd name="connsiteY3" fmla="*/ 0 h 5544616"/>
+              <a:gd name="connsiteX0" fmla="*/ 1944216 w 1944216"/>
+              <a:gd name="connsiteY0" fmla="*/ 5112568 h 5544616"/>
+              <a:gd name="connsiteX1" fmla="*/ 1800200 w 1944216"/>
+              <a:gd name="connsiteY1" fmla="*/ 5112568 h 5544616"/>
+              <a:gd name="connsiteX2" fmla="*/ 1152128 w 1944216"/>
+              <a:gd name="connsiteY2" fmla="*/ 2520280 h 5544616"/>
+              <a:gd name="connsiteX3" fmla="*/ 0 w 1944216"/>
+              <a:gd name="connsiteY3" fmla="*/ 0 h 5544616"/>
+              <a:gd name="connsiteX0" fmla="*/ 1944216 w 1944216"/>
+              <a:gd name="connsiteY0" fmla="*/ 5112568 h 5544616"/>
+              <a:gd name="connsiteX1" fmla="*/ 1800200 w 1944216"/>
+              <a:gd name="connsiteY1" fmla="*/ 5112568 h 5544616"/>
+              <a:gd name="connsiteX2" fmla="*/ 1080120 w 1944216"/>
+              <a:gd name="connsiteY2" fmla="*/ 2520280 h 5544616"/>
+              <a:gd name="connsiteX3" fmla="*/ 0 w 1944216"/>
+              <a:gd name="connsiteY3" fmla="*/ 0 h 5544616"/>
+            </a:gdLst>
+            <a:ahLst/>
+            <a:cxnLst>
+              <a:cxn ang="0">
+                <a:pos x="connsiteX0" y="connsiteY0"/>
+              </a:cxn>
+              <a:cxn ang="0">
+                <a:pos x="connsiteX1" y="connsiteY1"/>
+              </a:cxn>
+              <a:cxn ang="0">
+                <a:pos x="connsiteX2" y="connsiteY2"/>
+              </a:cxn>
+              <a:cxn ang="0">
+                <a:pos x="connsiteX3" y="connsiteY3"/>
+              </a:cxn>
+            </a:cxnLst>
+            <a:rect l="l" t="t" r="r" b="b"/>
+            <a:pathLst>
+              <a:path w="1944216" h="5544616">
+                <a:moveTo>
+                  <a:pt x="1944216" y="5112568"/>
+                </a:moveTo>
+                <a:cubicBezTo>
+                  <a:pt x="1943065" y="5113183"/>
+                  <a:pt x="1944216" y="5544616"/>
+                  <a:pt x="1800200" y="5112568"/>
+                </a:cubicBezTo>
+                <a:cubicBezTo>
+                  <a:pt x="1656184" y="4680520"/>
+                  <a:pt x="1344642" y="3383716"/>
+                  <a:pt x="1080120" y="2520280"/>
+                </a:cubicBezTo>
+                <a:cubicBezTo>
+                  <a:pt x="796858" y="1621581"/>
+                  <a:pt x="504547" y="914400"/>
+                  <a:pt x="0" y="0"/>
+                </a:cubicBezTo>
+              </a:path>
+            </a:pathLst>
+          </a:custGeom>
+          <a:ln>
+            <a:prstDash val="dash"/>
+          </a:ln>
+        </p:spPr>
+        <p:style>
+          <a:lnRef idx="1">
+            <a:schemeClr val="accent1"/>
+          </a:lnRef>
+          <a:fillRef idx="0">
+            <a:schemeClr val="accent1"/>
+          </a:fillRef>
+          <a:effectRef idx="0">
+            <a:schemeClr val="accent1"/>
+          </a:effectRef>
+          <a:fontRef idx="minor">
+            <a:schemeClr val="tx1"/>
+          </a:fontRef>
+        </p:style>
+        <p:txBody>
+          <a:bodyPr rtlCol="0" anchor="ctr"/>
+          <a:lstStyle/>
+          <a:p>
+            <a:pPr algn="ctr"/>
+            <a:endParaRPr lang="en-US"/>
+          </a:p>
+        </p:txBody>
+      </p:sp>
+      <p:sp>
+        <p:nvSpPr>
+          <p:cNvPr id="4" name="Arc 3"/>
+          <p:cNvSpPr/>
+          <p:nvPr/>
+        </p:nvSpPr>
+        <p:spPr>
+          <a:xfrm>
+            <a:off x="2339752" y="5229200"/>
+            <a:ext cx="45719" cy="45719"/>
+          </a:xfrm>
+          <a:prstGeom prst="arc">
+            <a:avLst/>
+          </a:prstGeom>
+        </p:spPr>
+        <p:style>
+          <a:lnRef idx="1">
+            <a:schemeClr val="accent1"/>
+          </a:lnRef>
+          <a:fillRef idx="0">
+            <a:schemeClr val="accent1"/>
+          </a:fillRef>
+          <a:effectRef idx="0">
+            <a:schemeClr val="accent1"/>
+          </a:effectRef>
+          <a:fontRef idx="minor">
+            <a:schemeClr val="tx1"/>
+          </a:fontRef>
+        </p:style>
+        <p:txBody>
+          <a:bodyPr rtlCol="0" anchor="ctr"/>
+          <a:lstStyle/>
+          <a:p>
+            <a:pPr algn="ctr"/>
+            <a:endParaRPr lang="en-US"/>
+          </a:p>
+        </p:txBody>
+      </p:sp>
+      <p:sp>
+        <p:nvSpPr>
+          <p:cNvPr id="7" name="Freeform 6"/>
+          <p:cNvSpPr/>
+          <p:nvPr/>
+        </p:nvSpPr>
+        <p:spPr>
+          <a:xfrm>
+            <a:off x="1229558" y="3651681"/>
+            <a:ext cx="6511770" cy="2133600"/>
+          </a:xfrm>
+          <a:custGeom>
+            <a:avLst/>
+            <a:gdLst>
+              <a:gd name="connsiteX0" fmla="*/ 324034 w 6511770"/>
+              <a:gd name="connsiteY0" fmla="*/ 1976762 h 2133600"/>
+              <a:gd name="connsiteX1" fmla="*/ 448322 w 6511770"/>
+              <a:gd name="connsiteY1" fmla="*/ 1852474 h 2133600"/>
+              <a:gd name="connsiteX2" fmla="*/ 3013968 w 6511770"/>
+              <a:gd name="connsiteY2" fmla="*/ 290004 h 2133600"/>
+              <a:gd name="connsiteX3" fmla="*/ 6511770 w 6511770"/>
+              <a:gd name="connsiteY3" fmla="*/ 112451 h 2133600"/>
+              <a:gd name="connsiteX4" fmla="*/ 6511770 w 6511770"/>
+              <a:gd name="connsiteY4" fmla="*/ 112451 h 2133600"/>
+            </a:gdLst>
+            <a:ahLst/>
+            <a:cxnLst>
+              <a:cxn ang="0">
+                <a:pos x="connsiteX0" y="connsiteY0"/>
+              </a:cxn>
+              <a:cxn ang="0">
+                <a:pos x="connsiteX1" y="connsiteY1"/>
+              </a:cxn>
+              <a:cxn ang="0">
+                <a:pos x="connsiteX2" y="connsiteY2"/>
+              </a:cxn>
+              <a:cxn ang="0">
+                <a:pos x="connsiteX3" y="connsiteY3"/>
+              </a:cxn>
+              <a:cxn ang="0">
+                <a:pos x="connsiteX4" y="connsiteY4"/>
+              </a:cxn>
+            </a:cxnLst>
+            <a:rect l="l" t="t" r="r" b="b"/>
+            <a:pathLst>
+              <a:path w="6511770" h="2133600">
+                <a:moveTo>
+                  <a:pt x="324034" y="1976762"/>
+                </a:moveTo>
+                <a:cubicBezTo>
+                  <a:pt x="162017" y="2055181"/>
+                  <a:pt x="0" y="2133600"/>
+                  <a:pt x="448322" y="1852474"/>
+                </a:cubicBezTo>
+                <a:cubicBezTo>
+                  <a:pt x="896644" y="1571348"/>
+                  <a:pt x="2003393" y="580008"/>
+                  <a:pt x="3013968" y="290004"/>
+                </a:cubicBezTo>
+                <a:cubicBezTo>
+                  <a:pt x="4024543" y="0"/>
+                  <a:pt x="6511770" y="112451"/>
+                  <a:pt x="6511770" y="112451"/>
+                </a:cubicBezTo>
+                <a:lnTo>
+                  <a:pt x="6511770" y="112451"/>
+                </a:lnTo>
+              </a:path>
+            </a:pathLst>
+          </a:custGeom>
+        </p:spPr>
+        <p:style>
+          <a:lnRef idx="1">
+            <a:schemeClr val="accent1"/>
+          </a:lnRef>
+          <a:fillRef idx="0">
+            <a:schemeClr val="accent1"/>
+          </a:fillRef>
+          <a:effectRef idx="0">
+            <a:schemeClr val="accent1"/>
+          </a:effectRef>
+          <a:fontRef idx="minor">
+            <a:schemeClr val="tx1"/>
+          </a:fontRef>
+        </p:style>
+        <p:txBody>
+          <a:bodyPr rtlCol="0" anchor="ctr"/>
+          <a:lstStyle/>
+          <a:p>
+            <a:pPr algn="ctr"/>
+            <a:endParaRPr lang="en-US"/>
+          </a:p>
+        </p:txBody>
+      </p:sp>
+      <p:sp>
+        <p:nvSpPr>
+          <p:cNvPr id="8" name="Freeform 7"/>
+          <p:cNvSpPr/>
+          <p:nvPr/>
+        </p:nvSpPr>
+        <p:spPr>
+          <a:xfrm>
+            <a:off x="656948" y="1822882"/>
+            <a:ext cx="7102135" cy="1896862"/>
+          </a:xfrm>
+          <a:custGeom>
+            <a:avLst/>
+            <a:gdLst>
+              <a:gd name="connsiteX0" fmla="*/ 0 w 7102135"/>
+              <a:gd name="connsiteY0" fmla="*/ 1896862 h 1896862"/>
+              <a:gd name="connsiteX1" fmla="*/ 2379215 w 7102135"/>
+              <a:gd name="connsiteY1" fmla="*/ 600722 h 1896862"/>
+              <a:gd name="connsiteX2" fmla="*/ 4554244 w 7102135"/>
+              <a:gd name="connsiteY2" fmla="*/ 85817 h 1896862"/>
+              <a:gd name="connsiteX3" fmla="*/ 7102135 w 7102135"/>
+              <a:gd name="connsiteY3" fmla="*/ 85817 h 1896862"/>
+            </a:gdLst>
+            <a:ahLst/>
+            <a:cxnLst>
+              <a:cxn ang="0">
+                <a:pos x="connsiteX0" y="connsiteY0"/>
+              </a:cxn>
+              <a:cxn ang="0">
+                <a:pos x="connsiteX1" y="connsiteY1"/>
+              </a:cxn>
+              <a:cxn ang="0">
+                <a:pos x="connsiteX2" y="connsiteY2"/>
+              </a:cxn>
+              <a:cxn ang="0">
+                <a:pos x="connsiteX3" y="connsiteY3"/>
+              </a:cxn>
+            </a:cxnLst>
+            <a:rect l="l" t="t" r="r" b="b"/>
+            <a:pathLst>
+              <a:path w="7102135" h="1896862">
+                <a:moveTo>
+                  <a:pt x="0" y="1896862"/>
+                </a:moveTo>
+                <a:cubicBezTo>
+                  <a:pt x="810087" y="1399712"/>
+                  <a:pt x="1620174" y="902563"/>
+                  <a:pt x="2379215" y="600722"/>
+                </a:cubicBezTo>
+                <a:cubicBezTo>
+                  <a:pt x="3138256" y="298881"/>
+                  <a:pt x="3767091" y="171635"/>
+                  <a:pt x="4554244" y="85817"/>
+                </a:cubicBezTo>
+                <a:cubicBezTo>
+                  <a:pt x="5341397" y="0"/>
+                  <a:pt x="6221766" y="42908"/>
+                  <a:pt x="7102135" y="85817"/>
+                </a:cubicBezTo>
+              </a:path>
+            </a:pathLst>
+          </a:custGeom>
+        </p:spPr>
+        <p:style>
+          <a:lnRef idx="1">
+            <a:schemeClr val="accent1"/>
+          </a:lnRef>
+          <a:fillRef idx="0">
+            <a:schemeClr val="accent1"/>
+          </a:fillRef>
+          <a:effectRef idx="0">
+            <a:schemeClr val="accent1"/>
+          </a:effectRef>
+          <a:fontRef idx="minor">
+            <a:schemeClr val="tx1"/>
+          </a:fontRef>
+        </p:style>
+        <p:txBody>
+          <a:bodyPr rtlCol="0" anchor="ctr"/>
+          <a:lstStyle/>
+          <a:p>
+            <a:pPr algn="ctr"/>
+            <a:endParaRPr lang="en-US"/>
+          </a:p>
+        </p:txBody>
+      </p:sp>
+      <p:sp>
+        <p:nvSpPr>
+          <p:cNvPr id="9" name="Freeform 8"/>
+          <p:cNvSpPr/>
+          <p:nvPr/>
+        </p:nvSpPr>
+        <p:spPr>
+          <a:xfrm>
+            <a:off x="1775534" y="692458"/>
+            <a:ext cx="2521258" cy="5007006"/>
+          </a:xfrm>
+          <a:custGeom>
+            <a:avLst/>
+            <a:gdLst>
+              <a:gd name="connsiteX0" fmla="*/ 2521258 w 2521258"/>
+              <a:gd name="connsiteY0" fmla="*/ 5007006 h 5007006"/>
+              <a:gd name="connsiteX1" fmla="*/ 1429305 w 2521258"/>
+              <a:gd name="connsiteY1" fmla="*/ 2663301 h 5007006"/>
+              <a:gd name="connsiteX2" fmla="*/ 0 w 2521258"/>
+              <a:gd name="connsiteY2" fmla="*/ 0 h 5007006"/>
+            </a:gdLst>
+            <a:ahLst/>
+            <a:cxnLst>
+              <a:cxn ang="0">
+                <a:pos x="connsiteX0" y="connsiteY0"/>
+              </a:cxn>
+              <a:cxn ang="0">
+                <a:pos x="connsiteX1" y="connsiteY1"/>
+              </a:cxn>
+              <a:cxn ang="0">
+                <a:pos x="connsiteX2" y="connsiteY2"/>
+              </a:cxn>
+            </a:cxnLst>
+            <a:rect l="l" t="t" r="r" b="b"/>
+            <a:pathLst>
+              <a:path w="2521258" h="5007006">
+                <a:moveTo>
+                  <a:pt x="2521258" y="5007006"/>
+                </a:moveTo>
+                <a:cubicBezTo>
+                  <a:pt x="2185386" y="4252404"/>
+                  <a:pt x="1849515" y="3497802"/>
+                  <a:pt x="1429305" y="2663301"/>
+                </a:cubicBezTo>
+                <a:cubicBezTo>
+                  <a:pt x="1009095" y="1828800"/>
+                  <a:pt x="504547" y="914400"/>
+                  <a:pt x="0" y="0"/>
+                </a:cubicBezTo>
+              </a:path>
+            </a:pathLst>
+          </a:custGeom>
+        </p:spPr>
+        <p:style>
+          <a:lnRef idx="1">
+            <a:schemeClr val="accent1"/>
+          </a:lnRef>
+          <a:fillRef idx="0">
+            <a:schemeClr val="accent1"/>
+          </a:fillRef>
+          <a:effectRef idx="0">
+            <a:schemeClr val="accent1"/>
+          </a:effectRef>
+          <a:fontRef idx="minor">
+            <a:schemeClr val="tx1"/>
+          </a:fontRef>
+        </p:style>
+        <p:txBody>
+          <a:bodyPr rtlCol="0" anchor="ctr"/>
+          <a:lstStyle/>
+          <a:p>
+            <a:pPr algn="ctr"/>
+            <a:endParaRPr lang="en-US"/>
+          </a:p>
+        </p:txBody>
+      </p:sp>
+      <p:sp>
+        <p:nvSpPr>
+          <p:cNvPr id="10" name="Freeform 9"/>
+          <p:cNvSpPr/>
+          <p:nvPr/>
+        </p:nvSpPr>
+        <p:spPr>
+          <a:xfrm>
+            <a:off x="4651899" y="124287"/>
+            <a:ext cx="985421" cy="5353235"/>
+          </a:xfrm>
+          <a:custGeom>
+            <a:avLst/>
+            <a:gdLst>
+              <a:gd name="connsiteX0" fmla="*/ 985421 w 985421"/>
+              <a:gd name="connsiteY0" fmla="*/ 5353235 h 5353235"/>
+              <a:gd name="connsiteX1" fmla="*/ 639192 w 985421"/>
+              <a:gd name="connsiteY1" fmla="*/ 3045041 h 5353235"/>
+              <a:gd name="connsiteX2" fmla="*/ 0 w 985421"/>
+              <a:gd name="connsiteY2" fmla="*/ 0 h 5353235"/>
+            </a:gdLst>
+            <a:ahLst/>
+            <a:cxnLst>
+              <a:cxn ang="0">
+                <a:pos x="connsiteX0" y="connsiteY0"/>
+              </a:cxn>
+              <a:cxn ang="0">
+                <a:pos x="connsiteX1" y="connsiteY1"/>
+              </a:cxn>
+              <a:cxn ang="0">
+                <a:pos x="connsiteX2" y="connsiteY2"/>
+              </a:cxn>
+            </a:cxnLst>
+            <a:rect l="l" t="t" r="r" b="b"/>
+            <a:pathLst>
+              <a:path w="985421" h="5353235">
+                <a:moveTo>
+                  <a:pt x="985421" y="5353235"/>
+                </a:moveTo>
+                <a:cubicBezTo>
+                  <a:pt x="894425" y="4645241"/>
+                  <a:pt x="803429" y="3937247"/>
+                  <a:pt x="639192" y="3045041"/>
+                </a:cubicBezTo>
+                <a:cubicBezTo>
+                  <a:pt x="474955" y="2152835"/>
+                  <a:pt x="237477" y="1076417"/>
+                  <a:pt x="0" y="0"/>
+                </a:cubicBezTo>
+              </a:path>
+            </a:pathLst>
+          </a:custGeom>
+        </p:spPr>
+        <p:style>
+          <a:lnRef idx="1">
+            <a:schemeClr val="accent1"/>
+          </a:lnRef>
+          <a:fillRef idx="0">
+            <a:schemeClr val="accent1"/>
+          </a:fillRef>
+          <a:effectRef idx="0">
+            <a:schemeClr val="accent1"/>
+          </a:effectRef>
+          <a:fontRef idx="minor">
+            <a:schemeClr val="tx1"/>
+          </a:fontRef>
+        </p:style>
+        <p:txBody>
+          <a:bodyPr rtlCol="0" anchor="ctr"/>
+          <a:lstStyle/>
+          <a:p>
+            <a:pPr algn="ctr"/>
+            <a:endParaRPr lang="en-US"/>
+          </a:p>
+        </p:txBody>
+      </p:sp>
+      <p:sp>
+        <p:nvSpPr>
+          <p:cNvPr id="11" name="TextBox 10"/>
+          <p:cNvSpPr txBox="1"/>
+          <p:nvPr/>
+        </p:nvSpPr>
+        <p:spPr>
+          <a:xfrm>
+            <a:off x="4005800" y="2674396"/>
+            <a:ext cx="432048" cy="584775"/>
+          </a:xfrm>
+          <a:prstGeom prst="rect">
+            <a:avLst/>
+          </a:prstGeom>
+          <a:noFill/>
+        </p:spPr>
+        <p:txBody>
+          <a:bodyPr wrap="square" rtlCol="0">
+            <a:spAutoFit/>
+          </a:bodyPr>
+          <a:lstStyle/>
+          <a:p>
+            <a:r>
+              <a:rPr lang="en-US" sz="3200" dirty="0" smtClean="0"/>
+              <a:t>+</a:t>
+            </a:r>
+            <a:endParaRPr lang="en-US" sz="3200" dirty="0"/>
+          </a:p>
+        </p:txBody>
+      </p:sp>
+      <p:sp>
+        <p:nvSpPr>
+          <p:cNvPr id="12" name="Freeform 11"/>
+          <p:cNvSpPr/>
+          <p:nvPr/>
+        </p:nvSpPr>
+        <p:spPr>
+          <a:xfrm>
+            <a:off x="755576" y="2708920"/>
+            <a:ext cx="7102135" cy="1896862"/>
+          </a:xfrm>
+          <a:custGeom>
+            <a:avLst/>
+            <a:gdLst>
+              <a:gd name="connsiteX0" fmla="*/ 0 w 7102135"/>
+              <a:gd name="connsiteY0" fmla="*/ 1896862 h 1896862"/>
+              <a:gd name="connsiteX1" fmla="*/ 2379215 w 7102135"/>
+              <a:gd name="connsiteY1" fmla="*/ 600722 h 1896862"/>
+              <a:gd name="connsiteX2" fmla="*/ 4554244 w 7102135"/>
+              <a:gd name="connsiteY2" fmla="*/ 85817 h 1896862"/>
+              <a:gd name="connsiteX3" fmla="*/ 7102135 w 7102135"/>
+              <a:gd name="connsiteY3" fmla="*/ 85817 h 1896862"/>
+            </a:gdLst>
+            <a:ahLst/>
+            <a:cxnLst>
+              <a:cxn ang="0">
+                <a:pos x="connsiteX0" y="connsiteY0"/>
+              </a:cxn>
+              <a:cxn ang="0">
+                <a:pos x="connsiteX1" y="connsiteY1"/>
+              </a:cxn>
+              <a:cxn ang="0">
+                <a:pos x="connsiteX2" y="connsiteY2"/>
+              </a:cxn>
+              <a:cxn ang="0">
+                <a:pos x="connsiteX3" y="connsiteY3"/>
+              </a:cxn>
+            </a:cxnLst>
+            <a:rect l="l" t="t" r="r" b="b"/>
+            <a:pathLst>
+              <a:path w="7102135" h="1896862">
+                <a:moveTo>
+                  <a:pt x="0" y="1896862"/>
+                </a:moveTo>
+                <a:cubicBezTo>
+                  <a:pt x="810087" y="1399712"/>
+                  <a:pt x="1620174" y="902563"/>
+                  <a:pt x="2379215" y="600722"/>
+                </a:cubicBezTo>
+                <a:cubicBezTo>
+                  <a:pt x="3138256" y="298881"/>
+                  <a:pt x="3767091" y="171635"/>
+                  <a:pt x="4554244" y="85817"/>
+                </a:cubicBezTo>
+                <a:cubicBezTo>
+                  <a:pt x="5341397" y="0"/>
+                  <a:pt x="6221766" y="42908"/>
+                  <a:pt x="7102135" y="85817"/>
+                </a:cubicBezTo>
+              </a:path>
+            </a:pathLst>
+          </a:custGeom>
+          <a:ln>
+            <a:prstDash val="dash"/>
+          </a:ln>
+        </p:spPr>
+        <p:style>
+          <a:lnRef idx="1">
+            <a:schemeClr val="accent1"/>
+          </a:lnRef>
+          <a:fillRef idx="0">
+            <a:schemeClr val="accent1"/>
+          </a:fillRef>
+          <a:effectRef idx="0">
+            <a:schemeClr val="accent1"/>
+          </a:effectRef>
+          <a:fontRef idx="minor">
+            <a:schemeClr val="tx1"/>
+          </a:fontRef>
+        </p:style>
+        <p:txBody>
+          <a:bodyPr rtlCol="0" anchor="ctr"/>
+          <a:lstStyle/>
+          <a:p>
+            <a:pPr algn="ctr"/>
+            <a:endParaRPr lang="en-US"/>
+          </a:p>
+        </p:txBody>
+      </p:sp>
+      <p:cxnSp>
+        <p:nvCxnSpPr>
+          <p:cNvPr id="14" name="Straight Connector 13"/>
+          <p:cNvCxnSpPr/>
+          <p:nvPr/>
+        </p:nvCxnSpPr>
+        <p:spPr>
+          <a:xfrm flipV="1">
+            <a:off x="5004048" y="2780928"/>
+            <a:ext cx="390618" cy="62144"/>
+          </a:xfrm>
+          <a:prstGeom prst="line">
+            <a:avLst/>
+          </a:prstGeom>
+          <a:ln w="25400">
+            <a:solidFill>
+              <a:schemeClr val="tx1"/>
+            </a:solidFill>
+          </a:ln>
+        </p:spPr>
+        <p:style>
+          <a:lnRef idx="1">
+            <a:schemeClr val="accent1"/>
+          </a:lnRef>
+          <a:fillRef idx="0">
+            <a:schemeClr val="accent1"/>
+          </a:fillRef>
+          <a:effectRef idx="0">
+            <a:schemeClr val="accent1"/>
+          </a:effectRef>
+          <a:fontRef idx="minor">
+            <a:schemeClr val="tx1"/>
+          </a:fontRef>
+        </p:style>
+      </p:cxnSp>
+      <p:cxnSp>
+        <p:nvCxnSpPr>
+          <p:cNvPr id="15" name="Straight Connector 14"/>
+          <p:cNvCxnSpPr/>
+          <p:nvPr/>
+        </p:nvCxnSpPr>
+        <p:spPr>
+          <a:xfrm rot="16200000" flipH="1">
+            <a:off x="3750442" y="2090317"/>
+            <a:ext cx="301599" cy="98643"/>
+          </a:xfrm>
+          <a:prstGeom prst="line">
+            <a:avLst/>
+          </a:prstGeom>
+          <a:ln w="25400">
+            <a:solidFill>
+              <a:schemeClr val="tx1"/>
+            </a:solidFill>
+          </a:ln>
+        </p:spPr>
+        <p:style>
+          <a:lnRef idx="1">
+            <a:schemeClr val="accent1"/>
+          </a:lnRef>
+          <a:fillRef idx="0">
+            <a:schemeClr val="accent1"/>
+          </a:fillRef>
+          <a:effectRef idx="0">
+            <a:schemeClr val="accent1"/>
+          </a:effectRef>
+          <a:fontRef idx="minor">
+            <a:schemeClr val="tx1"/>
+          </a:fontRef>
+        </p:style>
+      </p:cxnSp>
+      <p:sp>
+        <p:nvSpPr>
+          <p:cNvPr id="22" name="Freeform 21"/>
+          <p:cNvSpPr/>
+          <p:nvPr/>
+        </p:nvSpPr>
+        <p:spPr>
+          <a:xfrm>
+            <a:off x="5796136" y="0"/>
+            <a:ext cx="655300" cy="5661248"/>
+          </a:xfrm>
+          <a:custGeom>
+            <a:avLst/>
+            <a:gdLst>
+              <a:gd name="connsiteX0" fmla="*/ 2521258 w 2521258"/>
+              <a:gd name="connsiteY0" fmla="*/ 5007006 h 5007006"/>
+              <a:gd name="connsiteX1" fmla="*/ 1429305 w 2521258"/>
+              <a:gd name="connsiteY1" fmla="*/ 2663301 h 5007006"/>
+              <a:gd name="connsiteX2" fmla="*/ 0 w 2521258"/>
+              <a:gd name="connsiteY2" fmla="*/ 0 h 5007006"/>
+              <a:gd name="connsiteX0" fmla="*/ 2304256 w 2304256"/>
+              <a:gd name="connsiteY0" fmla="*/ 5079014 h 5079014"/>
+              <a:gd name="connsiteX1" fmla="*/ 1212303 w 2304256"/>
+              <a:gd name="connsiteY1" fmla="*/ 2735309 h 5079014"/>
+              <a:gd name="connsiteX2" fmla="*/ 0 w 2304256"/>
+              <a:gd name="connsiteY2" fmla="*/ 0 h 5079014"/>
+              <a:gd name="connsiteX0" fmla="*/ 1944216 w 1944216"/>
+              <a:gd name="connsiteY0" fmla="*/ 5112568 h 5112568"/>
+              <a:gd name="connsiteX1" fmla="*/ 1212303 w 1944216"/>
+              <a:gd name="connsiteY1" fmla="*/ 2735309 h 5112568"/>
+              <a:gd name="connsiteX2" fmla="*/ 0 w 1944216"/>
+              <a:gd name="connsiteY2" fmla="*/ 0 h 5112568"/>
+              <a:gd name="connsiteX0" fmla="*/ 1944216 w 1944216"/>
+              <a:gd name="connsiteY0" fmla="*/ 5112568 h 5112568"/>
+              <a:gd name="connsiteX1" fmla="*/ 1212303 w 1944216"/>
+              <a:gd name="connsiteY1" fmla="*/ 2735309 h 5112568"/>
+              <a:gd name="connsiteX2" fmla="*/ 0 w 1944216"/>
+              <a:gd name="connsiteY2" fmla="*/ 0 h 5112568"/>
+              <a:gd name="connsiteX0" fmla="*/ 1944216 w 1944216"/>
+              <a:gd name="connsiteY0" fmla="*/ 5112568 h 5508778"/>
+              <a:gd name="connsiteX1" fmla="*/ 1800200 w 1944216"/>
+              <a:gd name="connsiteY1" fmla="*/ 5112568 h 5508778"/>
+              <a:gd name="connsiteX2" fmla="*/ 1212303 w 1944216"/>
+              <a:gd name="connsiteY2" fmla="*/ 2735309 h 5508778"/>
+              <a:gd name="connsiteX3" fmla="*/ 0 w 1944216"/>
+              <a:gd name="connsiteY3" fmla="*/ 0 h 5508778"/>
+              <a:gd name="connsiteX0" fmla="*/ 1944216 w 1944216"/>
+              <a:gd name="connsiteY0" fmla="*/ 5112568 h 5544616"/>
+              <a:gd name="connsiteX1" fmla="*/ 1800200 w 1944216"/>
+              <a:gd name="connsiteY1" fmla="*/ 5112568 h 5544616"/>
+              <a:gd name="connsiteX2" fmla="*/ 1152128 w 1944216"/>
+              <a:gd name="connsiteY2" fmla="*/ 2520280 h 5544616"/>
+              <a:gd name="connsiteX3" fmla="*/ 0 w 1944216"/>
+              <a:gd name="connsiteY3" fmla="*/ 0 h 5544616"/>
+              <a:gd name="connsiteX0" fmla="*/ 1944216 w 1944216"/>
+              <a:gd name="connsiteY0" fmla="*/ 5112568 h 5544616"/>
+              <a:gd name="connsiteX1" fmla="*/ 1800200 w 1944216"/>
+              <a:gd name="connsiteY1" fmla="*/ 5112568 h 5544616"/>
+              <a:gd name="connsiteX2" fmla="*/ 1152128 w 1944216"/>
+              <a:gd name="connsiteY2" fmla="*/ 2520280 h 5544616"/>
+              <a:gd name="connsiteX3" fmla="*/ 0 w 1944216"/>
+              <a:gd name="connsiteY3" fmla="*/ 0 h 5544616"/>
+              <a:gd name="connsiteX0" fmla="*/ 1944216 w 1944216"/>
+              <a:gd name="connsiteY0" fmla="*/ 5112568 h 5544616"/>
+              <a:gd name="connsiteX1" fmla="*/ 1800200 w 1944216"/>
+              <a:gd name="connsiteY1" fmla="*/ 5112568 h 5544616"/>
+              <a:gd name="connsiteX2" fmla="*/ 1152128 w 1944216"/>
+              <a:gd name="connsiteY2" fmla="*/ 2520280 h 5544616"/>
+              <a:gd name="connsiteX3" fmla="*/ 0 w 1944216"/>
+              <a:gd name="connsiteY3" fmla="*/ 0 h 5544616"/>
+              <a:gd name="connsiteX0" fmla="*/ 1944216 w 1944216"/>
+              <a:gd name="connsiteY0" fmla="*/ 5112568 h 5544616"/>
+              <a:gd name="connsiteX1" fmla="*/ 1800200 w 1944216"/>
+              <a:gd name="connsiteY1" fmla="*/ 5112568 h 5544616"/>
+              <a:gd name="connsiteX2" fmla="*/ 1152128 w 1944216"/>
+              <a:gd name="connsiteY2" fmla="*/ 2520280 h 5544616"/>
+              <a:gd name="connsiteX3" fmla="*/ 0 w 1944216"/>
+              <a:gd name="connsiteY3" fmla="*/ 0 h 5544616"/>
+              <a:gd name="connsiteX0" fmla="*/ 1944216 w 1944216"/>
+              <a:gd name="connsiteY0" fmla="*/ 5112568 h 5544616"/>
+              <a:gd name="connsiteX1" fmla="*/ 1800200 w 1944216"/>
+              <a:gd name="connsiteY1" fmla="*/ 5112568 h 5544616"/>
+              <a:gd name="connsiteX2" fmla="*/ 1080120 w 1944216"/>
+              <a:gd name="connsiteY2" fmla="*/ 2520280 h 5544616"/>
+              <a:gd name="connsiteX3" fmla="*/ 0 w 1944216"/>
+              <a:gd name="connsiteY3" fmla="*/ 0 h 5544616"/>
+              <a:gd name="connsiteX0" fmla="*/ 1368152 w 1368152"/>
+              <a:gd name="connsiteY0" fmla="*/ 5741640 h 6173688"/>
+              <a:gd name="connsiteX1" fmla="*/ 1224136 w 1368152"/>
+              <a:gd name="connsiteY1" fmla="*/ 5741640 h 6173688"/>
+              <a:gd name="connsiteX2" fmla="*/ 504056 w 1368152"/>
+              <a:gd name="connsiteY2" fmla="*/ 3149352 h 6173688"/>
+              <a:gd name="connsiteX3" fmla="*/ 0 w 1368152"/>
+              <a:gd name="connsiteY3" fmla="*/ 0 h 6173688"/>
+              <a:gd name="connsiteX0" fmla="*/ 1368152 w 1368152"/>
+              <a:gd name="connsiteY0" fmla="*/ 5741640 h 6173688"/>
+              <a:gd name="connsiteX1" fmla="*/ 1224136 w 1368152"/>
+              <a:gd name="connsiteY1" fmla="*/ 5741640 h 6173688"/>
+              <a:gd name="connsiteX2" fmla="*/ 504056 w 1368152"/>
+              <a:gd name="connsiteY2" fmla="*/ 3149352 h 6173688"/>
+              <a:gd name="connsiteX3" fmla="*/ 0 w 1368152"/>
+              <a:gd name="connsiteY3" fmla="*/ 0 h 6173688"/>
+              <a:gd name="connsiteX0" fmla="*/ 1368152 w 1368152"/>
+              <a:gd name="connsiteY0" fmla="*/ 5741640 h 6223091"/>
+              <a:gd name="connsiteX1" fmla="*/ 1224136 w 1368152"/>
+              <a:gd name="connsiteY1" fmla="*/ 5741640 h 6223091"/>
+              <a:gd name="connsiteX2" fmla="*/ 504056 w 1368152"/>
+              <a:gd name="connsiteY2" fmla="*/ 2852936 h 6223091"/>
+              <a:gd name="connsiteX3" fmla="*/ 0 w 1368152"/>
+              <a:gd name="connsiteY3" fmla="*/ 0 h 6223091"/>
+              <a:gd name="connsiteX0" fmla="*/ 1368152 w 1368152"/>
+              <a:gd name="connsiteY0" fmla="*/ 5741640 h 6223091"/>
+              <a:gd name="connsiteX1" fmla="*/ 1224136 w 1368152"/>
+              <a:gd name="connsiteY1" fmla="*/ 5741640 h 6223091"/>
+              <a:gd name="connsiteX2" fmla="*/ 504056 w 1368152"/>
+              <a:gd name="connsiteY2" fmla="*/ 2852936 h 6223091"/>
+              <a:gd name="connsiteX3" fmla="*/ 0 w 1368152"/>
+              <a:gd name="connsiteY3" fmla="*/ 0 h 6223091"/>
+              <a:gd name="connsiteX0" fmla="*/ 1368152 w 1368152"/>
+              <a:gd name="connsiteY0" fmla="*/ 5741640 h 6223091"/>
+              <a:gd name="connsiteX1" fmla="*/ 1224136 w 1368152"/>
+              <a:gd name="connsiteY1" fmla="*/ 5741640 h 6223091"/>
+              <a:gd name="connsiteX2" fmla="*/ 504056 w 1368152"/>
+              <a:gd name="connsiteY2" fmla="*/ 2852936 h 6223091"/>
+              <a:gd name="connsiteX3" fmla="*/ 0 w 1368152"/>
+              <a:gd name="connsiteY3" fmla="*/ 0 h 6223091"/>
+              <a:gd name="connsiteX0" fmla="*/ 1224136 w 1224136"/>
+              <a:gd name="connsiteY0" fmla="*/ 5741640 h 5741640"/>
+              <a:gd name="connsiteX1" fmla="*/ 504056 w 1224136"/>
+              <a:gd name="connsiteY1" fmla="*/ 2852936 h 5741640"/>
+              <a:gd name="connsiteX2" fmla="*/ 0 w 1224136"/>
+              <a:gd name="connsiteY2" fmla="*/ 0 h 5741640"/>
+              <a:gd name="connsiteX0" fmla="*/ 1224136 w 1224136"/>
+              <a:gd name="connsiteY0" fmla="*/ 5741640 h 6142698"/>
+              <a:gd name="connsiteX1" fmla="*/ 648072 w 1224136"/>
+              <a:gd name="connsiteY1" fmla="*/ 5661248 h 6142698"/>
+              <a:gd name="connsiteX2" fmla="*/ 504056 w 1224136"/>
+              <a:gd name="connsiteY2" fmla="*/ 2852936 h 6142698"/>
+              <a:gd name="connsiteX3" fmla="*/ 0 w 1224136"/>
+              <a:gd name="connsiteY3" fmla="*/ 0 h 6142698"/>
+              <a:gd name="connsiteX0" fmla="*/ 1224136 w 1224136"/>
+              <a:gd name="connsiteY0" fmla="*/ 5741640 h 6142698"/>
+              <a:gd name="connsiteX1" fmla="*/ 648072 w 1224136"/>
+              <a:gd name="connsiteY1" fmla="*/ 5661248 h 6142698"/>
+              <a:gd name="connsiteX2" fmla="*/ 504056 w 1224136"/>
+              <a:gd name="connsiteY2" fmla="*/ 2852936 h 6142698"/>
+              <a:gd name="connsiteX3" fmla="*/ 0 w 1224136"/>
+              <a:gd name="connsiteY3" fmla="*/ 0 h 6142698"/>
+              <a:gd name="connsiteX0" fmla="*/ 648072 w 706926"/>
+              <a:gd name="connsiteY0" fmla="*/ 5661248 h 5661248"/>
+              <a:gd name="connsiteX1" fmla="*/ 504056 w 706926"/>
+              <a:gd name="connsiteY1" fmla="*/ 2852936 h 5661248"/>
+              <a:gd name="connsiteX2" fmla="*/ 0 w 706926"/>
+              <a:gd name="connsiteY2" fmla="*/ 0 h 5661248"/>
+              <a:gd name="connsiteX0" fmla="*/ 648072 w 655300"/>
+              <a:gd name="connsiteY0" fmla="*/ 5661248 h 5661248"/>
+              <a:gd name="connsiteX1" fmla="*/ 504056 w 655300"/>
+              <a:gd name="connsiteY1" fmla="*/ 2852936 h 5661248"/>
+              <a:gd name="connsiteX2" fmla="*/ 0 w 655300"/>
+              <a:gd name="connsiteY2" fmla="*/ 0 h 5661248"/>
+              <a:gd name="connsiteX0" fmla="*/ 648072 w 655300"/>
+              <a:gd name="connsiteY0" fmla="*/ 5661248 h 5661248"/>
+              <a:gd name="connsiteX1" fmla="*/ 504056 w 655300"/>
+              <a:gd name="connsiteY1" fmla="*/ 2852936 h 5661248"/>
+              <a:gd name="connsiteX2" fmla="*/ 0 w 655300"/>
+              <a:gd name="connsiteY2" fmla="*/ 0 h 5661248"/>
+            </a:gdLst>
+            <a:ahLst/>
+            <a:cxnLst>
+              <a:cxn ang="0">
+                <a:pos x="connsiteX0" y="connsiteY0"/>
+              </a:cxn>
+              <a:cxn ang="0">
+                <a:pos x="connsiteX1" y="connsiteY1"/>
+              </a:cxn>
+              <a:cxn ang="0">
+                <a:pos x="connsiteX2" y="connsiteY2"/>
+              </a:cxn>
+            </a:cxnLst>
+            <a:rect l="l" t="t" r="r" b="b"/>
+            <a:pathLst>
+              <a:path w="655300" h="5661248">
+                <a:moveTo>
+                  <a:pt x="648072" y="5661248"/>
+                </a:moveTo>
+                <a:cubicBezTo>
+                  <a:pt x="655300" y="5180532"/>
+                  <a:pt x="644776" y="3772513"/>
+                  <a:pt x="504056" y="2852936"/>
+                </a:cubicBezTo>
+                <a:cubicBezTo>
+                  <a:pt x="393406" y="1928107"/>
+                  <a:pt x="161272" y="991101"/>
+                  <a:pt x="0" y="0"/>
+                </a:cubicBezTo>
+              </a:path>
+            </a:pathLst>
+          </a:custGeom>
+          <a:ln>
+            <a:prstDash val="dash"/>
+          </a:ln>
+        </p:spPr>
+        <p:style>
+          <a:lnRef idx="1">
+            <a:schemeClr val="accent1"/>
+          </a:lnRef>
+          <a:fillRef idx="0">
+            <a:schemeClr val="accent1"/>
+          </a:fillRef>
+          <a:effectRef idx="0">
+            <a:schemeClr val="accent1"/>
+          </a:effectRef>
+          <a:fontRef idx="minor">
+            <a:schemeClr val="tx1"/>
+          </a:fontRef>
+        </p:style>
+        <p:txBody>
+          <a:bodyPr rtlCol="0" anchor="ctr"/>
+          <a:lstStyle/>
+          <a:p>
+            <a:pPr algn="ctr"/>
+            <a:endParaRPr lang="en-US"/>
+          </a:p>
+        </p:txBody>
+      </p:sp>
+      <p:sp>
+        <p:nvSpPr>
+          <p:cNvPr id="23" name="Freeform 22"/>
+          <p:cNvSpPr/>
+          <p:nvPr/>
+        </p:nvSpPr>
+        <p:spPr>
+          <a:xfrm>
+            <a:off x="683568" y="812058"/>
+            <a:ext cx="7102135" cy="1896862"/>
+          </a:xfrm>
+          <a:custGeom>
+            <a:avLst/>
+            <a:gdLst>
+              <a:gd name="connsiteX0" fmla="*/ 0 w 7102135"/>
+              <a:gd name="connsiteY0" fmla="*/ 1896862 h 1896862"/>
+              <a:gd name="connsiteX1" fmla="*/ 2379215 w 7102135"/>
+              <a:gd name="connsiteY1" fmla="*/ 600722 h 1896862"/>
+              <a:gd name="connsiteX2" fmla="*/ 4554244 w 7102135"/>
+              <a:gd name="connsiteY2" fmla="*/ 85817 h 1896862"/>
+              <a:gd name="connsiteX3" fmla="*/ 7102135 w 7102135"/>
+              <a:gd name="connsiteY3" fmla="*/ 85817 h 1896862"/>
+            </a:gdLst>
+            <a:ahLst/>
+            <a:cxnLst>
+              <a:cxn ang="0">
+                <a:pos x="connsiteX0" y="connsiteY0"/>
+              </a:cxn>
+              <a:cxn ang="0">
+                <a:pos x="connsiteX1" y="connsiteY1"/>
+              </a:cxn>
+              <a:cxn ang="0">
+                <a:pos x="connsiteX2" y="connsiteY2"/>
+              </a:cxn>
+              <a:cxn ang="0">
+                <a:pos x="connsiteX3" y="connsiteY3"/>
+              </a:cxn>
+            </a:cxnLst>
+            <a:rect l="l" t="t" r="r" b="b"/>
+            <a:pathLst>
+              <a:path w="7102135" h="1896862">
+                <a:moveTo>
+                  <a:pt x="0" y="1896862"/>
+                </a:moveTo>
+                <a:cubicBezTo>
+                  <a:pt x="810087" y="1399712"/>
+                  <a:pt x="1620174" y="902563"/>
+                  <a:pt x="2379215" y="600722"/>
+                </a:cubicBezTo>
+                <a:cubicBezTo>
+                  <a:pt x="3138256" y="298881"/>
+                  <a:pt x="3767091" y="171635"/>
+                  <a:pt x="4554244" y="85817"/>
+                </a:cubicBezTo>
+                <a:cubicBezTo>
+                  <a:pt x="5341397" y="0"/>
+                  <a:pt x="6221766" y="42908"/>
+                  <a:pt x="7102135" y="85817"/>
+                </a:cubicBezTo>
+              </a:path>
+            </a:pathLst>
+          </a:custGeom>
+          <a:ln>
+            <a:prstDash val="dash"/>
+          </a:ln>
+        </p:spPr>
+        <p:style>
+          <a:lnRef idx="1">
+            <a:schemeClr val="accent1"/>
+          </a:lnRef>
+          <a:fillRef idx="0">
+            <a:schemeClr val="accent1"/>
+          </a:fillRef>
+          <a:effectRef idx="0">
+            <a:schemeClr val="accent1"/>
+          </a:effectRef>
+          <a:fontRef idx="minor">
+            <a:schemeClr val="tx1"/>
+          </a:fontRef>
+        </p:style>
+        <p:txBody>
+          <a:bodyPr rtlCol="0" anchor="ctr"/>
+          <a:lstStyle/>
+          <a:p>
+            <a:pPr algn="ctr"/>
+            <a:endParaRPr lang="en-US"/>
+          </a:p>
+        </p:txBody>
+      </p:sp>
+      <p:sp>
+        <p:nvSpPr>
+          <p:cNvPr id="16" name="Title 15"/>
+          <p:cNvSpPr>
+            <a:spLocks noGrp="1"/>
+          </p:cNvSpPr>
+          <p:nvPr>
+            <p:ph type="title"/>
+          </p:nvPr>
+        </p:nvSpPr>
+        <p:spPr/>
+        <p:txBody>
+          <a:bodyPr/>
+          <a:lstStyle/>
+          <a:p>
+            <a:r>
+              <a:rPr lang="en-US" dirty="0" err="1" smtClean="0"/>
+              <a:t>dsdnz</a:t>
+            </a:r>
+            <a:r>
+              <a:rPr lang="en-US" dirty="0" smtClean="0"/>
+              <a:t>(</a:t>
+            </a:r>
+            <a:r>
+              <a:rPr lang="en-US" dirty="0" err="1" smtClean="0"/>
+              <a:t>i,j</a:t>
+            </a:r>
+            <a:r>
+              <a:rPr lang="en-US" dirty="0" smtClean="0"/>
+              <a:t>)</a:t>
+            </a:r>
+            <a:endParaRPr lang="en-US" dirty="0"/>
+          </a:p>
+        </p:txBody>
+      </p:sp>
+    </p:spTree>
+  </p:cSld>
+  <p:clrMapOvr>
+    <a:masterClrMapping/>
+  </p:clrMapOvr>
+  <p:timing>
+    <p:tnLst>
+      <p:par>
+        <p:cTn id="1" dur="indefinite" restart="never" nodeType="tmRoot"/>
+      </p:par>
+    </p:tnLst>
+  </p:timing>
+</p:sld>
+</file>
+
+<file path=ppt/slides/slide16.xml><?xml version="1.0" encoding="utf-8"?>
 <p:sld xmlns:a="http://schemas.openxmlformats.org/drawingml/2006/main" xmlns:r="http://schemas.openxmlformats.org/officeDocument/2006/relationships" xmlns:p="http://schemas.openxmlformats.org/presentationml/2006/main">
   <p:cSld>
     <p:spTree>
@@ -5586,7 +8878,7 @@
 </p:sld>
 </file>
 
-<file path=ppt/slides/slide11.xml><?xml version="1.0" encoding="utf-8"?>
+<file path=ppt/slides/slide17.xml><?xml version="1.0" encoding="utf-8"?>
 <p:sld xmlns:a="http://schemas.openxmlformats.org/drawingml/2006/main" xmlns:r="http://schemas.openxmlformats.org/officeDocument/2006/relationships" xmlns:p="http://schemas.openxmlformats.org/presentationml/2006/main">
   <p:cSld>
     <p:spTree>
@@ -5757,7 +9049,7 @@
 </p:sld>
 </file>
 
-<file path=ppt/slides/slide12.xml><?xml version="1.0" encoding="utf-8"?>
+<file path=ppt/slides/slide18.xml><?xml version="1.0" encoding="utf-8"?>
 <p:sld xmlns:a="http://schemas.openxmlformats.org/drawingml/2006/main" xmlns:r="http://schemas.openxmlformats.org/officeDocument/2006/relationships" xmlns:p="http://schemas.openxmlformats.org/presentationml/2006/main">
   <p:cSld>
     <p:spTree>
@@ -5874,7 +9166,7 @@
 </p:sld>
 </file>
 
-<file path=ppt/slides/slide13.xml><?xml version="1.0" encoding="utf-8"?>
+<file path=ppt/slides/slide19.xml><?xml version="1.0" encoding="utf-8"?>
 <p:sld xmlns:a="http://schemas.openxmlformats.org/drawingml/2006/main" xmlns:r="http://schemas.openxmlformats.org/officeDocument/2006/relationships" xmlns:p="http://schemas.openxmlformats.org/presentationml/2006/main">
   <p:cSld>
     <p:spTree>
@@ -5988,346 +9280,6 @@
       </p:par>
     </p:tnLst>
   </p:timing>
-</p:sld>
-</file>
-
-<file path=ppt/slides/slide14.xml><?xml version="1.0" encoding="utf-8"?>
-<p:sld xmlns:a="http://schemas.openxmlformats.org/drawingml/2006/main" xmlns:r="http://schemas.openxmlformats.org/officeDocument/2006/relationships" xmlns:p="http://schemas.openxmlformats.org/presentationml/2006/main">
-  <p:cSld>
-    <p:spTree>
-      <p:nvGrpSpPr>
-        <p:cNvPr id="1" name=""/>
-        <p:cNvGrpSpPr/>
-        <p:nvPr/>
-      </p:nvGrpSpPr>
-      <p:grpSpPr>
-        <a:xfrm>
-          <a:off x="0" y="0"/>
-          <a:ext cx="0" cy="0"/>
-          <a:chOff x="0" y="0"/>
-          <a:chExt cx="0" cy="0"/>
-        </a:xfrm>
-      </p:grpSpPr>
-      <p:sp>
-        <p:nvSpPr>
-          <p:cNvPr id="2" name="Title 1"/>
-          <p:cNvSpPr>
-            <a:spLocks noGrp="1"/>
-          </p:cNvSpPr>
-          <p:nvPr>
-            <p:ph type="title"/>
-          </p:nvPr>
-        </p:nvSpPr>
-        <p:spPr/>
-        <p:txBody>
-          <a:bodyPr/>
-          <a:lstStyle/>
-          <a:p>
-            <a:r>
-              <a:rPr lang="en-US" dirty="0" smtClean="0"/>
-              <a:t>Advection </a:t>
-            </a:r>
-            <a:r>
-              <a:rPr lang="en-US" dirty="0" err="1" smtClean="0"/>
-              <a:t>udvdx</a:t>
-            </a:r>
-            <a:endParaRPr lang="en-US" dirty="0"/>
-          </a:p>
-        </p:txBody>
-      </p:sp>
-      <p:sp>
-        <p:nvSpPr>
-          <p:cNvPr id="26626" name="Rectangle 2"/>
-          <p:cNvSpPr>
-            <a:spLocks noChangeArrowheads="1"/>
-          </p:cNvSpPr>
-          <p:nvPr/>
-        </p:nvSpPr>
-        <p:spPr bwMode="auto">
-          <a:xfrm>
-            <a:off x="0" y="0"/>
-            <a:ext cx="9144000" cy="0"/>
-          </a:xfrm>
-          <a:prstGeom prst="rect">
-            <a:avLst/>
-          </a:prstGeom>
-          <a:noFill/>
-          <a:ln w="9525">
-            <a:noFill/>
-            <a:miter lim="800000"/>
-            <a:headEnd/>
-            <a:tailEnd/>
-          </a:ln>
-          <a:effectLst/>
-        </p:spPr>
-        <p:txBody>
-          <a:bodyPr vert="horz" wrap="none" lIns="91440" tIns="45720" rIns="91440" bIns="45720" numCol="1" anchor="ctr" anchorCtr="0" compatLnSpc="1">
-            <a:prstTxWarp prst="textNoShape">
-              <a:avLst/>
-            </a:prstTxWarp>
-            <a:spAutoFit/>
-          </a:bodyPr>
-          <a:lstStyle/>
-          <a:p>
-            <a:endParaRPr lang="en-US"/>
-          </a:p>
-        </p:txBody>
-      </p:sp>
-      <p:graphicFrame>
-        <p:nvGraphicFramePr>
-          <p:cNvPr id="26625" name="Object 1"/>
-          <p:cNvGraphicFramePr>
-            <a:graphicFrameLocks noChangeAspect="1"/>
-          </p:cNvGraphicFramePr>
-          <p:nvPr/>
-        </p:nvGraphicFramePr>
-        <p:xfrm>
-          <a:off x="276225" y="1592932"/>
-          <a:ext cx="9096375" cy="3924300"/>
-        </p:xfrm>
-        <a:graphic>
-          <a:graphicData uri="http://schemas.openxmlformats.org/presentationml/2006/ole">
-            <p:oleObj spid="_x0000_s28674" name="Equation" r:id="rId3" imgW="4457520" imgH="1917360" progId="Equation.DSMT4">
-              <p:embed/>
-            </p:oleObj>
-          </a:graphicData>
-        </a:graphic>
-      </p:graphicFrame>
-    </p:spTree>
-  </p:cSld>
-  <p:clrMapOvr>
-    <a:masterClrMapping/>
-  </p:clrMapOvr>
-  <p:timing>
-    <p:tnLst>
-      <p:par>
-        <p:cTn id="1" dur="indefinite" restart="never" nodeType="tmRoot"/>
-      </p:par>
-    </p:tnLst>
-  </p:timing>
-</p:sld>
-</file>
-
-<file path=ppt/slides/slide15.xml><?xml version="1.0" encoding="utf-8"?>
-<p:sld xmlns:a="http://schemas.openxmlformats.org/drawingml/2006/main" xmlns:r="http://schemas.openxmlformats.org/officeDocument/2006/relationships" xmlns:p="http://schemas.openxmlformats.org/presentationml/2006/main">
-  <p:cSld>
-    <p:spTree>
-      <p:nvGrpSpPr>
-        <p:cNvPr id="1" name=""/>
-        <p:cNvGrpSpPr/>
-        <p:nvPr/>
-      </p:nvGrpSpPr>
-      <p:grpSpPr>
-        <a:xfrm>
-          <a:off x="0" y="0"/>
-          <a:ext cx="0" cy="0"/>
-          <a:chOff x="0" y="0"/>
-          <a:chExt cx="0" cy="0"/>
-        </a:xfrm>
-      </p:grpSpPr>
-      <p:sp>
-        <p:nvSpPr>
-          <p:cNvPr id="2" name="Title 1"/>
-          <p:cNvSpPr>
-            <a:spLocks noGrp="1"/>
-          </p:cNvSpPr>
-          <p:nvPr>
-            <p:ph type="title"/>
-          </p:nvPr>
-        </p:nvSpPr>
-        <p:spPr/>
-        <p:txBody>
-          <a:bodyPr/>
-          <a:lstStyle/>
-          <a:p>
-            <a:r>
-              <a:rPr lang="en-US" dirty="0" smtClean="0"/>
-              <a:t>Advection </a:t>
-            </a:r>
-            <a:r>
-              <a:rPr lang="en-US" dirty="0" err="1" smtClean="0"/>
-              <a:t>vdvdy</a:t>
-            </a:r>
-            <a:endParaRPr lang="en-US" dirty="0"/>
-          </a:p>
-        </p:txBody>
-      </p:sp>
-      <p:sp>
-        <p:nvSpPr>
-          <p:cNvPr id="24578" name="Rectangle 2"/>
-          <p:cNvSpPr>
-            <a:spLocks noChangeArrowheads="1"/>
-          </p:cNvSpPr>
-          <p:nvPr/>
-        </p:nvSpPr>
-        <p:spPr bwMode="auto">
-          <a:xfrm>
-            <a:off x="0" y="0"/>
-            <a:ext cx="9144000" cy="0"/>
-          </a:xfrm>
-          <a:prstGeom prst="rect">
-            <a:avLst/>
-          </a:prstGeom>
-          <a:noFill/>
-          <a:ln w="9525">
-            <a:noFill/>
-            <a:miter lim="800000"/>
-            <a:headEnd/>
-            <a:tailEnd/>
-          </a:ln>
-          <a:effectLst/>
-        </p:spPr>
-        <p:txBody>
-          <a:bodyPr vert="horz" wrap="none" lIns="91440" tIns="45720" rIns="91440" bIns="45720" numCol="1" anchor="ctr" anchorCtr="0" compatLnSpc="1">
-            <a:prstTxWarp prst="textNoShape">
-              <a:avLst/>
-            </a:prstTxWarp>
-            <a:spAutoFit/>
-          </a:bodyPr>
-          <a:lstStyle/>
-          <a:p>
-            <a:endParaRPr lang="en-US"/>
-          </a:p>
-        </p:txBody>
-      </p:sp>
-      <p:graphicFrame>
-        <p:nvGraphicFramePr>
-          <p:cNvPr id="24577" name="Object 1"/>
-          <p:cNvGraphicFramePr>
-            <a:graphicFrameLocks noChangeAspect="1"/>
-          </p:cNvGraphicFramePr>
-          <p:nvPr/>
-        </p:nvGraphicFramePr>
-        <p:xfrm>
-          <a:off x="590550" y="1625600"/>
-          <a:ext cx="7885113" cy="3281363"/>
-        </p:xfrm>
-        <a:graphic>
-          <a:graphicData uri="http://schemas.openxmlformats.org/presentationml/2006/ole">
-            <p:oleObj spid="_x0000_s27650" name="Equation" r:id="rId3" imgW="4089240" imgH="1701720" progId="Equation.DSMT4">
-              <p:embed/>
-            </p:oleObj>
-          </a:graphicData>
-        </a:graphic>
-      </p:graphicFrame>
-    </p:spTree>
-  </p:cSld>
-  <p:clrMapOvr>
-    <a:masterClrMapping/>
-  </p:clrMapOvr>
-  <p:timing>
-    <p:tnLst>
-      <p:par>
-        <p:cTn id="1" dur="indefinite" restart="never" nodeType="tmRoot"/>
-      </p:par>
-    </p:tnLst>
-  </p:timing>
-</p:sld>
-</file>
-
-<file path=ppt/slides/slide16.xml><?xml version="1.0" encoding="utf-8"?>
-<p:sld xmlns:a="http://schemas.openxmlformats.org/drawingml/2006/main" xmlns:r="http://schemas.openxmlformats.org/officeDocument/2006/relationships" xmlns:p="http://schemas.openxmlformats.org/presentationml/2006/main">
-  <p:cSld>
-    <p:spTree>
-      <p:nvGrpSpPr>
-        <p:cNvPr id="1" name=""/>
-        <p:cNvGrpSpPr/>
-        <p:nvPr/>
-      </p:nvGrpSpPr>
-      <p:grpSpPr>
-        <a:xfrm>
-          <a:off x="0" y="0"/>
-          <a:ext cx="0" cy="0"/>
-          <a:chOff x="0" y="0"/>
-          <a:chExt cx="0" cy="0"/>
-        </a:xfrm>
-      </p:grpSpPr>
-      <p:sp>
-        <p:nvSpPr>
-          <p:cNvPr id="2" name="Title 1"/>
-          <p:cNvSpPr>
-            <a:spLocks noGrp="1"/>
-          </p:cNvSpPr>
-          <p:nvPr>
-            <p:ph type="title"/>
-          </p:nvPr>
-        </p:nvSpPr>
-        <p:spPr/>
-        <p:txBody>
-          <a:bodyPr/>
-          <a:lstStyle/>
-          <a:p>
-            <a:r>
-              <a:rPr lang="en-US" dirty="0" smtClean="0"/>
-              <a:t>Continuity</a:t>
-            </a:r>
-            <a:endParaRPr lang="en-US" dirty="0"/>
-          </a:p>
-        </p:txBody>
-      </p:sp>
-      <p:sp>
-        <p:nvSpPr>
-          <p:cNvPr id="29698" name="Rectangle 2"/>
-          <p:cNvSpPr>
-            <a:spLocks noChangeArrowheads="1"/>
-          </p:cNvSpPr>
-          <p:nvPr/>
-        </p:nvSpPr>
-        <p:spPr bwMode="auto">
-          <a:xfrm>
-            <a:off x="0" y="0"/>
-            <a:ext cx="9144000" cy="0"/>
-          </a:xfrm>
-          <a:prstGeom prst="rect">
-            <a:avLst/>
-          </a:prstGeom>
-          <a:noFill/>
-          <a:ln w="9525">
-            <a:noFill/>
-            <a:miter lim="800000"/>
-            <a:headEnd/>
-            <a:tailEnd/>
-          </a:ln>
-          <a:effectLst/>
-        </p:spPr>
-        <p:txBody>
-          <a:bodyPr vert="horz" wrap="none" lIns="91440" tIns="45720" rIns="91440" bIns="45720" numCol="1" anchor="ctr" anchorCtr="0" compatLnSpc="1">
-            <a:prstTxWarp prst="textNoShape">
-              <a:avLst/>
-            </a:prstTxWarp>
-            <a:spAutoFit/>
-          </a:bodyPr>
-          <a:lstStyle/>
-          <a:p>
-            <a:endParaRPr lang="en-US"/>
-          </a:p>
-        </p:txBody>
-      </p:sp>
-      <p:graphicFrame>
-        <p:nvGraphicFramePr>
-          <p:cNvPr id="29697" name="Object 1"/>
-          <p:cNvGraphicFramePr>
-            <a:graphicFrameLocks noChangeAspect="1"/>
-          </p:cNvGraphicFramePr>
-          <p:nvPr/>
-        </p:nvGraphicFramePr>
-        <p:xfrm>
-          <a:off x="99325" y="1533525"/>
-          <a:ext cx="8937171" cy="2615555"/>
-        </p:xfrm>
-        <a:graphic>
-          <a:graphicData uri="http://schemas.openxmlformats.org/presentationml/2006/ole">
-            <p:oleObj spid="_x0000_s29697" name="Equation" r:id="rId3" imgW="4101840" imgH="1193760" progId="Equation.DSMT4">
-              <p:embed/>
-            </p:oleObj>
-          </a:graphicData>
-        </a:graphic>
-      </p:graphicFrame>
-    </p:spTree>
-  </p:cSld>
-  <p:clrMapOvr>
-    <a:masterClrMapping/>
-  </p:clrMapOvr>
 </p:sld>
 </file>
 
@@ -7560,6 +10512,36 @@
           </a:p>
         </p:txBody>
       </p:sp>
+      <p:sp>
+        <p:nvSpPr>
+          <p:cNvPr id="20" name="TextBox 19"/>
+          <p:cNvSpPr txBox="1"/>
+          <p:nvPr/>
+        </p:nvSpPr>
+        <p:spPr>
+          <a:xfrm>
+            <a:off x="4860032" y="1628800"/>
+            <a:ext cx="216024" cy="584775"/>
+          </a:xfrm>
+          <a:prstGeom prst="rect">
+            <a:avLst/>
+          </a:prstGeom>
+          <a:noFill/>
+        </p:spPr>
+        <p:txBody>
+          <a:bodyPr wrap="square" rtlCol="0">
+            <a:spAutoFit/>
+          </a:bodyPr>
+          <a:lstStyle/>
+          <a:p>
+            <a:r>
+              <a:rPr lang="en-US" sz="3200" dirty="0" smtClean="0"/>
+              <a:t>o</a:t>
+            </a:r>
+            <a:endParaRPr lang="en-US" dirty="0"/>
+          </a:p>
+        </p:txBody>
+      </p:sp>
     </p:spTree>
   </p:cSld>
   <p:clrMapOvr>
@@ -7572,6 +10554,346 @@
       </p:par>
     </p:tnLst>
   </p:timing>
+</p:sld>
+</file>
+
+<file path=ppt/slides/slide20.xml><?xml version="1.0" encoding="utf-8"?>
+<p:sld xmlns:a="http://schemas.openxmlformats.org/drawingml/2006/main" xmlns:r="http://schemas.openxmlformats.org/officeDocument/2006/relationships" xmlns:p="http://schemas.openxmlformats.org/presentationml/2006/main">
+  <p:cSld>
+    <p:spTree>
+      <p:nvGrpSpPr>
+        <p:cNvPr id="1" name=""/>
+        <p:cNvGrpSpPr/>
+        <p:nvPr/>
+      </p:nvGrpSpPr>
+      <p:grpSpPr>
+        <a:xfrm>
+          <a:off x="0" y="0"/>
+          <a:ext cx="0" cy="0"/>
+          <a:chOff x="0" y="0"/>
+          <a:chExt cx="0" cy="0"/>
+        </a:xfrm>
+      </p:grpSpPr>
+      <p:sp>
+        <p:nvSpPr>
+          <p:cNvPr id="2" name="Title 1"/>
+          <p:cNvSpPr>
+            <a:spLocks noGrp="1"/>
+          </p:cNvSpPr>
+          <p:nvPr>
+            <p:ph type="title"/>
+          </p:nvPr>
+        </p:nvSpPr>
+        <p:spPr/>
+        <p:txBody>
+          <a:bodyPr/>
+          <a:lstStyle/>
+          <a:p>
+            <a:r>
+              <a:rPr lang="en-US" dirty="0" smtClean="0"/>
+              <a:t>Advection </a:t>
+            </a:r>
+            <a:r>
+              <a:rPr lang="en-US" dirty="0" err="1" smtClean="0"/>
+              <a:t>udvdx</a:t>
+            </a:r>
+            <a:endParaRPr lang="en-US" dirty="0"/>
+          </a:p>
+        </p:txBody>
+      </p:sp>
+      <p:sp>
+        <p:nvSpPr>
+          <p:cNvPr id="26626" name="Rectangle 2"/>
+          <p:cNvSpPr>
+            <a:spLocks noChangeArrowheads="1"/>
+          </p:cNvSpPr>
+          <p:nvPr/>
+        </p:nvSpPr>
+        <p:spPr bwMode="auto">
+          <a:xfrm>
+            <a:off x="0" y="0"/>
+            <a:ext cx="9144000" cy="0"/>
+          </a:xfrm>
+          <a:prstGeom prst="rect">
+            <a:avLst/>
+          </a:prstGeom>
+          <a:noFill/>
+          <a:ln w="9525">
+            <a:noFill/>
+            <a:miter lim="800000"/>
+            <a:headEnd/>
+            <a:tailEnd/>
+          </a:ln>
+          <a:effectLst/>
+        </p:spPr>
+        <p:txBody>
+          <a:bodyPr vert="horz" wrap="none" lIns="91440" tIns="45720" rIns="91440" bIns="45720" numCol="1" anchor="ctr" anchorCtr="0" compatLnSpc="1">
+            <a:prstTxWarp prst="textNoShape">
+              <a:avLst/>
+            </a:prstTxWarp>
+            <a:spAutoFit/>
+          </a:bodyPr>
+          <a:lstStyle/>
+          <a:p>
+            <a:endParaRPr lang="en-US"/>
+          </a:p>
+        </p:txBody>
+      </p:sp>
+      <p:graphicFrame>
+        <p:nvGraphicFramePr>
+          <p:cNvPr id="26625" name="Object 1"/>
+          <p:cNvGraphicFramePr>
+            <a:graphicFrameLocks noChangeAspect="1"/>
+          </p:cNvGraphicFramePr>
+          <p:nvPr/>
+        </p:nvGraphicFramePr>
+        <p:xfrm>
+          <a:off x="276225" y="1592932"/>
+          <a:ext cx="9096375" cy="3924300"/>
+        </p:xfrm>
+        <a:graphic>
+          <a:graphicData uri="http://schemas.openxmlformats.org/presentationml/2006/ole">
+            <p:oleObj spid="_x0000_s28674" name="Equation" r:id="rId3" imgW="4457520" imgH="1917360" progId="Equation.DSMT4">
+              <p:embed/>
+            </p:oleObj>
+          </a:graphicData>
+        </a:graphic>
+      </p:graphicFrame>
+    </p:spTree>
+  </p:cSld>
+  <p:clrMapOvr>
+    <a:masterClrMapping/>
+  </p:clrMapOvr>
+  <p:timing>
+    <p:tnLst>
+      <p:par>
+        <p:cTn id="1" dur="indefinite" restart="never" nodeType="tmRoot"/>
+      </p:par>
+    </p:tnLst>
+  </p:timing>
+</p:sld>
+</file>
+
+<file path=ppt/slides/slide21.xml><?xml version="1.0" encoding="utf-8"?>
+<p:sld xmlns:a="http://schemas.openxmlformats.org/drawingml/2006/main" xmlns:r="http://schemas.openxmlformats.org/officeDocument/2006/relationships" xmlns:p="http://schemas.openxmlformats.org/presentationml/2006/main">
+  <p:cSld>
+    <p:spTree>
+      <p:nvGrpSpPr>
+        <p:cNvPr id="1" name=""/>
+        <p:cNvGrpSpPr/>
+        <p:nvPr/>
+      </p:nvGrpSpPr>
+      <p:grpSpPr>
+        <a:xfrm>
+          <a:off x="0" y="0"/>
+          <a:ext cx="0" cy="0"/>
+          <a:chOff x="0" y="0"/>
+          <a:chExt cx="0" cy="0"/>
+        </a:xfrm>
+      </p:grpSpPr>
+      <p:sp>
+        <p:nvSpPr>
+          <p:cNvPr id="2" name="Title 1"/>
+          <p:cNvSpPr>
+            <a:spLocks noGrp="1"/>
+          </p:cNvSpPr>
+          <p:nvPr>
+            <p:ph type="title"/>
+          </p:nvPr>
+        </p:nvSpPr>
+        <p:spPr/>
+        <p:txBody>
+          <a:bodyPr/>
+          <a:lstStyle/>
+          <a:p>
+            <a:r>
+              <a:rPr lang="en-US" dirty="0" smtClean="0"/>
+              <a:t>Advection </a:t>
+            </a:r>
+            <a:r>
+              <a:rPr lang="en-US" dirty="0" err="1" smtClean="0"/>
+              <a:t>vdvdy</a:t>
+            </a:r>
+            <a:endParaRPr lang="en-US" dirty="0"/>
+          </a:p>
+        </p:txBody>
+      </p:sp>
+      <p:sp>
+        <p:nvSpPr>
+          <p:cNvPr id="24578" name="Rectangle 2"/>
+          <p:cNvSpPr>
+            <a:spLocks noChangeArrowheads="1"/>
+          </p:cNvSpPr>
+          <p:nvPr/>
+        </p:nvSpPr>
+        <p:spPr bwMode="auto">
+          <a:xfrm>
+            <a:off x="0" y="0"/>
+            <a:ext cx="9144000" cy="0"/>
+          </a:xfrm>
+          <a:prstGeom prst="rect">
+            <a:avLst/>
+          </a:prstGeom>
+          <a:noFill/>
+          <a:ln w="9525">
+            <a:noFill/>
+            <a:miter lim="800000"/>
+            <a:headEnd/>
+            <a:tailEnd/>
+          </a:ln>
+          <a:effectLst/>
+        </p:spPr>
+        <p:txBody>
+          <a:bodyPr vert="horz" wrap="none" lIns="91440" tIns="45720" rIns="91440" bIns="45720" numCol="1" anchor="ctr" anchorCtr="0" compatLnSpc="1">
+            <a:prstTxWarp prst="textNoShape">
+              <a:avLst/>
+            </a:prstTxWarp>
+            <a:spAutoFit/>
+          </a:bodyPr>
+          <a:lstStyle/>
+          <a:p>
+            <a:endParaRPr lang="en-US"/>
+          </a:p>
+        </p:txBody>
+      </p:sp>
+      <p:graphicFrame>
+        <p:nvGraphicFramePr>
+          <p:cNvPr id="24577" name="Object 1"/>
+          <p:cNvGraphicFramePr>
+            <a:graphicFrameLocks noChangeAspect="1"/>
+          </p:cNvGraphicFramePr>
+          <p:nvPr/>
+        </p:nvGraphicFramePr>
+        <p:xfrm>
+          <a:off x="590550" y="1625600"/>
+          <a:ext cx="7885113" cy="3281363"/>
+        </p:xfrm>
+        <a:graphic>
+          <a:graphicData uri="http://schemas.openxmlformats.org/presentationml/2006/ole">
+            <p:oleObj spid="_x0000_s27650" name="Equation" r:id="rId3" imgW="4089240" imgH="1701720" progId="Equation.DSMT4">
+              <p:embed/>
+            </p:oleObj>
+          </a:graphicData>
+        </a:graphic>
+      </p:graphicFrame>
+    </p:spTree>
+  </p:cSld>
+  <p:clrMapOvr>
+    <a:masterClrMapping/>
+  </p:clrMapOvr>
+  <p:timing>
+    <p:tnLst>
+      <p:par>
+        <p:cTn id="1" dur="indefinite" restart="never" nodeType="tmRoot"/>
+      </p:par>
+    </p:tnLst>
+  </p:timing>
+</p:sld>
+</file>
+
+<file path=ppt/slides/slide22.xml><?xml version="1.0" encoding="utf-8"?>
+<p:sld xmlns:a="http://schemas.openxmlformats.org/drawingml/2006/main" xmlns:r="http://schemas.openxmlformats.org/officeDocument/2006/relationships" xmlns:p="http://schemas.openxmlformats.org/presentationml/2006/main">
+  <p:cSld>
+    <p:spTree>
+      <p:nvGrpSpPr>
+        <p:cNvPr id="1" name=""/>
+        <p:cNvGrpSpPr/>
+        <p:nvPr/>
+      </p:nvGrpSpPr>
+      <p:grpSpPr>
+        <a:xfrm>
+          <a:off x="0" y="0"/>
+          <a:ext cx="0" cy="0"/>
+          <a:chOff x="0" y="0"/>
+          <a:chExt cx="0" cy="0"/>
+        </a:xfrm>
+      </p:grpSpPr>
+      <p:sp>
+        <p:nvSpPr>
+          <p:cNvPr id="2" name="Title 1"/>
+          <p:cNvSpPr>
+            <a:spLocks noGrp="1"/>
+          </p:cNvSpPr>
+          <p:nvPr>
+            <p:ph type="title"/>
+          </p:nvPr>
+        </p:nvSpPr>
+        <p:spPr/>
+        <p:txBody>
+          <a:bodyPr/>
+          <a:lstStyle/>
+          <a:p>
+            <a:r>
+              <a:rPr lang="en-US" dirty="0" smtClean="0"/>
+              <a:t>Continuity</a:t>
+            </a:r>
+            <a:endParaRPr lang="en-US" dirty="0"/>
+          </a:p>
+        </p:txBody>
+      </p:sp>
+      <p:sp>
+        <p:nvSpPr>
+          <p:cNvPr id="29698" name="Rectangle 2"/>
+          <p:cNvSpPr>
+            <a:spLocks noChangeArrowheads="1"/>
+          </p:cNvSpPr>
+          <p:nvPr/>
+        </p:nvSpPr>
+        <p:spPr bwMode="auto">
+          <a:xfrm>
+            <a:off x="0" y="0"/>
+            <a:ext cx="9144000" cy="0"/>
+          </a:xfrm>
+          <a:prstGeom prst="rect">
+            <a:avLst/>
+          </a:prstGeom>
+          <a:noFill/>
+          <a:ln w="9525">
+            <a:noFill/>
+            <a:miter lim="800000"/>
+            <a:headEnd/>
+            <a:tailEnd/>
+          </a:ln>
+          <a:effectLst/>
+        </p:spPr>
+        <p:txBody>
+          <a:bodyPr vert="horz" wrap="none" lIns="91440" tIns="45720" rIns="91440" bIns="45720" numCol="1" anchor="ctr" anchorCtr="0" compatLnSpc="1">
+            <a:prstTxWarp prst="textNoShape">
+              <a:avLst/>
+            </a:prstTxWarp>
+            <a:spAutoFit/>
+          </a:bodyPr>
+          <a:lstStyle/>
+          <a:p>
+            <a:endParaRPr lang="en-US"/>
+          </a:p>
+        </p:txBody>
+      </p:sp>
+      <p:graphicFrame>
+        <p:nvGraphicFramePr>
+          <p:cNvPr id="29697" name="Object 1"/>
+          <p:cNvGraphicFramePr>
+            <a:graphicFrameLocks noChangeAspect="1"/>
+          </p:cNvGraphicFramePr>
+          <p:nvPr/>
+        </p:nvGraphicFramePr>
+        <p:xfrm>
+          <a:off x="99325" y="1533525"/>
+          <a:ext cx="8937171" cy="2615555"/>
+        </p:xfrm>
+        <a:graphic>
+          <a:graphicData uri="http://schemas.openxmlformats.org/presentationml/2006/ole">
+            <p:oleObj spid="_x0000_s29697" name="Equation" r:id="rId3" imgW="4101840" imgH="1193760" progId="Equation.DSMT4">
+              <p:embed/>
+            </p:oleObj>
+          </a:graphicData>
+        </a:graphic>
+      </p:graphicFrame>
+    </p:spTree>
+  </p:cSld>
+  <p:clrMapOvr>
+    <a:masterClrMapping/>
+  </p:clrMapOvr>
 </p:sld>
 </file>
 
@@ -8635,7 +11957,7 @@
           <a:p>
             <a:r>
               <a:rPr lang="en-US" dirty="0" err="1" smtClean="0"/>
-              <a:t>dsc</a:t>
+              <a:t>dsz</a:t>
             </a:r>
             <a:r>
               <a:rPr lang="en-US" dirty="0" smtClean="0"/>
@@ -8807,6 +12129,36 @@
           <a:p>
             <a:pPr algn="ctr"/>
             <a:endParaRPr lang="en-US"/>
+          </a:p>
+        </p:txBody>
+      </p:sp>
+      <p:sp>
+        <p:nvSpPr>
+          <p:cNvPr id="20" name="TextBox 19"/>
+          <p:cNvSpPr txBox="1"/>
+          <p:nvPr/>
+        </p:nvSpPr>
+        <p:spPr>
+          <a:xfrm>
+            <a:off x="4860032" y="1628800"/>
+            <a:ext cx="216024" cy="584775"/>
+          </a:xfrm>
+          <a:prstGeom prst="rect">
+            <a:avLst/>
+          </a:prstGeom>
+          <a:noFill/>
+        </p:spPr>
+        <p:txBody>
+          <a:bodyPr wrap="square" rtlCol="0">
+            <a:spAutoFit/>
+          </a:bodyPr>
+          <a:lstStyle/>
+          <a:p>
+            <a:r>
+              <a:rPr lang="en-US" sz="3200" dirty="0" smtClean="0"/>
+              <a:t>o</a:t>
+            </a:r>
+            <a:endParaRPr lang="en-US" dirty="0"/>
           </a:p>
         </p:txBody>
       </p:sp>
@@ -10036,6 +13388,36 @@
           </a:p>
         </p:txBody>
       </p:sp>
+      <p:sp>
+        <p:nvSpPr>
+          <p:cNvPr id="19" name="TextBox 18"/>
+          <p:cNvSpPr txBox="1"/>
+          <p:nvPr/>
+        </p:nvSpPr>
+        <p:spPr>
+          <a:xfrm>
+            <a:off x="4860032" y="1628800"/>
+            <a:ext cx="216024" cy="584775"/>
+          </a:xfrm>
+          <a:prstGeom prst="rect">
+            <a:avLst/>
+          </a:prstGeom>
+          <a:noFill/>
+        </p:spPr>
+        <p:txBody>
+          <a:bodyPr wrap="square" rtlCol="0">
+            <a:spAutoFit/>
+          </a:bodyPr>
+          <a:lstStyle/>
+          <a:p>
+            <a:r>
+              <a:rPr lang="en-US" sz="3200" dirty="0" smtClean="0"/>
+              <a:t>o</a:t>
+            </a:r>
+            <a:endParaRPr lang="en-US" dirty="0"/>
+          </a:p>
+        </p:txBody>
+      </p:sp>
     </p:spTree>
   </p:cSld>
   <p:clrMapOvr>
@@ -11101,9 +14483,9 @@
           <p:nvPr/>
         </p:nvSpPr>
         <p:spPr>
-          <a:xfrm>
-            <a:off x="5042517" y="1926454"/>
-            <a:ext cx="363984" cy="1855433"/>
+          <a:xfrm flipV="1">
+            <a:off x="3923928" y="1844824"/>
+            <a:ext cx="2218431" cy="288032"/>
           </a:xfrm>
           <a:custGeom>
             <a:avLst/>
@@ -11114,6 +14496,24 @@
               <a:gd name="connsiteY1" fmla="*/ 914400 h 1855433"/>
               <a:gd name="connsiteX2" fmla="*/ 363984 w 363984"/>
               <a:gd name="connsiteY2" fmla="*/ 1855433 h 1855433"/>
+              <a:gd name="connsiteX0" fmla="*/ 0 w 363984"/>
+              <a:gd name="connsiteY0" fmla="*/ 0 h 1855433"/>
+              <a:gd name="connsiteX1" fmla="*/ 187316 w 363984"/>
+              <a:gd name="connsiteY1" fmla="*/ 1211218 h 1855433"/>
+              <a:gd name="connsiteX2" fmla="*/ 363984 w 363984"/>
+              <a:gd name="connsiteY2" fmla="*/ 1855433 h 1855433"/>
+              <a:gd name="connsiteX0" fmla="*/ 0 w 363984"/>
+              <a:gd name="connsiteY0" fmla="*/ 0 h 1855433"/>
+              <a:gd name="connsiteX1" fmla="*/ 187316 w 363984"/>
+              <a:gd name="connsiteY1" fmla="*/ 1211218 h 1855433"/>
+              <a:gd name="connsiteX2" fmla="*/ 363984 w 363984"/>
+              <a:gd name="connsiteY2" fmla="*/ 1855433 h 1855433"/>
+              <a:gd name="connsiteX0" fmla="*/ 0 w 363984"/>
+              <a:gd name="connsiteY0" fmla="*/ 0 h 1855433"/>
+              <a:gd name="connsiteX1" fmla="*/ 187316 w 363984"/>
+              <a:gd name="connsiteY1" fmla="*/ 1211218 h 1855433"/>
+              <a:gd name="connsiteX2" fmla="*/ 363984 w 363984"/>
+              <a:gd name="connsiteY2" fmla="*/ 1855433 h 1855433"/>
             </a:gdLst>
             <a:ahLst/>
             <a:cxnLst>
@@ -11134,13 +14534,13 @@
                   <a:pt x="0" y="0"/>
                 </a:moveTo>
                 <a:cubicBezTo>
-                  <a:pt x="62883" y="302580"/>
-                  <a:pt x="125767" y="605161"/>
-                  <a:pt x="186431" y="914400"/>
-                </a:cubicBezTo>
-                <a:cubicBezTo>
-                  <a:pt x="247095" y="1223639"/>
-                  <a:pt x="305539" y="1539536"/>
+                  <a:pt x="61754" y="453328"/>
+                  <a:pt x="126652" y="901979"/>
+                  <a:pt x="187316" y="1211218"/>
+                </a:cubicBezTo>
+                <a:cubicBezTo>
+                  <a:pt x="247980" y="1520457"/>
+                  <a:pt x="305378" y="1619683"/>
                   <a:pt x="363984" y="1855433"/>
                 </a:cubicBezTo>
               </a:path>
@@ -11192,7 +14592,7 @@
           <a:p>
             <a:r>
               <a:rPr lang="en-US" dirty="0" err="1" smtClean="0"/>
-              <a:t>dnu</a:t>
+              <a:t>dsc</a:t>
             </a:r>
             <a:r>
               <a:rPr lang="en-US" dirty="0" smtClean="0"/>
@@ -11239,6 +14639,36 @@
             <a:r>
               <a:rPr lang="en-US" dirty="0" err="1" smtClean="0"/>
               <a:t>,j</a:t>
+            </a:r>
+            <a:endParaRPr lang="en-US" dirty="0"/>
+          </a:p>
+        </p:txBody>
+      </p:sp>
+      <p:sp>
+        <p:nvSpPr>
+          <p:cNvPr id="19" name="TextBox 18"/>
+          <p:cNvSpPr txBox="1"/>
+          <p:nvPr/>
+        </p:nvSpPr>
+        <p:spPr>
+          <a:xfrm>
+            <a:off x="4860032" y="1628800"/>
+            <a:ext cx="216024" cy="584775"/>
+          </a:xfrm>
+          <a:prstGeom prst="rect">
+            <a:avLst/>
+          </a:prstGeom>
+          <a:noFill/>
+        </p:spPr>
+        <p:txBody>
+          <a:bodyPr wrap="square" rtlCol="0">
+            <a:spAutoFit/>
+          </a:bodyPr>
+          <a:lstStyle/>
+          <a:p>
+            <a:r>
+              <a:rPr lang="en-US" sz="3200" dirty="0" smtClean="0"/>
+              <a:t>o</a:t>
             </a:r>
             <a:endParaRPr lang="en-US" dirty="0"/>
           </a:p>
@@ -12310,8 +15740,8 @@
         </p:nvSpPr>
         <p:spPr>
           <a:xfrm>
-            <a:off x="3923928" y="2132855"/>
-            <a:ext cx="541540" cy="1808829"/>
+            <a:off x="5042517" y="1926454"/>
+            <a:ext cx="363984" cy="1855433"/>
           </a:xfrm>
           <a:custGeom>
             <a:avLst/>
@@ -12399,12 +15829,8 @@
           <a:lstStyle/>
           <a:p>
             <a:r>
-              <a:rPr lang="en-US" dirty="0" err="1"/>
-              <a:t>d</a:t>
-            </a:r>
-            <a:r>
               <a:rPr lang="en-US" dirty="0" err="1" smtClean="0"/>
-              <a:t>nc</a:t>
+              <a:t>dnu</a:t>
             </a:r>
             <a:r>
               <a:rPr lang="en-US" dirty="0" smtClean="0"/>
@@ -12451,6 +15877,36 @@
             <a:r>
               <a:rPr lang="en-US" dirty="0" err="1" smtClean="0"/>
               <a:t>,j</a:t>
+            </a:r>
+            <a:endParaRPr lang="en-US" dirty="0"/>
+          </a:p>
+        </p:txBody>
+      </p:sp>
+      <p:sp>
+        <p:nvSpPr>
+          <p:cNvPr id="19" name="TextBox 18"/>
+          <p:cNvSpPr txBox="1"/>
+          <p:nvPr/>
+        </p:nvSpPr>
+        <p:spPr>
+          <a:xfrm>
+            <a:off x="4860032" y="1628800"/>
+            <a:ext cx="216024" cy="584775"/>
+          </a:xfrm>
+          <a:prstGeom prst="rect">
+            <a:avLst/>
+          </a:prstGeom>
+          <a:noFill/>
+        </p:spPr>
+        <p:txBody>
+          <a:bodyPr wrap="square" rtlCol="0">
+            <a:spAutoFit/>
+          </a:bodyPr>
+          <a:lstStyle/>
+          <a:p>
+            <a:r>
+              <a:rPr lang="en-US" sz="3200" dirty="0" smtClean="0"/>
+              <a:t>o</a:t>
             </a:r>
             <a:endParaRPr lang="en-US" dirty="0"/>
           </a:p>
@@ -13522,8 +16978,8 @@
         </p:nvSpPr>
         <p:spPr>
           <a:xfrm>
-            <a:off x="3542190" y="1242874"/>
-            <a:ext cx="673714" cy="1737303"/>
+            <a:off x="3923928" y="2132855"/>
+            <a:ext cx="541540" cy="1808829"/>
           </a:xfrm>
           <a:custGeom>
             <a:avLst/>
@@ -13611,12 +17067,8 @@
           <a:lstStyle/>
           <a:p>
             <a:r>
-              <a:rPr lang="en-US" dirty="0" err="1"/>
-              <a:t>d</a:t>
-            </a:r>
-            <a:r>
               <a:rPr lang="en-US" dirty="0" err="1" smtClean="0"/>
-              <a:t>nv</a:t>
+              <a:t>dnz</a:t>
             </a:r>
             <a:r>
               <a:rPr lang="en-US" dirty="0" smtClean="0"/>
@@ -13663,6 +17115,36 @@
             <a:r>
               <a:rPr lang="en-US" dirty="0" err="1" smtClean="0"/>
               <a:t>,j</a:t>
+            </a:r>
+            <a:endParaRPr lang="en-US" dirty="0"/>
+          </a:p>
+        </p:txBody>
+      </p:sp>
+      <p:sp>
+        <p:nvSpPr>
+          <p:cNvPr id="19" name="TextBox 18"/>
+          <p:cNvSpPr txBox="1"/>
+          <p:nvPr/>
+        </p:nvSpPr>
+        <p:spPr>
+          <a:xfrm>
+            <a:off x="4860032" y="1628800"/>
+            <a:ext cx="216024" cy="584775"/>
+          </a:xfrm>
+          <a:prstGeom prst="rect">
+            <a:avLst/>
+          </a:prstGeom>
+          <a:noFill/>
+        </p:spPr>
+        <p:txBody>
+          <a:bodyPr wrap="square" rtlCol="0">
+            <a:spAutoFit/>
+          </a:bodyPr>
+          <a:lstStyle/>
+          <a:p>
+            <a:r>
+              <a:rPr lang="en-US" sz="3200" dirty="0" smtClean="0"/>
+              <a:t>o</a:t>
             </a:r>
             <a:endParaRPr lang="en-US" dirty="0"/>
           </a:p>
@@ -13700,132 +17182,6 @@
           <a:chExt cx="0" cy="0"/>
         </a:xfrm>
       </p:grpSpPr>
-      <p:sp>
-        <p:nvSpPr>
-          <p:cNvPr id="17" name="Freeform 16"/>
-          <p:cNvSpPr/>
-          <p:nvPr/>
-        </p:nvSpPr>
-        <p:spPr>
-          <a:xfrm>
-            <a:off x="3915052" y="1855433"/>
-            <a:ext cx="2476870" cy="2059619"/>
-          </a:xfrm>
-          <a:custGeom>
-            <a:avLst/>
-            <a:gdLst>
-              <a:gd name="connsiteX0" fmla="*/ 0 w 2476870"/>
-              <a:gd name="connsiteY0" fmla="*/ 275208 h 2059619"/>
-              <a:gd name="connsiteX1" fmla="*/ 292964 w 2476870"/>
-              <a:gd name="connsiteY1" fmla="*/ 1145219 h 2059619"/>
-              <a:gd name="connsiteX2" fmla="*/ 568171 w 2476870"/>
-              <a:gd name="connsiteY2" fmla="*/ 2059619 h 2059619"/>
-              <a:gd name="connsiteX3" fmla="*/ 1464816 w 2476870"/>
-              <a:gd name="connsiteY3" fmla="*/ 1926454 h 2059619"/>
-              <a:gd name="connsiteX4" fmla="*/ 2476870 w 2476870"/>
-              <a:gd name="connsiteY4" fmla="*/ 1899821 h 2059619"/>
-              <a:gd name="connsiteX5" fmla="*/ 2370338 w 2476870"/>
-              <a:gd name="connsiteY5" fmla="*/ 887767 h 2059619"/>
-              <a:gd name="connsiteX6" fmla="*/ 2246051 w 2476870"/>
-              <a:gd name="connsiteY6" fmla="*/ 0 h 2059619"/>
-              <a:gd name="connsiteX7" fmla="*/ 1136342 w 2476870"/>
-              <a:gd name="connsiteY7" fmla="*/ 71021 h 2059619"/>
-              <a:gd name="connsiteX8" fmla="*/ 0 w 2476870"/>
-              <a:gd name="connsiteY8" fmla="*/ 275208 h 2059619"/>
-            </a:gdLst>
-            <a:ahLst/>
-            <a:cxnLst>
-              <a:cxn ang="0">
-                <a:pos x="connsiteX0" y="connsiteY0"/>
-              </a:cxn>
-              <a:cxn ang="0">
-                <a:pos x="connsiteX1" y="connsiteY1"/>
-              </a:cxn>
-              <a:cxn ang="0">
-                <a:pos x="connsiteX2" y="connsiteY2"/>
-              </a:cxn>
-              <a:cxn ang="0">
-                <a:pos x="connsiteX3" y="connsiteY3"/>
-              </a:cxn>
-              <a:cxn ang="0">
-                <a:pos x="connsiteX4" y="connsiteY4"/>
-              </a:cxn>
-              <a:cxn ang="0">
-                <a:pos x="connsiteX5" y="connsiteY5"/>
-              </a:cxn>
-              <a:cxn ang="0">
-                <a:pos x="connsiteX6" y="connsiteY6"/>
-              </a:cxn>
-              <a:cxn ang="0">
-                <a:pos x="connsiteX7" y="connsiteY7"/>
-              </a:cxn>
-              <a:cxn ang="0">
-                <a:pos x="connsiteX8" y="connsiteY8"/>
-              </a:cxn>
-            </a:cxnLst>
-            <a:rect l="l" t="t" r="r" b="b"/>
-            <a:pathLst>
-              <a:path w="2476870" h="2059619">
-                <a:moveTo>
-                  <a:pt x="0" y="275208"/>
-                </a:moveTo>
-                <a:lnTo>
-                  <a:pt x="292964" y="1145219"/>
-                </a:lnTo>
-                <a:lnTo>
-                  <a:pt x="568171" y="2059619"/>
-                </a:lnTo>
-                <a:lnTo>
-                  <a:pt x="1464816" y="1926454"/>
-                </a:lnTo>
-                <a:lnTo>
-                  <a:pt x="2476870" y="1899821"/>
-                </a:lnTo>
-                <a:lnTo>
-                  <a:pt x="2370338" y="887767"/>
-                </a:lnTo>
-                <a:lnTo>
-                  <a:pt x="2246051" y="0"/>
-                </a:lnTo>
-                <a:lnTo>
-                  <a:pt x="1136342" y="71021"/>
-                </a:lnTo>
-                <a:lnTo>
-                  <a:pt x="0" y="275208"/>
-                </a:lnTo>
-                <a:close/>
-              </a:path>
-            </a:pathLst>
-          </a:custGeom>
-          <a:solidFill>
-            <a:schemeClr val="accent2"/>
-          </a:solidFill>
-        </p:spPr>
-        <p:style>
-          <a:lnRef idx="2">
-            <a:schemeClr val="accent1">
-              <a:shade val="50000"/>
-            </a:schemeClr>
-          </a:lnRef>
-          <a:fillRef idx="1">
-            <a:schemeClr val="accent1"/>
-          </a:fillRef>
-          <a:effectRef idx="0">
-            <a:schemeClr val="accent1"/>
-          </a:effectRef>
-          <a:fontRef idx="minor">
-            <a:schemeClr val="lt1"/>
-          </a:fontRef>
-        </p:style>
-        <p:txBody>
-          <a:bodyPr rtlCol="0" anchor="ctr"/>
-          <a:lstStyle/>
-          <a:p>
-            <a:pPr algn="ctr"/>
-            <a:endParaRPr lang="en-US"/>
-          </a:p>
-        </p:txBody>
-      </p:sp>
       <p:sp>
         <p:nvSpPr>
           <p:cNvPr id="21" name="Freeform 20"/>
@@ -14854,7 +18210,88 @@
       </p:sp>
       <p:sp>
         <p:nvSpPr>
-          <p:cNvPr id="16" name="Title 15"/>
+          <p:cNvPr id="16" name="Freeform 15"/>
+          <p:cNvSpPr/>
+          <p:nvPr/>
+        </p:nvSpPr>
+        <p:spPr>
+          <a:xfrm>
+            <a:off x="3542190" y="1242874"/>
+            <a:ext cx="673714" cy="1737303"/>
+          </a:xfrm>
+          <a:custGeom>
+            <a:avLst/>
+            <a:gdLst>
+              <a:gd name="connsiteX0" fmla="*/ 0 w 363984"/>
+              <a:gd name="connsiteY0" fmla="*/ 0 h 1855433"/>
+              <a:gd name="connsiteX1" fmla="*/ 186431 w 363984"/>
+              <a:gd name="connsiteY1" fmla="*/ 914400 h 1855433"/>
+              <a:gd name="connsiteX2" fmla="*/ 363984 w 363984"/>
+              <a:gd name="connsiteY2" fmla="*/ 1855433 h 1855433"/>
+            </a:gdLst>
+            <a:ahLst/>
+            <a:cxnLst>
+              <a:cxn ang="0">
+                <a:pos x="connsiteX0" y="connsiteY0"/>
+              </a:cxn>
+              <a:cxn ang="0">
+                <a:pos x="connsiteX1" y="connsiteY1"/>
+              </a:cxn>
+              <a:cxn ang="0">
+                <a:pos x="connsiteX2" y="connsiteY2"/>
+              </a:cxn>
+            </a:cxnLst>
+            <a:rect l="l" t="t" r="r" b="b"/>
+            <a:pathLst>
+              <a:path w="363984" h="1855433">
+                <a:moveTo>
+                  <a:pt x="0" y="0"/>
+                </a:moveTo>
+                <a:cubicBezTo>
+                  <a:pt x="62883" y="302580"/>
+                  <a:pt x="125767" y="605161"/>
+                  <a:pt x="186431" y="914400"/>
+                </a:cubicBezTo>
+                <a:cubicBezTo>
+                  <a:pt x="247095" y="1223639"/>
+                  <a:pt x="305539" y="1539536"/>
+                  <a:pt x="363984" y="1855433"/>
+                </a:cubicBezTo>
+              </a:path>
+            </a:pathLst>
+          </a:custGeom>
+          <a:ln w="25400">
+            <a:solidFill>
+              <a:schemeClr val="accent2"/>
+            </a:solidFill>
+          </a:ln>
+        </p:spPr>
+        <p:style>
+          <a:lnRef idx="1">
+            <a:schemeClr val="accent1"/>
+          </a:lnRef>
+          <a:fillRef idx="0">
+            <a:schemeClr val="accent1"/>
+          </a:fillRef>
+          <a:effectRef idx="0">
+            <a:schemeClr val="accent1"/>
+          </a:effectRef>
+          <a:fontRef idx="minor">
+            <a:schemeClr val="tx1"/>
+          </a:fontRef>
+        </p:style>
+        <p:txBody>
+          <a:bodyPr rtlCol="0" anchor="ctr"/>
+          <a:lstStyle/>
+          <a:p>
+            <a:pPr algn="ctr"/>
+            <a:endParaRPr lang="en-US"/>
+          </a:p>
+        </p:txBody>
+      </p:sp>
+      <p:sp>
+        <p:nvSpPr>
+          <p:cNvPr id="17" name="Title 16"/>
           <p:cNvSpPr>
             <a:spLocks noGrp="1"/>
           </p:cNvSpPr>
@@ -14868,8 +18305,12 @@
           <a:lstStyle/>
           <a:p>
             <a:r>
+              <a:rPr lang="en-US" dirty="0" err="1"/>
+              <a:t>d</a:t>
+            </a:r>
+            <a:r>
               <a:rPr lang="en-US" dirty="0" err="1" smtClean="0"/>
-              <a:t>dsdnu</a:t>
+              <a:t>nv</a:t>
             </a:r>
             <a:r>
               <a:rPr lang="en-US" dirty="0" smtClean="0"/>
@@ -14882,6 +18323,70 @@
             <a:r>
               <a:rPr lang="en-US" dirty="0" smtClean="0"/>
               <a:t>)</a:t>
+            </a:r>
+            <a:endParaRPr lang="en-US" dirty="0"/>
+          </a:p>
+        </p:txBody>
+      </p:sp>
+      <p:sp>
+        <p:nvSpPr>
+          <p:cNvPr id="18" name="TextBox 17"/>
+          <p:cNvSpPr txBox="1"/>
+          <p:nvPr/>
+        </p:nvSpPr>
+        <p:spPr>
+          <a:xfrm>
+            <a:off x="4139952" y="3212976"/>
+            <a:ext cx="432048" cy="369332"/>
+          </a:xfrm>
+          <a:prstGeom prst="rect">
+            <a:avLst/>
+          </a:prstGeom>
+          <a:noFill/>
+        </p:spPr>
+        <p:txBody>
+          <a:bodyPr wrap="square" rtlCol="0">
+            <a:spAutoFit/>
+          </a:bodyPr>
+          <a:lstStyle/>
+          <a:p>
+            <a:r>
+              <a:rPr lang="en-US" dirty="0" err="1"/>
+              <a:t>i</a:t>
+            </a:r>
+            <a:r>
+              <a:rPr lang="en-US" dirty="0" err="1" smtClean="0"/>
+              <a:t>,j</a:t>
+            </a:r>
+            <a:endParaRPr lang="en-US" dirty="0"/>
+          </a:p>
+        </p:txBody>
+      </p:sp>
+      <p:sp>
+        <p:nvSpPr>
+          <p:cNvPr id="19" name="TextBox 18"/>
+          <p:cNvSpPr txBox="1"/>
+          <p:nvPr/>
+        </p:nvSpPr>
+        <p:spPr>
+          <a:xfrm>
+            <a:off x="4860032" y="1628800"/>
+            <a:ext cx="216024" cy="584775"/>
+          </a:xfrm>
+          <a:prstGeom prst="rect">
+            <a:avLst/>
+          </a:prstGeom>
+          <a:noFill/>
+        </p:spPr>
+        <p:txBody>
+          <a:bodyPr wrap="square" rtlCol="0">
+            <a:spAutoFit/>
+          </a:bodyPr>
+          <a:lstStyle/>
+          <a:p>
+            <a:r>
+              <a:rPr lang="en-US" sz="3200" dirty="0" smtClean="0"/>
+              <a:t>o</a:t>
             </a:r>
             <a:endParaRPr lang="en-US" dirty="0"/>
           </a:p>
@@ -14919,258 +18424,6 @@
           <a:chExt cx="0" cy="0"/>
         </a:xfrm>
       </p:grpSpPr>
-      <p:sp>
-        <p:nvSpPr>
-          <p:cNvPr id="17" name="Freeform 16"/>
-          <p:cNvSpPr/>
-          <p:nvPr/>
-        </p:nvSpPr>
-        <p:spPr>
-          <a:xfrm>
-            <a:off x="2767868" y="1916833"/>
-            <a:ext cx="2596220" cy="2264551"/>
-          </a:xfrm>
-          <a:custGeom>
-            <a:avLst/>
-            <a:gdLst>
-              <a:gd name="connsiteX0" fmla="*/ 0 w 2476870"/>
-              <a:gd name="connsiteY0" fmla="*/ 275208 h 2059619"/>
-              <a:gd name="connsiteX1" fmla="*/ 292964 w 2476870"/>
-              <a:gd name="connsiteY1" fmla="*/ 1145219 h 2059619"/>
-              <a:gd name="connsiteX2" fmla="*/ 568171 w 2476870"/>
-              <a:gd name="connsiteY2" fmla="*/ 2059619 h 2059619"/>
-              <a:gd name="connsiteX3" fmla="*/ 1464816 w 2476870"/>
-              <a:gd name="connsiteY3" fmla="*/ 1926454 h 2059619"/>
-              <a:gd name="connsiteX4" fmla="*/ 2476870 w 2476870"/>
-              <a:gd name="connsiteY4" fmla="*/ 1899821 h 2059619"/>
-              <a:gd name="connsiteX5" fmla="*/ 2370338 w 2476870"/>
-              <a:gd name="connsiteY5" fmla="*/ 887767 h 2059619"/>
-              <a:gd name="connsiteX6" fmla="*/ 2246051 w 2476870"/>
-              <a:gd name="connsiteY6" fmla="*/ 0 h 2059619"/>
-              <a:gd name="connsiteX7" fmla="*/ 1136342 w 2476870"/>
-              <a:gd name="connsiteY7" fmla="*/ 71021 h 2059619"/>
-              <a:gd name="connsiteX8" fmla="*/ 0 w 2476870"/>
-              <a:gd name="connsiteY8" fmla="*/ 275208 h 2059619"/>
-              <a:gd name="connsiteX0" fmla="*/ 0 w 2476870"/>
-              <a:gd name="connsiteY0" fmla="*/ 213809 h 1998220"/>
-              <a:gd name="connsiteX1" fmla="*/ 292964 w 2476870"/>
-              <a:gd name="connsiteY1" fmla="*/ 1083820 h 1998220"/>
-              <a:gd name="connsiteX2" fmla="*/ 568171 w 2476870"/>
-              <a:gd name="connsiteY2" fmla="*/ 1998220 h 1998220"/>
-              <a:gd name="connsiteX3" fmla="*/ 1464816 w 2476870"/>
-              <a:gd name="connsiteY3" fmla="*/ 1865055 h 1998220"/>
-              <a:gd name="connsiteX4" fmla="*/ 2476870 w 2476870"/>
-              <a:gd name="connsiteY4" fmla="*/ 1838422 h 1998220"/>
-              <a:gd name="connsiteX5" fmla="*/ 2370338 w 2476870"/>
-              <a:gd name="connsiteY5" fmla="*/ 826368 h 1998220"/>
-              <a:gd name="connsiteX6" fmla="*/ 2188838 w 2476870"/>
-              <a:gd name="connsiteY6" fmla="*/ 0 h 1998220"/>
-              <a:gd name="connsiteX7" fmla="*/ 1136342 w 2476870"/>
-              <a:gd name="connsiteY7" fmla="*/ 9622 h 1998220"/>
-              <a:gd name="connsiteX8" fmla="*/ 0 w 2476870"/>
-              <a:gd name="connsiteY8" fmla="*/ 213809 h 1998220"/>
-              <a:gd name="connsiteX0" fmla="*/ 0 w 2476870"/>
-              <a:gd name="connsiteY0" fmla="*/ 213809 h 1998220"/>
-              <a:gd name="connsiteX1" fmla="*/ 292964 w 2476870"/>
-              <a:gd name="connsiteY1" fmla="*/ 1083820 h 1998220"/>
-              <a:gd name="connsiteX2" fmla="*/ 568171 w 2476870"/>
-              <a:gd name="connsiteY2" fmla="*/ 1998220 h 1998220"/>
-              <a:gd name="connsiteX3" fmla="*/ 1464816 w 2476870"/>
-              <a:gd name="connsiteY3" fmla="*/ 1865055 h 1998220"/>
-              <a:gd name="connsiteX4" fmla="*/ 2476870 w 2476870"/>
-              <a:gd name="connsiteY4" fmla="*/ 1838422 h 1998220"/>
-              <a:gd name="connsiteX5" fmla="*/ 2332854 w 2476870"/>
-              <a:gd name="connsiteY5" fmla="*/ 936103 h 1998220"/>
-              <a:gd name="connsiteX6" fmla="*/ 2188838 w 2476870"/>
-              <a:gd name="connsiteY6" fmla="*/ 0 h 1998220"/>
-              <a:gd name="connsiteX7" fmla="*/ 1136342 w 2476870"/>
-              <a:gd name="connsiteY7" fmla="*/ 9622 h 1998220"/>
-              <a:gd name="connsiteX8" fmla="*/ 0 w 2476870"/>
-              <a:gd name="connsiteY8" fmla="*/ 213809 h 1998220"/>
-              <a:gd name="connsiteX0" fmla="*/ 0 w 2476870"/>
-              <a:gd name="connsiteY0" fmla="*/ 213809 h 1998220"/>
-              <a:gd name="connsiteX1" fmla="*/ 292964 w 2476870"/>
-              <a:gd name="connsiteY1" fmla="*/ 1083820 h 1998220"/>
-              <a:gd name="connsiteX2" fmla="*/ 568171 w 2476870"/>
-              <a:gd name="connsiteY2" fmla="*/ 1998220 h 1998220"/>
-              <a:gd name="connsiteX3" fmla="*/ 1464816 w 2476870"/>
-              <a:gd name="connsiteY3" fmla="*/ 1865055 h 1998220"/>
-              <a:gd name="connsiteX4" fmla="*/ 2476870 w 2476870"/>
-              <a:gd name="connsiteY4" fmla="*/ 1838422 h 1998220"/>
-              <a:gd name="connsiteX5" fmla="*/ 2332854 w 2476870"/>
-              <a:gd name="connsiteY5" fmla="*/ 936103 h 1998220"/>
-              <a:gd name="connsiteX6" fmla="*/ 2188838 w 2476870"/>
-              <a:gd name="connsiteY6" fmla="*/ 0 h 1998220"/>
-              <a:gd name="connsiteX7" fmla="*/ 1036710 w 2476870"/>
-              <a:gd name="connsiteY7" fmla="*/ 216023 h 1998220"/>
-              <a:gd name="connsiteX8" fmla="*/ 0 w 2476870"/>
-              <a:gd name="connsiteY8" fmla="*/ 213809 h 1998220"/>
-              <a:gd name="connsiteX0" fmla="*/ 0 w 2596220"/>
-              <a:gd name="connsiteY0" fmla="*/ 619967 h 1998220"/>
-              <a:gd name="connsiteX1" fmla="*/ 412314 w 2596220"/>
-              <a:gd name="connsiteY1" fmla="*/ 1083820 h 1998220"/>
-              <a:gd name="connsiteX2" fmla="*/ 687521 w 2596220"/>
-              <a:gd name="connsiteY2" fmla="*/ 1998220 h 1998220"/>
-              <a:gd name="connsiteX3" fmla="*/ 1584166 w 2596220"/>
-              <a:gd name="connsiteY3" fmla="*/ 1865055 h 1998220"/>
-              <a:gd name="connsiteX4" fmla="*/ 2596220 w 2596220"/>
-              <a:gd name="connsiteY4" fmla="*/ 1838422 h 1998220"/>
-              <a:gd name="connsiteX5" fmla="*/ 2452204 w 2596220"/>
-              <a:gd name="connsiteY5" fmla="*/ 936103 h 1998220"/>
-              <a:gd name="connsiteX6" fmla="*/ 2308188 w 2596220"/>
-              <a:gd name="connsiteY6" fmla="*/ 0 h 1998220"/>
-              <a:gd name="connsiteX7" fmla="*/ 1156060 w 2596220"/>
-              <a:gd name="connsiteY7" fmla="*/ 216023 h 1998220"/>
-              <a:gd name="connsiteX8" fmla="*/ 0 w 2596220"/>
-              <a:gd name="connsiteY8" fmla="*/ 619967 h 1998220"/>
-              <a:gd name="connsiteX0" fmla="*/ 0 w 2596220"/>
-              <a:gd name="connsiteY0" fmla="*/ 619967 h 1998220"/>
-              <a:gd name="connsiteX1" fmla="*/ 421191 w 2596220"/>
-              <a:gd name="connsiteY1" fmla="*/ 1394539 h 1998220"/>
-              <a:gd name="connsiteX2" fmla="*/ 687521 w 2596220"/>
-              <a:gd name="connsiteY2" fmla="*/ 1998220 h 1998220"/>
-              <a:gd name="connsiteX3" fmla="*/ 1584166 w 2596220"/>
-              <a:gd name="connsiteY3" fmla="*/ 1865055 h 1998220"/>
-              <a:gd name="connsiteX4" fmla="*/ 2596220 w 2596220"/>
-              <a:gd name="connsiteY4" fmla="*/ 1838422 h 1998220"/>
-              <a:gd name="connsiteX5" fmla="*/ 2452204 w 2596220"/>
-              <a:gd name="connsiteY5" fmla="*/ 936103 h 1998220"/>
-              <a:gd name="connsiteX6" fmla="*/ 2308188 w 2596220"/>
-              <a:gd name="connsiteY6" fmla="*/ 0 h 1998220"/>
-              <a:gd name="connsiteX7" fmla="*/ 1156060 w 2596220"/>
-              <a:gd name="connsiteY7" fmla="*/ 216023 h 1998220"/>
-              <a:gd name="connsiteX8" fmla="*/ 0 w 2596220"/>
-              <a:gd name="connsiteY8" fmla="*/ 619967 h 1998220"/>
-              <a:gd name="connsiteX0" fmla="*/ 0 w 2596220"/>
-              <a:gd name="connsiteY0" fmla="*/ 619967 h 2264551"/>
-              <a:gd name="connsiteX1" fmla="*/ 421191 w 2596220"/>
-              <a:gd name="connsiteY1" fmla="*/ 1394539 h 2264551"/>
-              <a:gd name="connsiteX2" fmla="*/ 856196 w 2596220"/>
-              <a:gd name="connsiteY2" fmla="*/ 2264551 h 2264551"/>
-              <a:gd name="connsiteX3" fmla="*/ 1584166 w 2596220"/>
-              <a:gd name="connsiteY3" fmla="*/ 1865055 h 2264551"/>
-              <a:gd name="connsiteX4" fmla="*/ 2596220 w 2596220"/>
-              <a:gd name="connsiteY4" fmla="*/ 1838422 h 2264551"/>
-              <a:gd name="connsiteX5" fmla="*/ 2452204 w 2596220"/>
-              <a:gd name="connsiteY5" fmla="*/ 936103 h 2264551"/>
-              <a:gd name="connsiteX6" fmla="*/ 2308188 w 2596220"/>
-              <a:gd name="connsiteY6" fmla="*/ 0 h 2264551"/>
-              <a:gd name="connsiteX7" fmla="*/ 1156060 w 2596220"/>
-              <a:gd name="connsiteY7" fmla="*/ 216023 h 2264551"/>
-              <a:gd name="connsiteX8" fmla="*/ 0 w 2596220"/>
-              <a:gd name="connsiteY8" fmla="*/ 619967 h 2264551"/>
-              <a:gd name="connsiteX0" fmla="*/ 0 w 2596220"/>
-              <a:gd name="connsiteY0" fmla="*/ 619967 h 2264551"/>
-              <a:gd name="connsiteX1" fmla="*/ 421191 w 2596220"/>
-              <a:gd name="connsiteY1" fmla="*/ 1394539 h 2264551"/>
-              <a:gd name="connsiteX2" fmla="*/ 856196 w 2596220"/>
-              <a:gd name="connsiteY2" fmla="*/ 2264551 h 2264551"/>
-              <a:gd name="connsiteX3" fmla="*/ 1699576 w 2596220"/>
-              <a:gd name="connsiteY3" fmla="*/ 1944954 h 2264551"/>
-              <a:gd name="connsiteX4" fmla="*/ 2596220 w 2596220"/>
-              <a:gd name="connsiteY4" fmla="*/ 1838422 h 2264551"/>
-              <a:gd name="connsiteX5" fmla="*/ 2452204 w 2596220"/>
-              <a:gd name="connsiteY5" fmla="*/ 936103 h 2264551"/>
-              <a:gd name="connsiteX6" fmla="*/ 2308188 w 2596220"/>
-              <a:gd name="connsiteY6" fmla="*/ 0 h 2264551"/>
-              <a:gd name="connsiteX7" fmla="*/ 1156060 w 2596220"/>
-              <a:gd name="connsiteY7" fmla="*/ 216023 h 2264551"/>
-              <a:gd name="connsiteX8" fmla="*/ 0 w 2596220"/>
-              <a:gd name="connsiteY8" fmla="*/ 619967 h 2264551"/>
-            </a:gdLst>
-            <a:ahLst/>
-            <a:cxnLst>
-              <a:cxn ang="0">
-                <a:pos x="connsiteX0" y="connsiteY0"/>
-              </a:cxn>
-              <a:cxn ang="0">
-                <a:pos x="connsiteX1" y="connsiteY1"/>
-              </a:cxn>
-              <a:cxn ang="0">
-                <a:pos x="connsiteX2" y="connsiteY2"/>
-              </a:cxn>
-              <a:cxn ang="0">
-                <a:pos x="connsiteX3" y="connsiteY3"/>
-              </a:cxn>
-              <a:cxn ang="0">
-                <a:pos x="connsiteX4" y="connsiteY4"/>
-              </a:cxn>
-              <a:cxn ang="0">
-                <a:pos x="connsiteX5" y="connsiteY5"/>
-              </a:cxn>
-              <a:cxn ang="0">
-                <a:pos x="connsiteX6" y="connsiteY6"/>
-              </a:cxn>
-              <a:cxn ang="0">
-                <a:pos x="connsiteX7" y="connsiteY7"/>
-              </a:cxn>
-              <a:cxn ang="0">
-                <a:pos x="connsiteX8" y="connsiteY8"/>
-              </a:cxn>
-            </a:cxnLst>
-            <a:rect l="l" t="t" r="r" b="b"/>
-            <a:pathLst>
-              <a:path w="2596220" h="2264551">
-                <a:moveTo>
-                  <a:pt x="0" y="619967"/>
-                </a:moveTo>
-                <a:lnTo>
-                  <a:pt x="421191" y="1394539"/>
-                </a:lnTo>
-                <a:lnTo>
-                  <a:pt x="856196" y="2264551"/>
-                </a:lnTo>
-                <a:lnTo>
-                  <a:pt x="1699576" y="1944954"/>
-                </a:lnTo>
-                <a:lnTo>
-                  <a:pt x="2596220" y="1838422"/>
-                </a:lnTo>
-                <a:lnTo>
-                  <a:pt x="2452204" y="936103"/>
-                </a:lnTo>
-                <a:lnTo>
-                  <a:pt x="2308188" y="0"/>
-                </a:lnTo>
-                <a:lnTo>
-                  <a:pt x="1156060" y="216023"/>
-                </a:lnTo>
-                <a:lnTo>
-                  <a:pt x="0" y="619967"/>
-                </a:lnTo>
-                <a:close/>
-              </a:path>
-            </a:pathLst>
-          </a:custGeom>
-          <a:solidFill>
-            <a:schemeClr val="accent2"/>
-          </a:solidFill>
-        </p:spPr>
-        <p:style>
-          <a:lnRef idx="2">
-            <a:schemeClr val="accent1">
-              <a:shade val="50000"/>
-            </a:schemeClr>
-          </a:lnRef>
-          <a:fillRef idx="1">
-            <a:schemeClr val="accent1"/>
-          </a:fillRef>
-          <a:effectRef idx="0">
-            <a:schemeClr val="accent1"/>
-          </a:effectRef>
-          <a:fontRef idx="minor">
-            <a:schemeClr val="lt1"/>
-          </a:fontRef>
-        </p:style>
-        <p:txBody>
-          <a:bodyPr rtlCol="0" anchor="ctr"/>
-          <a:lstStyle/>
-          <a:p>
-            <a:pPr algn="ctr"/>
-            <a:endParaRPr lang="en-US"/>
-          </a:p>
-        </p:txBody>
-      </p:sp>
       <p:sp>
         <p:nvSpPr>
           <p:cNvPr id="21" name="Freeform 20"/>
@@ -16199,7 +19452,88 @@
       </p:sp>
       <p:sp>
         <p:nvSpPr>
-          <p:cNvPr id="16" name="Title 15"/>
+          <p:cNvPr id="16" name="Freeform 15"/>
+          <p:cNvSpPr/>
+          <p:nvPr/>
+        </p:nvSpPr>
+        <p:spPr>
+          <a:xfrm>
+            <a:off x="4860032" y="908720"/>
+            <a:ext cx="360040" cy="1881319"/>
+          </a:xfrm>
+          <a:custGeom>
+            <a:avLst/>
+            <a:gdLst>
+              <a:gd name="connsiteX0" fmla="*/ 0 w 363984"/>
+              <a:gd name="connsiteY0" fmla="*/ 0 h 1855433"/>
+              <a:gd name="connsiteX1" fmla="*/ 186431 w 363984"/>
+              <a:gd name="connsiteY1" fmla="*/ 914400 h 1855433"/>
+              <a:gd name="connsiteX2" fmla="*/ 363984 w 363984"/>
+              <a:gd name="connsiteY2" fmla="*/ 1855433 h 1855433"/>
+            </a:gdLst>
+            <a:ahLst/>
+            <a:cxnLst>
+              <a:cxn ang="0">
+                <a:pos x="connsiteX0" y="connsiteY0"/>
+              </a:cxn>
+              <a:cxn ang="0">
+                <a:pos x="connsiteX1" y="connsiteY1"/>
+              </a:cxn>
+              <a:cxn ang="0">
+                <a:pos x="connsiteX2" y="connsiteY2"/>
+              </a:cxn>
+            </a:cxnLst>
+            <a:rect l="l" t="t" r="r" b="b"/>
+            <a:pathLst>
+              <a:path w="363984" h="1855433">
+                <a:moveTo>
+                  <a:pt x="0" y="0"/>
+                </a:moveTo>
+                <a:cubicBezTo>
+                  <a:pt x="62883" y="302580"/>
+                  <a:pt x="125767" y="605161"/>
+                  <a:pt x="186431" y="914400"/>
+                </a:cubicBezTo>
+                <a:cubicBezTo>
+                  <a:pt x="247095" y="1223639"/>
+                  <a:pt x="305539" y="1539536"/>
+                  <a:pt x="363984" y="1855433"/>
+                </a:cubicBezTo>
+              </a:path>
+            </a:pathLst>
+          </a:custGeom>
+          <a:ln w="25400">
+            <a:solidFill>
+              <a:schemeClr val="accent2"/>
+            </a:solidFill>
+          </a:ln>
+        </p:spPr>
+        <p:style>
+          <a:lnRef idx="1">
+            <a:schemeClr val="accent1"/>
+          </a:lnRef>
+          <a:fillRef idx="0">
+            <a:schemeClr val="accent1"/>
+          </a:fillRef>
+          <a:effectRef idx="0">
+            <a:schemeClr val="accent1"/>
+          </a:effectRef>
+          <a:fontRef idx="minor">
+            <a:schemeClr val="tx1"/>
+          </a:fontRef>
+        </p:style>
+        <p:txBody>
+          <a:bodyPr rtlCol="0" anchor="ctr"/>
+          <a:lstStyle/>
+          <a:p>
+            <a:pPr algn="ctr"/>
+            <a:endParaRPr lang="en-US"/>
+          </a:p>
+        </p:txBody>
+      </p:sp>
+      <p:sp>
+        <p:nvSpPr>
+          <p:cNvPr id="17" name="Title 16"/>
           <p:cNvSpPr>
             <a:spLocks noGrp="1"/>
           </p:cNvSpPr>
@@ -16214,7 +19548,7 @@
           <a:p>
             <a:r>
               <a:rPr lang="en-US" dirty="0" err="1" smtClean="0"/>
-              <a:t>dsdnc</a:t>
+              <a:t>dnc</a:t>
             </a:r>
             <a:r>
               <a:rPr lang="en-US" dirty="0" smtClean="0"/>
@@ -16227,6 +19561,70 @@
             <a:r>
               <a:rPr lang="en-US" dirty="0" smtClean="0"/>
               <a:t>)</a:t>
+            </a:r>
+            <a:endParaRPr lang="en-US" dirty="0"/>
+          </a:p>
+        </p:txBody>
+      </p:sp>
+      <p:sp>
+        <p:nvSpPr>
+          <p:cNvPr id="18" name="TextBox 17"/>
+          <p:cNvSpPr txBox="1"/>
+          <p:nvPr/>
+        </p:nvSpPr>
+        <p:spPr>
+          <a:xfrm>
+            <a:off x="4139952" y="3212976"/>
+            <a:ext cx="432048" cy="369332"/>
+          </a:xfrm>
+          <a:prstGeom prst="rect">
+            <a:avLst/>
+          </a:prstGeom>
+          <a:noFill/>
+        </p:spPr>
+        <p:txBody>
+          <a:bodyPr wrap="square" rtlCol="0">
+            <a:spAutoFit/>
+          </a:bodyPr>
+          <a:lstStyle/>
+          <a:p>
+            <a:r>
+              <a:rPr lang="en-US" dirty="0" err="1"/>
+              <a:t>i</a:t>
+            </a:r>
+            <a:r>
+              <a:rPr lang="en-US" dirty="0" err="1" smtClean="0"/>
+              <a:t>,j</a:t>
+            </a:r>
+            <a:endParaRPr lang="en-US" dirty="0"/>
+          </a:p>
+        </p:txBody>
+      </p:sp>
+      <p:sp>
+        <p:nvSpPr>
+          <p:cNvPr id="19" name="TextBox 18"/>
+          <p:cNvSpPr txBox="1"/>
+          <p:nvPr/>
+        </p:nvSpPr>
+        <p:spPr>
+          <a:xfrm>
+            <a:off x="4860032" y="1628800"/>
+            <a:ext cx="216024" cy="584775"/>
+          </a:xfrm>
+          <a:prstGeom prst="rect">
+            <a:avLst/>
+          </a:prstGeom>
+          <a:noFill/>
+        </p:spPr>
+        <p:txBody>
+          <a:bodyPr wrap="square" rtlCol="0">
+            <a:spAutoFit/>
+          </a:bodyPr>
+          <a:lstStyle/>
+          <a:p>
+            <a:r>
+              <a:rPr lang="en-US" sz="3200" dirty="0" smtClean="0"/>
+              <a:t>o</a:t>
             </a:r>
             <a:endParaRPr lang="en-US" dirty="0"/>
           </a:p>

--- a/doc/curvilinear grid properties.pptx
+++ b/doc/curvilinear grid properties.pptx
@@ -22,11 +22,7 @@
     <p:sldId id="264" r:id="rId16"/>
     <p:sldId id="265" r:id="rId17"/>
     <p:sldId id="266" r:id="rId18"/>
-    <p:sldId id="268" r:id="rId19"/>
-    <p:sldId id="269" r:id="rId20"/>
-    <p:sldId id="271" r:id="rId21"/>
-    <p:sldId id="270" r:id="rId22"/>
-    <p:sldId id="272" r:id="rId23"/>
+    <p:sldId id="272" r:id="rId19"/>
   </p:sldIdLst>
   <p:sldSz cx="9144000" cy="6858000" type="screen4x3"/>
   <p:notesSz cx="6858000" cy="9144000"/>
@@ -310,7 +306,7 @@
             <a:fld id="{7E3EA815-EA65-4574-BCEF-FEBEBE6A66D4}" type="datetimeFigureOut">
               <a:rPr lang="en-US" smtClean="0"/>
               <a:pPr/>
-              <a:t>12/19/2010</a:t>
+              <a:t>1/6/2011</a:t>
             </a:fld>
             <a:endParaRPr lang="en-US"/>
           </a:p>
@@ -477,7 +473,7 @@
             <a:fld id="{7E3EA815-EA65-4574-BCEF-FEBEBE6A66D4}" type="datetimeFigureOut">
               <a:rPr lang="en-US" smtClean="0"/>
               <a:pPr/>
-              <a:t>12/19/2010</a:t>
+              <a:t>1/6/2011</a:t>
             </a:fld>
             <a:endParaRPr lang="en-US"/>
           </a:p>
@@ -654,7 +650,7 @@
             <a:fld id="{7E3EA815-EA65-4574-BCEF-FEBEBE6A66D4}" type="datetimeFigureOut">
               <a:rPr lang="en-US" smtClean="0"/>
               <a:pPr/>
-              <a:t>12/19/2010</a:t>
+              <a:t>1/6/2011</a:t>
             </a:fld>
             <a:endParaRPr lang="en-US"/>
           </a:p>
@@ -821,7 +817,7 @@
             <a:fld id="{7E3EA815-EA65-4574-BCEF-FEBEBE6A66D4}" type="datetimeFigureOut">
               <a:rPr lang="en-US" smtClean="0"/>
               <a:pPr/>
-              <a:t>12/19/2010</a:t>
+              <a:t>1/6/2011</a:t>
             </a:fld>
             <a:endParaRPr lang="en-US"/>
           </a:p>
@@ -1064,7 +1060,7 @@
             <a:fld id="{7E3EA815-EA65-4574-BCEF-FEBEBE6A66D4}" type="datetimeFigureOut">
               <a:rPr lang="en-US" smtClean="0"/>
               <a:pPr/>
-              <a:t>12/19/2010</a:t>
+              <a:t>1/6/2011</a:t>
             </a:fld>
             <a:endParaRPr lang="en-US"/>
           </a:p>
@@ -1349,7 +1345,7 @@
             <a:fld id="{7E3EA815-EA65-4574-BCEF-FEBEBE6A66D4}" type="datetimeFigureOut">
               <a:rPr lang="en-US" smtClean="0"/>
               <a:pPr/>
-              <a:t>12/19/2010</a:t>
+              <a:t>1/6/2011</a:t>
             </a:fld>
             <a:endParaRPr lang="en-US"/>
           </a:p>
@@ -1768,7 +1764,7 @@
             <a:fld id="{7E3EA815-EA65-4574-BCEF-FEBEBE6A66D4}" type="datetimeFigureOut">
               <a:rPr lang="en-US" smtClean="0"/>
               <a:pPr/>
-              <a:t>12/19/2010</a:t>
+              <a:t>1/6/2011</a:t>
             </a:fld>
             <a:endParaRPr lang="en-US"/>
           </a:p>
@@ -1883,7 +1879,7 @@
             <a:fld id="{7E3EA815-EA65-4574-BCEF-FEBEBE6A66D4}" type="datetimeFigureOut">
               <a:rPr lang="en-US" smtClean="0"/>
               <a:pPr/>
-              <a:t>12/19/2010</a:t>
+              <a:t>1/6/2011</a:t>
             </a:fld>
             <a:endParaRPr lang="en-US"/>
           </a:p>
@@ -1975,7 +1971,7 @@
             <a:fld id="{7E3EA815-EA65-4574-BCEF-FEBEBE6A66D4}" type="datetimeFigureOut">
               <a:rPr lang="en-US" smtClean="0"/>
               <a:pPr/>
-              <a:t>12/19/2010</a:t>
+              <a:t>1/6/2011</a:t>
             </a:fld>
             <a:endParaRPr lang="en-US"/>
           </a:p>
@@ -2249,7 +2245,7 @@
             <a:fld id="{7E3EA815-EA65-4574-BCEF-FEBEBE6A66D4}" type="datetimeFigureOut">
               <a:rPr lang="en-US" smtClean="0"/>
               <a:pPr/>
-              <a:t>12/19/2010</a:t>
+              <a:t>1/6/2011</a:t>
             </a:fld>
             <a:endParaRPr lang="en-US"/>
           </a:p>
@@ -2499,7 +2495,7 @@
             <a:fld id="{7E3EA815-EA65-4574-BCEF-FEBEBE6A66D4}" type="datetimeFigureOut">
               <a:rPr lang="en-US" smtClean="0"/>
               <a:pPr/>
-              <a:t>12/19/2010</a:t>
+              <a:t>1/6/2011</a:t>
             </a:fld>
             <a:endParaRPr lang="en-US"/>
           </a:p>
@@ -2709,7 +2705,7 @@
             <a:fld id="{7E3EA815-EA65-4574-BCEF-FEBEBE6A66D4}" type="datetimeFigureOut">
               <a:rPr lang="en-US" smtClean="0"/>
               <a:pPr/>
-              <a:t>12/19/2010</a:t>
+              <a:t>1/6/2011</a:t>
             </a:fld>
             <a:endParaRPr lang="en-US"/>
           </a:p>
@@ -5608,6 +5604,13 @@
   <p:clrMapOvr>
     <a:masterClrMapping/>
   </p:clrMapOvr>
+  <p:timing>
+    <p:tnLst>
+      <p:par>
+        <p:cTn id="1" dur="indefinite" restart="never" nodeType="tmRoot"/>
+      </p:par>
+    </p:tnLst>
+  </p:timing>
 </p:sld>
 </file>
 
@@ -5677,11 +5680,7 @@
           <a:p>
             <a:r>
               <a:rPr lang="en-US" dirty="0" smtClean="0"/>
-              <a:t>Multiply continuity equation with </a:t>
-            </a:r>
-            <a:r>
-              <a:rPr lang="en-US" dirty="0" smtClean="0"/>
-              <a:t>u</a:t>
+              <a:t>Multiply continuity equation with u</a:t>
             </a:r>
             <a:endParaRPr lang="en-US" dirty="0"/>
           </a:p>
@@ -5991,11 +5990,7 @@
             <a:pPr lvl="1"/>
             <a:r>
               <a:rPr lang="en-US" dirty="0" smtClean="0"/>
-              <a:t>Add </a:t>
-            </a:r>
-            <a:r>
-              <a:rPr lang="en-US" dirty="0" smtClean="0"/>
-              <a:t>Q</a:t>
+              <a:t>Add Q</a:t>
             </a:r>
             <a:r>
               <a:rPr lang="en-US" baseline="-25000" dirty="0" smtClean="0"/>
@@ -9083,11 +9078,7 @@
           <a:p>
             <a:r>
               <a:rPr lang="en-US" dirty="0" smtClean="0"/>
-              <a:t>Advection </a:t>
-            </a:r>
-            <a:r>
-              <a:rPr lang="en-US" dirty="0" err="1" smtClean="0"/>
-              <a:t>ududx</a:t>
+              <a:t>Continuity</a:t>
             </a:r>
             <a:endParaRPr lang="en-US" dirty="0"/>
           </a:p>
@@ -9095,7 +9086,7 @@
       </p:sp>
       <p:sp>
         <p:nvSpPr>
-          <p:cNvPr id="24578" name="Rectangle 2"/>
+          <p:cNvPr id="29698" name="Rectangle 2"/>
           <p:cNvSpPr>
             <a:spLocks noChangeArrowheads="1"/>
           </p:cNvSpPr>
@@ -9133,19 +9124,19 @@
       </p:sp>
       <p:graphicFrame>
         <p:nvGraphicFramePr>
-          <p:cNvPr id="24577" name="Object 1"/>
+          <p:cNvPr id="29697" name="Object 1"/>
           <p:cNvGraphicFramePr>
             <a:graphicFrameLocks noChangeAspect="1"/>
           </p:cNvGraphicFramePr>
           <p:nvPr/>
         </p:nvGraphicFramePr>
         <p:xfrm>
-          <a:off x="468313" y="1625600"/>
-          <a:ext cx="8129587" cy="3281363"/>
+          <a:off x="99325" y="1533525"/>
+          <a:ext cx="8937171" cy="2615555"/>
         </p:xfrm>
         <a:graphic>
           <a:graphicData uri="http://schemas.openxmlformats.org/presentationml/2006/ole">
-            <p:oleObj spid="_x0000_s24577" name="Equation" r:id="rId3" imgW="4216320" imgH="1701720" progId="Equation.DSMT4">
+            <p:oleObj spid="_x0000_s29697" name="Equation" r:id="rId3" imgW="4101840" imgH="1193760" progId="Equation.DSMT4">
               <p:embed/>
             </p:oleObj>
           </a:graphicData>
@@ -9156,130 +9147,6 @@
   <p:clrMapOvr>
     <a:masterClrMapping/>
   </p:clrMapOvr>
-  <p:timing>
-    <p:tnLst>
-      <p:par>
-        <p:cTn id="1" dur="indefinite" restart="never" nodeType="tmRoot"/>
-      </p:par>
-    </p:tnLst>
-  </p:timing>
-</p:sld>
-</file>
-
-<file path=ppt/slides/slide19.xml><?xml version="1.0" encoding="utf-8"?>
-<p:sld xmlns:a="http://schemas.openxmlformats.org/drawingml/2006/main" xmlns:r="http://schemas.openxmlformats.org/officeDocument/2006/relationships" xmlns:p="http://schemas.openxmlformats.org/presentationml/2006/main">
-  <p:cSld>
-    <p:spTree>
-      <p:nvGrpSpPr>
-        <p:cNvPr id="1" name=""/>
-        <p:cNvGrpSpPr/>
-        <p:nvPr/>
-      </p:nvGrpSpPr>
-      <p:grpSpPr>
-        <a:xfrm>
-          <a:off x="0" y="0"/>
-          <a:ext cx="0" cy="0"/>
-          <a:chOff x="0" y="0"/>
-          <a:chExt cx="0" cy="0"/>
-        </a:xfrm>
-      </p:grpSpPr>
-      <p:sp>
-        <p:nvSpPr>
-          <p:cNvPr id="2" name="Title 1"/>
-          <p:cNvSpPr>
-            <a:spLocks noGrp="1"/>
-          </p:cNvSpPr>
-          <p:nvPr>
-            <p:ph type="title"/>
-          </p:nvPr>
-        </p:nvSpPr>
-        <p:spPr/>
-        <p:txBody>
-          <a:bodyPr/>
-          <a:lstStyle/>
-          <a:p>
-            <a:r>
-              <a:rPr lang="en-US" dirty="0" smtClean="0"/>
-              <a:t>Advection </a:t>
-            </a:r>
-            <a:r>
-              <a:rPr lang="en-US" dirty="0" err="1" smtClean="0"/>
-              <a:t>vdudy</a:t>
-            </a:r>
-            <a:endParaRPr lang="en-US" dirty="0"/>
-          </a:p>
-        </p:txBody>
-      </p:sp>
-      <p:sp>
-        <p:nvSpPr>
-          <p:cNvPr id="26626" name="Rectangle 2"/>
-          <p:cNvSpPr>
-            <a:spLocks noChangeArrowheads="1"/>
-          </p:cNvSpPr>
-          <p:nvPr/>
-        </p:nvSpPr>
-        <p:spPr bwMode="auto">
-          <a:xfrm>
-            <a:off x="0" y="0"/>
-            <a:ext cx="9144000" cy="0"/>
-          </a:xfrm>
-          <a:prstGeom prst="rect">
-            <a:avLst/>
-          </a:prstGeom>
-          <a:noFill/>
-          <a:ln w="9525">
-            <a:noFill/>
-            <a:miter lim="800000"/>
-            <a:headEnd/>
-            <a:tailEnd/>
-          </a:ln>
-          <a:effectLst/>
-        </p:spPr>
-        <p:txBody>
-          <a:bodyPr vert="horz" wrap="none" lIns="91440" tIns="45720" rIns="91440" bIns="45720" numCol="1" anchor="ctr" anchorCtr="0" compatLnSpc="1">
-            <a:prstTxWarp prst="textNoShape">
-              <a:avLst/>
-            </a:prstTxWarp>
-            <a:spAutoFit/>
-          </a:bodyPr>
-          <a:lstStyle/>
-          <a:p>
-            <a:endParaRPr lang="en-US"/>
-          </a:p>
-        </p:txBody>
-      </p:sp>
-      <p:graphicFrame>
-        <p:nvGraphicFramePr>
-          <p:cNvPr id="26625" name="Object 1"/>
-          <p:cNvGraphicFramePr>
-            <a:graphicFrameLocks noChangeAspect="1"/>
-          </p:cNvGraphicFramePr>
-          <p:nvPr/>
-        </p:nvGraphicFramePr>
-        <p:xfrm>
-          <a:off x="250825" y="1819275"/>
-          <a:ext cx="9148763" cy="3481388"/>
-        </p:xfrm>
-        <a:graphic>
-          <a:graphicData uri="http://schemas.openxmlformats.org/presentationml/2006/ole">
-            <p:oleObj spid="_x0000_s26625" name="Equation" r:id="rId3" imgW="4483080" imgH="1701720" progId="Equation.DSMT4">
-              <p:embed/>
-            </p:oleObj>
-          </a:graphicData>
-        </a:graphic>
-      </p:graphicFrame>
-    </p:spTree>
-  </p:cSld>
-  <p:clrMapOvr>
-    <a:masterClrMapping/>
-  </p:clrMapOvr>
-  <p:timing>
-    <p:tnLst>
-      <p:par>
-        <p:cTn id="1" dur="indefinite" restart="never" nodeType="tmRoot"/>
-      </p:par>
-    </p:tnLst>
-  </p:timing>
 </p:sld>
 </file>
 
@@ -10554,346 +10421,6 @@
       </p:par>
     </p:tnLst>
   </p:timing>
-</p:sld>
-</file>
-
-<file path=ppt/slides/slide20.xml><?xml version="1.0" encoding="utf-8"?>
-<p:sld xmlns:a="http://schemas.openxmlformats.org/drawingml/2006/main" xmlns:r="http://schemas.openxmlformats.org/officeDocument/2006/relationships" xmlns:p="http://schemas.openxmlformats.org/presentationml/2006/main">
-  <p:cSld>
-    <p:spTree>
-      <p:nvGrpSpPr>
-        <p:cNvPr id="1" name=""/>
-        <p:cNvGrpSpPr/>
-        <p:nvPr/>
-      </p:nvGrpSpPr>
-      <p:grpSpPr>
-        <a:xfrm>
-          <a:off x="0" y="0"/>
-          <a:ext cx="0" cy="0"/>
-          <a:chOff x="0" y="0"/>
-          <a:chExt cx="0" cy="0"/>
-        </a:xfrm>
-      </p:grpSpPr>
-      <p:sp>
-        <p:nvSpPr>
-          <p:cNvPr id="2" name="Title 1"/>
-          <p:cNvSpPr>
-            <a:spLocks noGrp="1"/>
-          </p:cNvSpPr>
-          <p:nvPr>
-            <p:ph type="title"/>
-          </p:nvPr>
-        </p:nvSpPr>
-        <p:spPr/>
-        <p:txBody>
-          <a:bodyPr/>
-          <a:lstStyle/>
-          <a:p>
-            <a:r>
-              <a:rPr lang="en-US" dirty="0" smtClean="0"/>
-              <a:t>Advection </a:t>
-            </a:r>
-            <a:r>
-              <a:rPr lang="en-US" dirty="0" err="1" smtClean="0"/>
-              <a:t>udvdx</a:t>
-            </a:r>
-            <a:endParaRPr lang="en-US" dirty="0"/>
-          </a:p>
-        </p:txBody>
-      </p:sp>
-      <p:sp>
-        <p:nvSpPr>
-          <p:cNvPr id="26626" name="Rectangle 2"/>
-          <p:cNvSpPr>
-            <a:spLocks noChangeArrowheads="1"/>
-          </p:cNvSpPr>
-          <p:nvPr/>
-        </p:nvSpPr>
-        <p:spPr bwMode="auto">
-          <a:xfrm>
-            <a:off x="0" y="0"/>
-            <a:ext cx="9144000" cy="0"/>
-          </a:xfrm>
-          <a:prstGeom prst="rect">
-            <a:avLst/>
-          </a:prstGeom>
-          <a:noFill/>
-          <a:ln w="9525">
-            <a:noFill/>
-            <a:miter lim="800000"/>
-            <a:headEnd/>
-            <a:tailEnd/>
-          </a:ln>
-          <a:effectLst/>
-        </p:spPr>
-        <p:txBody>
-          <a:bodyPr vert="horz" wrap="none" lIns="91440" tIns="45720" rIns="91440" bIns="45720" numCol="1" anchor="ctr" anchorCtr="0" compatLnSpc="1">
-            <a:prstTxWarp prst="textNoShape">
-              <a:avLst/>
-            </a:prstTxWarp>
-            <a:spAutoFit/>
-          </a:bodyPr>
-          <a:lstStyle/>
-          <a:p>
-            <a:endParaRPr lang="en-US"/>
-          </a:p>
-        </p:txBody>
-      </p:sp>
-      <p:graphicFrame>
-        <p:nvGraphicFramePr>
-          <p:cNvPr id="26625" name="Object 1"/>
-          <p:cNvGraphicFramePr>
-            <a:graphicFrameLocks noChangeAspect="1"/>
-          </p:cNvGraphicFramePr>
-          <p:nvPr/>
-        </p:nvGraphicFramePr>
-        <p:xfrm>
-          <a:off x="276225" y="1592932"/>
-          <a:ext cx="9096375" cy="3924300"/>
-        </p:xfrm>
-        <a:graphic>
-          <a:graphicData uri="http://schemas.openxmlformats.org/presentationml/2006/ole">
-            <p:oleObj spid="_x0000_s28674" name="Equation" r:id="rId3" imgW="4457520" imgH="1917360" progId="Equation.DSMT4">
-              <p:embed/>
-            </p:oleObj>
-          </a:graphicData>
-        </a:graphic>
-      </p:graphicFrame>
-    </p:spTree>
-  </p:cSld>
-  <p:clrMapOvr>
-    <a:masterClrMapping/>
-  </p:clrMapOvr>
-  <p:timing>
-    <p:tnLst>
-      <p:par>
-        <p:cTn id="1" dur="indefinite" restart="never" nodeType="tmRoot"/>
-      </p:par>
-    </p:tnLst>
-  </p:timing>
-</p:sld>
-</file>
-
-<file path=ppt/slides/slide21.xml><?xml version="1.0" encoding="utf-8"?>
-<p:sld xmlns:a="http://schemas.openxmlformats.org/drawingml/2006/main" xmlns:r="http://schemas.openxmlformats.org/officeDocument/2006/relationships" xmlns:p="http://schemas.openxmlformats.org/presentationml/2006/main">
-  <p:cSld>
-    <p:spTree>
-      <p:nvGrpSpPr>
-        <p:cNvPr id="1" name=""/>
-        <p:cNvGrpSpPr/>
-        <p:nvPr/>
-      </p:nvGrpSpPr>
-      <p:grpSpPr>
-        <a:xfrm>
-          <a:off x="0" y="0"/>
-          <a:ext cx="0" cy="0"/>
-          <a:chOff x="0" y="0"/>
-          <a:chExt cx="0" cy="0"/>
-        </a:xfrm>
-      </p:grpSpPr>
-      <p:sp>
-        <p:nvSpPr>
-          <p:cNvPr id="2" name="Title 1"/>
-          <p:cNvSpPr>
-            <a:spLocks noGrp="1"/>
-          </p:cNvSpPr>
-          <p:nvPr>
-            <p:ph type="title"/>
-          </p:nvPr>
-        </p:nvSpPr>
-        <p:spPr/>
-        <p:txBody>
-          <a:bodyPr/>
-          <a:lstStyle/>
-          <a:p>
-            <a:r>
-              <a:rPr lang="en-US" dirty="0" smtClean="0"/>
-              <a:t>Advection </a:t>
-            </a:r>
-            <a:r>
-              <a:rPr lang="en-US" dirty="0" err="1" smtClean="0"/>
-              <a:t>vdvdy</a:t>
-            </a:r>
-            <a:endParaRPr lang="en-US" dirty="0"/>
-          </a:p>
-        </p:txBody>
-      </p:sp>
-      <p:sp>
-        <p:nvSpPr>
-          <p:cNvPr id="24578" name="Rectangle 2"/>
-          <p:cNvSpPr>
-            <a:spLocks noChangeArrowheads="1"/>
-          </p:cNvSpPr>
-          <p:nvPr/>
-        </p:nvSpPr>
-        <p:spPr bwMode="auto">
-          <a:xfrm>
-            <a:off x="0" y="0"/>
-            <a:ext cx="9144000" cy="0"/>
-          </a:xfrm>
-          <a:prstGeom prst="rect">
-            <a:avLst/>
-          </a:prstGeom>
-          <a:noFill/>
-          <a:ln w="9525">
-            <a:noFill/>
-            <a:miter lim="800000"/>
-            <a:headEnd/>
-            <a:tailEnd/>
-          </a:ln>
-          <a:effectLst/>
-        </p:spPr>
-        <p:txBody>
-          <a:bodyPr vert="horz" wrap="none" lIns="91440" tIns="45720" rIns="91440" bIns="45720" numCol="1" anchor="ctr" anchorCtr="0" compatLnSpc="1">
-            <a:prstTxWarp prst="textNoShape">
-              <a:avLst/>
-            </a:prstTxWarp>
-            <a:spAutoFit/>
-          </a:bodyPr>
-          <a:lstStyle/>
-          <a:p>
-            <a:endParaRPr lang="en-US"/>
-          </a:p>
-        </p:txBody>
-      </p:sp>
-      <p:graphicFrame>
-        <p:nvGraphicFramePr>
-          <p:cNvPr id="24577" name="Object 1"/>
-          <p:cNvGraphicFramePr>
-            <a:graphicFrameLocks noChangeAspect="1"/>
-          </p:cNvGraphicFramePr>
-          <p:nvPr/>
-        </p:nvGraphicFramePr>
-        <p:xfrm>
-          <a:off x="590550" y="1625600"/>
-          <a:ext cx="7885113" cy="3281363"/>
-        </p:xfrm>
-        <a:graphic>
-          <a:graphicData uri="http://schemas.openxmlformats.org/presentationml/2006/ole">
-            <p:oleObj spid="_x0000_s27650" name="Equation" r:id="rId3" imgW="4089240" imgH="1701720" progId="Equation.DSMT4">
-              <p:embed/>
-            </p:oleObj>
-          </a:graphicData>
-        </a:graphic>
-      </p:graphicFrame>
-    </p:spTree>
-  </p:cSld>
-  <p:clrMapOvr>
-    <a:masterClrMapping/>
-  </p:clrMapOvr>
-  <p:timing>
-    <p:tnLst>
-      <p:par>
-        <p:cTn id="1" dur="indefinite" restart="never" nodeType="tmRoot"/>
-      </p:par>
-    </p:tnLst>
-  </p:timing>
-</p:sld>
-</file>
-
-<file path=ppt/slides/slide22.xml><?xml version="1.0" encoding="utf-8"?>
-<p:sld xmlns:a="http://schemas.openxmlformats.org/drawingml/2006/main" xmlns:r="http://schemas.openxmlformats.org/officeDocument/2006/relationships" xmlns:p="http://schemas.openxmlformats.org/presentationml/2006/main">
-  <p:cSld>
-    <p:spTree>
-      <p:nvGrpSpPr>
-        <p:cNvPr id="1" name=""/>
-        <p:cNvGrpSpPr/>
-        <p:nvPr/>
-      </p:nvGrpSpPr>
-      <p:grpSpPr>
-        <a:xfrm>
-          <a:off x="0" y="0"/>
-          <a:ext cx="0" cy="0"/>
-          <a:chOff x="0" y="0"/>
-          <a:chExt cx="0" cy="0"/>
-        </a:xfrm>
-      </p:grpSpPr>
-      <p:sp>
-        <p:nvSpPr>
-          <p:cNvPr id="2" name="Title 1"/>
-          <p:cNvSpPr>
-            <a:spLocks noGrp="1"/>
-          </p:cNvSpPr>
-          <p:nvPr>
-            <p:ph type="title"/>
-          </p:nvPr>
-        </p:nvSpPr>
-        <p:spPr/>
-        <p:txBody>
-          <a:bodyPr/>
-          <a:lstStyle/>
-          <a:p>
-            <a:r>
-              <a:rPr lang="en-US" dirty="0" smtClean="0"/>
-              <a:t>Continuity</a:t>
-            </a:r>
-            <a:endParaRPr lang="en-US" dirty="0"/>
-          </a:p>
-        </p:txBody>
-      </p:sp>
-      <p:sp>
-        <p:nvSpPr>
-          <p:cNvPr id="29698" name="Rectangle 2"/>
-          <p:cNvSpPr>
-            <a:spLocks noChangeArrowheads="1"/>
-          </p:cNvSpPr>
-          <p:nvPr/>
-        </p:nvSpPr>
-        <p:spPr bwMode="auto">
-          <a:xfrm>
-            <a:off x="0" y="0"/>
-            <a:ext cx="9144000" cy="0"/>
-          </a:xfrm>
-          <a:prstGeom prst="rect">
-            <a:avLst/>
-          </a:prstGeom>
-          <a:noFill/>
-          <a:ln w="9525">
-            <a:noFill/>
-            <a:miter lim="800000"/>
-            <a:headEnd/>
-            <a:tailEnd/>
-          </a:ln>
-          <a:effectLst/>
-        </p:spPr>
-        <p:txBody>
-          <a:bodyPr vert="horz" wrap="none" lIns="91440" tIns="45720" rIns="91440" bIns="45720" numCol="1" anchor="ctr" anchorCtr="0" compatLnSpc="1">
-            <a:prstTxWarp prst="textNoShape">
-              <a:avLst/>
-            </a:prstTxWarp>
-            <a:spAutoFit/>
-          </a:bodyPr>
-          <a:lstStyle/>
-          <a:p>
-            <a:endParaRPr lang="en-US"/>
-          </a:p>
-        </p:txBody>
-      </p:sp>
-      <p:graphicFrame>
-        <p:nvGraphicFramePr>
-          <p:cNvPr id="29697" name="Object 1"/>
-          <p:cNvGraphicFramePr>
-            <a:graphicFrameLocks noChangeAspect="1"/>
-          </p:cNvGraphicFramePr>
-          <p:nvPr/>
-        </p:nvGraphicFramePr>
-        <p:xfrm>
-          <a:off x="99325" y="1533525"/>
-          <a:ext cx="8937171" cy="2615555"/>
-        </p:xfrm>
-        <a:graphic>
-          <a:graphicData uri="http://schemas.openxmlformats.org/presentationml/2006/ole">
-            <p:oleObj spid="_x0000_s29697" name="Equation" r:id="rId3" imgW="4101840" imgH="1193760" progId="Equation.DSMT4">
-              <p:embed/>
-            </p:oleObj>
-          </a:graphicData>
-        </a:graphic>
-      </p:graphicFrame>
-    </p:spTree>
-  </p:cSld>
-  <p:clrMapOvr>
-    <a:masterClrMapping/>
-  </p:clrMapOvr>
 </p:sld>
 </file>
 

--- a/doc/curvilinear grid properties.pptx
+++ b/doc/curvilinear grid properties.pptx
@@ -23,6 +23,7 @@
     <p:sldId id="265" r:id="rId17"/>
     <p:sldId id="266" r:id="rId18"/>
     <p:sldId id="272" r:id="rId19"/>
+    <p:sldId id="279" r:id="rId20"/>
   </p:sldIdLst>
   <p:sldSz cx="9144000" cy="6858000" type="screen4x3"/>
   <p:notesSz cx="6858000" cy="9144000"/>
@@ -306,7 +307,7 @@
             <a:fld id="{7E3EA815-EA65-4574-BCEF-FEBEBE6A66D4}" type="datetimeFigureOut">
               <a:rPr lang="en-US" smtClean="0"/>
               <a:pPr/>
-              <a:t>1/6/2011</a:t>
+              <a:t>3/25/2011</a:t>
             </a:fld>
             <a:endParaRPr lang="en-US"/>
           </a:p>
@@ -473,7 +474,7 @@
             <a:fld id="{7E3EA815-EA65-4574-BCEF-FEBEBE6A66D4}" type="datetimeFigureOut">
               <a:rPr lang="en-US" smtClean="0"/>
               <a:pPr/>
-              <a:t>1/6/2011</a:t>
+              <a:t>3/25/2011</a:t>
             </a:fld>
             <a:endParaRPr lang="en-US"/>
           </a:p>
@@ -650,7 +651,7 @@
             <a:fld id="{7E3EA815-EA65-4574-BCEF-FEBEBE6A66D4}" type="datetimeFigureOut">
               <a:rPr lang="en-US" smtClean="0"/>
               <a:pPr/>
-              <a:t>1/6/2011</a:t>
+              <a:t>3/25/2011</a:t>
             </a:fld>
             <a:endParaRPr lang="en-US"/>
           </a:p>
@@ -817,7 +818,7 @@
             <a:fld id="{7E3EA815-EA65-4574-BCEF-FEBEBE6A66D4}" type="datetimeFigureOut">
               <a:rPr lang="en-US" smtClean="0"/>
               <a:pPr/>
-              <a:t>1/6/2011</a:t>
+              <a:t>3/25/2011</a:t>
             </a:fld>
             <a:endParaRPr lang="en-US"/>
           </a:p>
@@ -1060,7 +1061,7 @@
             <a:fld id="{7E3EA815-EA65-4574-BCEF-FEBEBE6A66D4}" type="datetimeFigureOut">
               <a:rPr lang="en-US" smtClean="0"/>
               <a:pPr/>
-              <a:t>1/6/2011</a:t>
+              <a:t>3/25/2011</a:t>
             </a:fld>
             <a:endParaRPr lang="en-US"/>
           </a:p>
@@ -1345,7 +1346,7 @@
             <a:fld id="{7E3EA815-EA65-4574-BCEF-FEBEBE6A66D4}" type="datetimeFigureOut">
               <a:rPr lang="en-US" smtClean="0"/>
               <a:pPr/>
-              <a:t>1/6/2011</a:t>
+              <a:t>3/25/2011</a:t>
             </a:fld>
             <a:endParaRPr lang="en-US"/>
           </a:p>
@@ -1764,7 +1765,7 @@
             <a:fld id="{7E3EA815-EA65-4574-BCEF-FEBEBE6A66D4}" type="datetimeFigureOut">
               <a:rPr lang="en-US" smtClean="0"/>
               <a:pPr/>
-              <a:t>1/6/2011</a:t>
+              <a:t>3/25/2011</a:t>
             </a:fld>
             <a:endParaRPr lang="en-US"/>
           </a:p>
@@ -1879,7 +1880,7 @@
             <a:fld id="{7E3EA815-EA65-4574-BCEF-FEBEBE6A66D4}" type="datetimeFigureOut">
               <a:rPr lang="en-US" smtClean="0"/>
               <a:pPr/>
-              <a:t>1/6/2011</a:t>
+              <a:t>3/25/2011</a:t>
             </a:fld>
             <a:endParaRPr lang="en-US"/>
           </a:p>
@@ -1971,7 +1972,7 @@
             <a:fld id="{7E3EA815-EA65-4574-BCEF-FEBEBE6A66D4}" type="datetimeFigureOut">
               <a:rPr lang="en-US" smtClean="0"/>
               <a:pPr/>
-              <a:t>1/6/2011</a:t>
+              <a:t>3/25/2011</a:t>
             </a:fld>
             <a:endParaRPr lang="en-US"/>
           </a:p>
@@ -2245,7 +2246,7 @@
             <a:fld id="{7E3EA815-EA65-4574-BCEF-FEBEBE6A66D4}" type="datetimeFigureOut">
               <a:rPr lang="en-US" smtClean="0"/>
               <a:pPr/>
-              <a:t>1/6/2011</a:t>
+              <a:t>3/25/2011</a:t>
             </a:fld>
             <a:endParaRPr lang="en-US"/>
           </a:p>
@@ -2495,7 +2496,7 @@
             <a:fld id="{7E3EA815-EA65-4574-BCEF-FEBEBE6A66D4}" type="datetimeFigureOut">
               <a:rPr lang="en-US" smtClean="0"/>
               <a:pPr/>
-              <a:t>1/6/2011</a:t>
+              <a:t>3/25/2011</a:t>
             </a:fld>
             <a:endParaRPr lang="en-US"/>
           </a:p>
@@ -2705,7 +2706,7 @@
             <a:fld id="{7E3EA815-EA65-4574-BCEF-FEBEBE6A66D4}" type="datetimeFigureOut">
               <a:rPr lang="en-US" smtClean="0"/>
               <a:pPr/>
-              <a:t>1/6/2011</a:t>
+              <a:t>3/25/2011</a:t>
             </a:fld>
             <a:endParaRPr lang="en-US"/>
           </a:p>
@@ -9137,6 +9138,74 @@
         <a:graphic>
           <a:graphicData uri="http://schemas.openxmlformats.org/presentationml/2006/ole">
             <p:oleObj spid="_x0000_s29697" name="Equation" r:id="rId3" imgW="4101840" imgH="1193760" progId="Equation.DSMT4">
+              <p:embed/>
+            </p:oleObj>
+          </a:graphicData>
+        </a:graphic>
+      </p:graphicFrame>
+    </p:spTree>
+  </p:cSld>
+  <p:clrMapOvr>
+    <a:masterClrMapping/>
+  </p:clrMapOvr>
+</p:sld>
+</file>
+
+<file path=ppt/slides/slide19.xml><?xml version="1.0" encoding="utf-8"?>
+<p:sld xmlns:a="http://schemas.openxmlformats.org/drawingml/2006/main" xmlns:r="http://schemas.openxmlformats.org/officeDocument/2006/relationships" xmlns:p="http://schemas.openxmlformats.org/presentationml/2006/main">
+  <p:cSld>
+    <p:spTree>
+      <p:nvGrpSpPr>
+        <p:cNvPr id="1" name=""/>
+        <p:cNvGrpSpPr/>
+        <p:nvPr/>
+      </p:nvGrpSpPr>
+      <p:grpSpPr>
+        <a:xfrm>
+          <a:off x="0" y="0"/>
+          <a:ext cx="0" cy="0"/>
+          <a:chOff x="0" y="0"/>
+          <a:chExt cx="0" cy="0"/>
+        </a:xfrm>
+      </p:grpSpPr>
+      <p:sp>
+        <p:nvSpPr>
+          <p:cNvPr id="2" name="Title 1"/>
+          <p:cNvSpPr>
+            <a:spLocks noGrp="1"/>
+          </p:cNvSpPr>
+          <p:nvPr>
+            <p:ph type="title"/>
+          </p:nvPr>
+        </p:nvSpPr>
+        <p:spPr/>
+        <p:txBody>
+          <a:bodyPr/>
+          <a:lstStyle/>
+          <a:p>
+            <a:r>
+              <a:rPr lang="en-US" dirty="0" smtClean="0"/>
+              <a:t>Wave propagation</a:t>
+            </a:r>
+            <a:endParaRPr lang="en-US" dirty="0"/>
+          </a:p>
+        </p:txBody>
+      </p:sp>
+      <p:graphicFrame>
+        <p:nvGraphicFramePr>
+          <p:cNvPr id="47" name="Object 46"/>
+          <p:cNvGraphicFramePr>
+            <a:graphicFrameLocks noChangeAspect="1"/>
+          </p:cNvGraphicFramePr>
+          <p:nvPr/>
+        </p:nvGraphicFramePr>
+        <p:xfrm>
+          <a:off x="611560" y="1124744"/>
+          <a:ext cx="7812088" cy="4962525"/>
+        </p:xfrm>
+        <a:graphic>
+          <a:graphicData uri="http://schemas.openxmlformats.org/presentationml/2006/ole">
+            <p:oleObj spid="_x0000_s59394" name="Equation" r:id="rId3" imgW="4038480" imgH="2565360" progId="Equation.DSMT4">
               <p:embed/>
             </p:oleObj>
           </a:graphicData>
